--- a/SE-611/Academia Slides-Books/Lecture#1-Introduction.pptx
+++ b/SE-611/Academia Slides-Books/Lecture#1-Introduction.pptx
@@ -1,38 +1,38 @@
 
 <file path=ppt/presentation.xml><?xml version="1.0" encoding="utf-8"?>
-<p:presentation xmlns:a="http://schemas.openxmlformats.org/drawingml/2006/main" xmlns:r="http://schemas.openxmlformats.org/officeDocument/2006/relationships" xmlns:p="http://schemas.openxmlformats.org/presentationml/2006/main" saveSubsetFonts="1">
+<p:presentation xmlns:a="http://schemas.openxmlformats.org/drawingml/2006/main" xmlns:r="http://schemas.openxmlformats.org/officeDocument/2006/relationships" xmlns:p="http://schemas.openxmlformats.org/presentationml/2006/main">
   <p:sldMasterIdLst>
-    <p:sldMasterId id="2147483762" r:id="rId1"/>
+    <p:sldMasterId id="2147483648" r:id="rId1"/>
   </p:sldMasterIdLst>
   <p:notesMasterIdLst>
-    <p:notesMasterId r:id="rId27"/>
+    <p:notesMasterId r:id="rId28"/>
   </p:notesMasterIdLst>
   <p:sldIdLst>
-    <p:sldId id="256" r:id="rId2"/>
-    <p:sldId id="257" r:id="rId3"/>
-    <p:sldId id="258" r:id="rId4"/>
-    <p:sldId id="259" r:id="rId5"/>
-    <p:sldId id="260" r:id="rId6"/>
-    <p:sldId id="261" r:id="rId7"/>
-    <p:sldId id="262" r:id="rId8"/>
-    <p:sldId id="265" r:id="rId9"/>
-    <p:sldId id="280" r:id="rId10"/>
-    <p:sldId id="285" r:id="rId11"/>
-    <p:sldId id="266" r:id="rId12"/>
-    <p:sldId id="283" r:id="rId13"/>
-    <p:sldId id="267" r:id="rId14"/>
-    <p:sldId id="269" r:id="rId15"/>
-    <p:sldId id="270" r:id="rId16"/>
-    <p:sldId id="271" r:id="rId17"/>
-    <p:sldId id="272" r:id="rId18"/>
-    <p:sldId id="273" r:id="rId19"/>
-    <p:sldId id="274" r:id="rId20"/>
-    <p:sldId id="275" r:id="rId21"/>
-    <p:sldId id="276" r:id="rId22"/>
-    <p:sldId id="277" r:id="rId23"/>
-    <p:sldId id="278" r:id="rId24"/>
-    <p:sldId id="264" r:id="rId25"/>
-    <p:sldId id="281" r:id="rId26"/>
+    <p:sldId id="256" r:id="rId3"/>
+    <p:sldId id="257" r:id="rId4"/>
+    <p:sldId id="258" r:id="rId5"/>
+    <p:sldId id="259" r:id="rId6"/>
+    <p:sldId id="260" r:id="rId7"/>
+    <p:sldId id="261" r:id="rId8"/>
+    <p:sldId id="262" r:id="rId9"/>
+    <p:sldId id="265" r:id="rId10"/>
+    <p:sldId id="280" r:id="rId11"/>
+    <p:sldId id="285" r:id="rId12"/>
+    <p:sldId id="266" r:id="rId13"/>
+    <p:sldId id="283" r:id="rId14"/>
+    <p:sldId id="267" r:id="rId15"/>
+    <p:sldId id="269" r:id="rId16"/>
+    <p:sldId id="270" r:id="rId17"/>
+    <p:sldId id="271" r:id="rId18"/>
+    <p:sldId id="272" r:id="rId19"/>
+    <p:sldId id="273" r:id="rId20"/>
+    <p:sldId id="274" r:id="rId21"/>
+    <p:sldId id="275" r:id="rId22"/>
+    <p:sldId id="276" r:id="rId23"/>
+    <p:sldId id="277" r:id="rId24"/>
+    <p:sldId id="278" r:id="rId25"/>
+    <p:sldId id="264" r:id="rId26"/>
+    <p:sldId id="281" r:id="rId27"/>
   </p:sldIdLst>
   <p:sldSz cx="12192000" cy="6858000"/>
   <p:notesSz cx="6858000" cy="9144000"/>
@@ -131,11 +131,6 @@
       </a:defRPr>
     </a:lvl9pPr>
   </p:defaultTextStyle>
-  <p:extLst>
-    <p:ext uri="{EFAFB233-063F-42B5-8137-9DF3F51BA10A}">
-      <p15:sldGuideLst xmlns:p15="http://schemas.microsoft.com/office/powerpoint/2012/main"/>
-    </p:ext>
-  </p:extLst>
 </p:presentation>
 </file>
 
@@ -221,7 +216,6 @@
           <a:p>
             <a:fld id="{2A1A133A-8D98-4BE8-8872-7782C73C75BC}" type="datetimeFigureOut">
               <a:rPr lang="en-US" smtClean="0"/>
-              <a:t>7/13/2023</a:t>
             </a:fld>
             <a:endParaRPr lang="en-US"/>
           </a:p>
@@ -288,6 +282,7 @@
               <a:rPr lang="en-US" smtClean="0"/>
               <a:t>Edit Master text styles</a:t>
             </a:r>
+            <a:endParaRPr lang="en-US" smtClean="0"/>
           </a:p>
           <a:p>
             <a:pPr lvl="1"/>
@@ -295,6 +290,7 @@
               <a:rPr lang="en-US" smtClean="0"/>
               <a:t>Second level</a:t>
             </a:r>
+            <a:endParaRPr lang="en-US" smtClean="0"/>
           </a:p>
           <a:p>
             <a:pPr lvl="2"/>
@@ -302,6 +298,7 @@
               <a:rPr lang="en-US" smtClean="0"/>
               <a:t>Third level</a:t>
             </a:r>
+            <a:endParaRPr lang="en-US" smtClean="0"/>
           </a:p>
           <a:p>
             <a:pPr lvl="3"/>
@@ -309,6 +306,7 @@
               <a:rPr lang="en-US" smtClean="0"/>
               <a:t>Fourth level</a:t>
             </a:r>
+            <a:endParaRPr lang="en-US" smtClean="0"/>
           </a:p>
           <a:p>
             <a:pPr lvl="4"/>
@@ -380,18 +378,12 @@
           <a:p>
             <a:fld id="{5DF8495D-4AE0-409C-A173-72D1EEFFA60F}" type="slidenum">
               <a:rPr lang="en-US" smtClean="0"/>
-              <a:t>‹#›</a:t>
             </a:fld>
             <a:endParaRPr lang="en-US"/>
           </a:p>
         </p:txBody>
       </p:sp>
     </p:spTree>
-    <p:extLst>
-      <p:ext uri="{BB962C8B-B14F-4D97-AF65-F5344CB8AC3E}">
-        <p14:creationId xmlns:p14="http://schemas.microsoft.com/office/powerpoint/2010/main" val="2295567268"/>
-      </p:ext>
-    </p:extLst>
   </p:cSld>
   <p:clrMap bg1="lt1" tx1="dk1" bg2="lt2" tx2="dk2" accent1="accent1" accent2="accent2" accent3="accent3" accent4="accent4" accent5="accent5" accent6="accent6" hlink="hlink" folHlink="folHlink"/>
   <p:notesStyle>
@@ -490,7 +482,7 @@
 </file>
 
 <file path=ppt/slideLayouts/slideLayout1.xml><?xml version="1.0" encoding="utf-8"?>
-<p:sldLayout xmlns:a="http://schemas.openxmlformats.org/drawingml/2006/main" xmlns:r="http://schemas.openxmlformats.org/officeDocument/2006/relationships" xmlns:p="http://schemas.openxmlformats.org/presentationml/2006/main" showMasterSp="0" type="title" preserve="1">
+<p:sldLayout xmlns:a="http://schemas.openxmlformats.org/drawingml/2006/main" xmlns:r="http://schemas.openxmlformats.org/officeDocument/2006/relationships" xmlns:p="http://schemas.openxmlformats.org/presentationml/2006/main" type="title" preserve="1" showMasterSp="0">
   <p:cSld name="Title Slide">
     <p:spTree>
       <p:nvGrpSpPr>
@@ -715,7 +707,6 @@
           <a:p>
             <a:fld id="{88F88D74-4B1C-4982-B008-AD822B3B1527}" type="datetime1">
               <a:rPr lang="en-US" smtClean="0"/>
-              <a:t>7/13/2023</a:t>
             </a:fld>
             <a:endParaRPr lang="en-US"/>
           </a:p>
@@ -757,7 +748,6 @@
           <a:p>
             <a:fld id="{D783A4F0-891E-44AD-B162-AD1ECFE5DF4E}" type="slidenum">
               <a:rPr lang="en-US" smtClean="0"/>
-              <a:t>‹#›</a:t>
             </a:fld>
             <a:endParaRPr lang="en-US"/>
           </a:p>
@@ -802,11 +792,6 @@
         </p:style>
       </p:cxnSp>
     </p:spTree>
-    <p:extLst>
-      <p:ext uri="{BB962C8B-B14F-4D97-AF65-F5344CB8AC3E}">
-        <p14:creationId xmlns:p14="http://schemas.microsoft.com/office/powerpoint/2010/main" val="2975079596"/>
-      </p:ext>
-    </p:extLst>
   </p:cSld>
   <p:clrMapOvr>
     <a:masterClrMapping/>
@@ -874,6 +859,7 @@
               <a:rPr lang="en-US" smtClean="0"/>
               <a:t>Edit Master text styles</a:t>
             </a:r>
+            <a:endParaRPr lang="en-US" smtClean="0"/>
           </a:p>
           <a:p>
             <a:pPr lvl="1"/>
@@ -881,6 +867,7 @@
               <a:rPr lang="en-US" smtClean="0"/>
               <a:t>Second level</a:t>
             </a:r>
+            <a:endParaRPr lang="en-US" smtClean="0"/>
           </a:p>
           <a:p>
             <a:pPr lvl="2"/>
@@ -888,6 +875,7 @@
               <a:rPr lang="en-US" smtClean="0"/>
               <a:t>Third level</a:t>
             </a:r>
+            <a:endParaRPr lang="en-US" smtClean="0"/>
           </a:p>
           <a:p>
             <a:pPr lvl="3"/>
@@ -895,6 +883,7 @@
               <a:rPr lang="en-US" smtClean="0"/>
               <a:t>Fourth level</a:t>
             </a:r>
+            <a:endParaRPr lang="en-US" smtClean="0"/>
           </a:p>
           <a:p>
             <a:pPr lvl="4"/>
@@ -923,7 +912,6 @@
           <a:p>
             <a:fld id="{CF9303FF-F1EC-428D-B841-137C07FE5EAB}" type="datetime1">
               <a:rPr lang="en-US" smtClean="0"/>
-              <a:t>7/13/2023</a:t>
             </a:fld>
             <a:endParaRPr lang="en-US"/>
           </a:p>
@@ -965,18 +953,12 @@
           <a:p>
             <a:fld id="{D783A4F0-891E-44AD-B162-AD1ECFE5DF4E}" type="slidenum">
               <a:rPr lang="en-US" smtClean="0"/>
-              <a:t>‹#›</a:t>
             </a:fld>
             <a:endParaRPr lang="en-US"/>
           </a:p>
         </p:txBody>
       </p:sp>
     </p:spTree>
-    <p:extLst>
-      <p:ext uri="{BB962C8B-B14F-4D97-AF65-F5344CB8AC3E}">
-        <p14:creationId xmlns:p14="http://schemas.microsoft.com/office/powerpoint/2010/main" val="1833385107"/>
-      </p:ext>
-    </p:extLst>
   </p:cSld>
   <p:clrMapOvr>
     <a:masterClrMapping/>
@@ -985,7 +967,7 @@
 </file>
 
 <file path=ppt/slideLayouts/slideLayout11.xml><?xml version="1.0" encoding="utf-8"?>
-<p:sldLayout xmlns:a="http://schemas.openxmlformats.org/drawingml/2006/main" xmlns:r="http://schemas.openxmlformats.org/officeDocument/2006/relationships" xmlns:p="http://schemas.openxmlformats.org/presentationml/2006/main" showMasterSp="0" type="vertTitleAndTx" preserve="1">
+<p:sldLayout xmlns:a="http://schemas.openxmlformats.org/drawingml/2006/main" xmlns:r="http://schemas.openxmlformats.org/officeDocument/2006/relationships" xmlns:p="http://schemas.openxmlformats.org/presentationml/2006/main" type="vertTitleAndTx" preserve="1" showMasterSp="0">
   <p:cSld name="Vertical Title and Text">
     <p:spTree>
       <p:nvGrpSpPr>
@@ -1130,6 +1112,7 @@
               <a:rPr lang="en-US" smtClean="0"/>
               <a:t>Edit Master text styles</a:t>
             </a:r>
+            <a:endParaRPr lang="en-US" smtClean="0"/>
           </a:p>
           <a:p>
             <a:pPr lvl="1"/>
@@ -1137,6 +1120,7 @@
               <a:rPr lang="en-US" smtClean="0"/>
               <a:t>Second level</a:t>
             </a:r>
+            <a:endParaRPr lang="en-US" smtClean="0"/>
           </a:p>
           <a:p>
             <a:pPr lvl="2"/>
@@ -1144,6 +1128,7 @@
               <a:rPr lang="en-US" smtClean="0"/>
               <a:t>Third level</a:t>
             </a:r>
+            <a:endParaRPr lang="en-US" smtClean="0"/>
           </a:p>
           <a:p>
             <a:pPr lvl="3"/>
@@ -1151,6 +1136,7 @@
               <a:rPr lang="en-US" smtClean="0"/>
               <a:t>Fourth level</a:t>
             </a:r>
+            <a:endParaRPr lang="en-US" smtClean="0"/>
           </a:p>
           <a:p>
             <a:pPr lvl="4"/>
@@ -1179,7 +1165,6 @@
           <a:p>
             <a:fld id="{946C3919-9780-4CD3-8847-49C502EA8EB2}" type="datetime1">
               <a:rPr lang="en-US" smtClean="0"/>
-              <a:t>7/13/2023</a:t>
             </a:fld>
             <a:endParaRPr lang="en-US"/>
           </a:p>
@@ -1221,18 +1206,12 @@
           <a:p>
             <a:fld id="{D783A4F0-891E-44AD-B162-AD1ECFE5DF4E}" type="slidenum">
               <a:rPr lang="en-US" smtClean="0"/>
-              <a:t>‹#›</a:t>
             </a:fld>
             <a:endParaRPr lang="en-US"/>
           </a:p>
         </p:txBody>
       </p:sp>
     </p:spTree>
-    <p:extLst>
-      <p:ext uri="{BB962C8B-B14F-4D97-AF65-F5344CB8AC3E}">
-        <p14:creationId xmlns:p14="http://schemas.microsoft.com/office/powerpoint/2010/main" val="3041187532"/>
-      </p:ext>
-    </p:extLst>
   </p:cSld>
   <p:clrMapOvr>
     <a:masterClrMapping/>
@@ -1300,6 +1279,7 @@
               <a:rPr lang="en-US" smtClean="0"/>
               <a:t>Edit Master text styles</a:t>
             </a:r>
+            <a:endParaRPr lang="en-US" smtClean="0"/>
           </a:p>
           <a:p>
             <a:pPr lvl="1"/>
@@ -1307,6 +1287,7 @@
               <a:rPr lang="en-US" smtClean="0"/>
               <a:t>Second level</a:t>
             </a:r>
+            <a:endParaRPr lang="en-US" smtClean="0"/>
           </a:p>
           <a:p>
             <a:pPr lvl="2"/>
@@ -1314,6 +1295,7 @@
               <a:rPr lang="en-US" smtClean="0"/>
               <a:t>Third level</a:t>
             </a:r>
+            <a:endParaRPr lang="en-US" smtClean="0"/>
           </a:p>
           <a:p>
             <a:pPr lvl="3"/>
@@ -1321,6 +1303,7 @@
               <a:rPr lang="en-US" smtClean="0"/>
               <a:t>Fourth level</a:t>
             </a:r>
+            <a:endParaRPr lang="en-US" smtClean="0"/>
           </a:p>
           <a:p>
             <a:pPr lvl="4"/>
@@ -1349,7 +1332,6 @@
           <a:p>
             <a:fld id="{953DD60C-603C-48CF-AF31-7D373089DBA4}" type="datetime1">
               <a:rPr lang="en-US" smtClean="0"/>
-              <a:t>7/13/2023</a:t>
             </a:fld>
             <a:endParaRPr lang="en-US"/>
           </a:p>
@@ -1391,18 +1373,12 @@
           <a:p>
             <a:fld id="{D783A4F0-891E-44AD-B162-AD1ECFE5DF4E}" type="slidenum">
               <a:rPr lang="en-US" smtClean="0"/>
-              <a:t>‹#›</a:t>
             </a:fld>
             <a:endParaRPr lang="en-US"/>
           </a:p>
         </p:txBody>
       </p:sp>
     </p:spTree>
-    <p:extLst>
-      <p:ext uri="{BB962C8B-B14F-4D97-AF65-F5344CB8AC3E}">
-        <p14:creationId xmlns:p14="http://schemas.microsoft.com/office/powerpoint/2010/main" val="635643384"/>
-      </p:ext>
-    </p:extLst>
   </p:cSld>
   <p:clrMapOvr>
     <a:masterClrMapping/>
@@ -1411,7 +1387,7 @@
 </file>
 
 <file path=ppt/slideLayouts/slideLayout3.xml><?xml version="1.0" encoding="utf-8"?>
-<p:sldLayout xmlns:a="http://schemas.openxmlformats.org/drawingml/2006/main" xmlns:r="http://schemas.openxmlformats.org/officeDocument/2006/relationships" xmlns:p="http://schemas.openxmlformats.org/presentationml/2006/main" showMasterSp="0" type="secHead" preserve="1">
+<p:sldLayout xmlns:a="http://schemas.openxmlformats.org/drawingml/2006/main" xmlns:r="http://schemas.openxmlformats.org/officeDocument/2006/relationships" xmlns:p="http://schemas.openxmlformats.org/presentationml/2006/main" type="secHead" preserve="1" showMasterSp="0">
   <p:cSld name="Section Header">
     <p:bg>
       <p:bgPr>
@@ -1672,6 +1648,7 @@
               <a:rPr lang="en-US" smtClean="0"/>
               <a:t>Edit Master text styles</a:t>
             </a:r>
+            <a:endParaRPr lang="en-US" smtClean="0"/>
           </a:p>
         </p:txBody>
       </p:sp>
@@ -1692,7 +1669,6 @@
           <a:p>
             <a:fld id="{72DF738D-A2F6-45E8-BA1B-08B7FDA88954}" type="datetime1">
               <a:rPr lang="en-US" smtClean="0"/>
-              <a:t>7/13/2023</a:t>
             </a:fld>
             <a:endParaRPr lang="en-US"/>
           </a:p>
@@ -1734,7 +1710,6 @@
           <a:p>
             <a:fld id="{D783A4F0-891E-44AD-B162-AD1ECFE5DF4E}" type="slidenum">
               <a:rPr lang="en-US" smtClean="0"/>
-              <a:t>‹#›</a:t>
             </a:fld>
             <a:endParaRPr lang="en-US"/>
           </a:p>
@@ -1779,11 +1754,6 @@
         </p:style>
       </p:cxnSp>
     </p:spTree>
-    <p:extLst>
-      <p:ext uri="{BB962C8B-B14F-4D97-AF65-F5344CB8AC3E}">
-        <p14:creationId xmlns:p14="http://schemas.microsoft.com/office/powerpoint/2010/main" val="2732744359"/>
-      </p:ext>
-    </p:extLst>
   </p:cSld>
   <p:clrMapOvr>
     <a:masterClrMapping/>
@@ -1861,6 +1831,7 @@
               <a:rPr lang="en-US" smtClean="0"/>
               <a:t>Edit Master text styles</a:t>
             </a:r>
+            <a:endParaRPr lang="en-US" smtClean="0"/>
           </a:p>
           <a:p>
             <a:pPr lvl="1"/>
@@ -1868,6 +1839,7 @@
               <a:rPr lang="en-US" smtClean="0"/>
               <a:t>Second level</a:t>
             </a:r>
+            <a:endParaRPr lang="en-US" smtClean="0"/>
           </a:p>
           <a:p>
             <a:pPr lvl="2"/>
@@ -1875,6 +1847,7 @@
               <a:rPr lang="en-US" smtClean="0"/>
               <a:t>Third level</a:t>
             </a:r>
+            <a:endParaRPr lang="en-US" smtClean="0"/>
           </a:p>
           <a:p>
             <a:pPr lvl="3"/>
@@ -1882,6 +1855,7 @@
               <a:rPr lang="en-US" smtClean="0"/>
               <a:t>Fourth level</a:t>
             </a:r>
+            <a:endParaRPr lang="en-US" smtClean="0"/>
           </a:p>
           <a:p>
             <a:pPr lvl="4"/>
@@ -1918,6 +1892,7 @@
               <a:rPr lang="en-US" smtClean="0"/>
               <a:t>Edit Master text styles</a:t>
             </a:r>
+            <a:endParaRPr lang="en-US" smtClean="0"/>
           </a:p>
           <a:p>
             <a:pPr lvl="1"/>
@@ -1925,6 +1900,7 @@
               <a:rPr lang="en-US" smtClean="0"/>
               <a:t>Second level</a:t>
             </a:r>
+            <a:endParaRPr lang="en-US" smtClean="0"/>
           </a:p>
           <a:p>
             <a:pPr lvl="2"/>
@@ -1932,6 +1908,7 @@
               <a:rPr lang="en-US" smtClean="0"/>
               <a:t>Third level</a:t>
             </a:r>
+            <a:endParaRPr lang="en-US" smtClean="0"/>
           </a:p>
           <a:p>
             <a:pPr lvl="3"/>
@@ -1939,6 +1916,7 @@
               <a:rPr lang="en-US" smtClean="0"/>
               <a:t>Fourth level</a:t>
             </a:r>
+            <a:endParaRPr lang="en-US" smtClean="0"/>
           </a:p>
           <a:p>
             <a:pPr lvl="4"/>
@@ -1967,7 +1945,6 @@
           <a:p>
             <a:fld id="{BE1B161A-8127-4E4D-972A-9C28EB462CC5}" type="datetime1">
               <a:rPr lang="en-US" smtClean="0"/>
-              <a:t>7/13/2023</a:t>
             </a:fld>
             <a:endParaRPr lang="en-US"/>
           </a:p>
@@ -2009,18 +1986,12 @@
           <a:p>
             <a:fld id="{D783A4F0-891E-44AD-B162-AD1ECFE5DF4E}" type="slidenum">
               <a:rPr lang="en-US" smtClean="0"/>
-              <a:t>‹#›</a:t>
             </a:fld>
             <a:endParaRPr lang="en-US"/>
           </a:p>
         </p:txBody>
       </p:sp>
     </p:spTree>
-    <p:extLst>
-      <p:ext uri="{BB962C8B-B14F-4D97-AF65-F5344CB8AC3E}">
-        <p14:creationId xmlns:p14="http://schemas.microsoft.com/office/powerpoint/2010/main" val="3732076156"/>
-      </p:ext>
-    </p:extLst>
   </p:cSld>
   <p:clrMapOvr>
     <a:masterClrMapping/>
@@ -2141,6 +2112,7 @@
               <a:rPr lang="en-US" smtClean="0"/>
               <a:t>Edit Master text styles</a:t>
             </a:r>
+            <a:endParaRPr lang="en-US" smtClean="0"/>
           </a:p>
         </p:txBody>
       </p:sp>
@@ -2169,6 +2141,7 @@
               <a:rPr lang="en-US" smtClean="0"/>
               <a:t>Edit Master text styles</a:t>
             </a:r>
+            <a:endParaRPr lang="en-US" smtClean="0"/>
           </a:p>
           <a:p>
             <a:pPr lvl="1"/>
@@ -2176,6 +2149,7 @@
               <a:rPr lang="en-US" smtClean="0"/>
               <a:t>Second level</a:t>
             </a:r>
+            <a:endParaRPr lang="en-US" smtClean="0"/>
           </a:p>
           <a:p>
             <a:pPr lvl="2"/>
@@ -2183,6 +2157,7 @@
               <a:rPr lang="en-US" smtClean="0"/>
               <a:t>Third level</a:t>
             </a:r>
+            <a:endParaRPr lang="en-US" smtClean="0"/>
           </a:p>
           <a:p>
             <a:pPr lvl="3"/>
@@ -2190,6 +2165,7 @@
               <a:rPr lang="en-US" smtClean="0"/>
               <a:t>Fourth level</a:t>
             </a:r>
+            <a:endParaRPr lang="en-US" smtClean="0"/>
           </a:p>
           <a:p>
             <a:pPr lvl="4"/>
@@ -2269,6 +2245,7 @@
               <a:rPr lang="en-US" smtClean="0"/>
               <a:t>Edit Master text styles</a:t>
             </a:r>
+            <a:endParaRPr lang="en-US" smtClean="0"/>
           </a:p>
         </p:txBody>
       </p:sp>
@@ -2297,6 +2274,7 @@
               <a:rPr lang="en-US" smtClean="0"/>
               <a:t>Edit Master text styles</a:t>
             </a:r>
+            <a:endParaRPr lang="en-US" smtClean="0"/>
           </a:p>
           <a:p>
             <a:pPr lvl="1"/>
@@ -2304,6 +2282,7 @@
               <a:rPr lang="en-US" smtClean="0"/>
               <a:t>Second level</a:t>
             </a:r>
+            <a:endParaRPr lang="en-US" smtClean="0"/>
           </a:p>
           <a:p>
             <a:pPr lvl="2"/>
@@ -2311,6 +2290,7 @@
               <a:rPr lang="en-US" smtClean="0"/>
               <a:t>Third level</a:t>
             </a:r>
+            <a:endParaRPr lang="en-US" smtClean="0"/>
           </a:p>
           <a:p>
             <a:pPr lvl="3"/>
@@ -2318,6 +2298,7 @@
               <a:rPr lang="en-US" smtClean="0"/>
               <a:t>Fourth level</a:t>
             </a:r>
+            <a:endParaRPr lang="en-US" smtClean="0"/>
           </a:p>
           <a:p>
             <a:pPr lvl="4"/>
@@ -2346,7 +2327,6 @@
           <a:p>
             <a:fld id="{F562DA9B-79EF-432F-8381-FDF784E027C4}" type="datetime1">
               <a:rPr lang="en-US" smtClean="0"/>
-              <a:t>7/13/2023</a:t>
             </a:fld>
             <a:endParaRPr lang="en-US"/>
           </a:p>
@@ -2388,18 +2368,12 @@
           <a:p>
             <a:fld id="{D783A4F0-891E-44AD-B162-AD1ECFE5DF4E}" type="slidenum">
               <a:rPr lang="en-US" smtClean="0"/>
-              <a:t>‹#›</a:t>
             </a:fld>
             <a:endParaRPr lang="en-US"/>
           </a:p>
         </p:txBody>
       </p:sp>
     </p:spTree>
-    <p:extLst>
-      <p:ext uri="{BB962C8B-B14F-4D97-AF65-F5344CB8AC3E}">
-        <p14:creationId xmlns:p14="http://schemas.microsoft.com/office/powerpoint/2010/main" val="1656904313"/>
-      </p:ext>
-    </p:extLst>
   </p:cSld>
   <p:clrMapOvr>
     <a:masterClrMapping/>
@@ -2464,7 +2438,6 @@
           <a:p>
             <a:fld id="{FBA6D179-8D79-49A3-85DA-A11935B70662}" type="datetime1">
               <a:rPr lang="en-US" smtClean="0"/>
-              <a:t>7/13/2023</a:t>
             </a:fld>
             <a:endParaRPr lang="en-US"/>
           </a:p>
@@ -2506,18 +2479,12 @@
           <a:p>
             <a:fld id="{D783A4F0-891E-44AD-B162-AD1ECFE5DF4E}" type="slidenum">
               <a:rPr lang="en-US" smtClean="0"/>
-              <a:t>‹#›</a:t>
             </a:fld>
             <a:endParaRPr lang="en-US"/>
           </a:p>
         </p:txBody>
       </p:sp>
     </p:spTree>
-    <p:extLst>
-      <p:ext uri="{BB962C8B-B14F-4D97-AF65-F5344CB8AC3E}">
-        <p14:creationId xmlns:p14="http://schemas.microsoft.com/office/powerpoint/2010/main" val="987523842"/>
-      </p:ext>
-    </p:extLst>
   </p:cSld>
   <p:clrMapOvr>
     <a:masterClrMapping/>
@@ -2526,7 +2493,7 @@
 </file>
 
 <file path=ppt/slideLayouts/slideLayout7.xml><?xml version="1.0" encoding="utf-8"?>
-<p:sldLayout xmlns:a="http://schemas.openxmlformats.org/drawingml/2006/main" xmlns:r="http://schemas.openxmlformats.org/officeDocument/2006/relationships" xmlns:p="http://schemas.openxmlformats.org/presentationml/2006/main" showMasterSp="0" type="blank" preserve="1">
+<p:sldLayout xmlns:a="http://schemas.openxmlformats.org/drawingml/2006/main" xmlns:r="http://schemas.openxmlformats.org/officeDocument/2006/relationships" xmlns:p="http://schemas.openxmlformats.org/presentationml/2006/main" type="blank" preserve="1" showMasterSp="0">
   <p:cSld name="Blank">
     <p:spTree>
       <p:nvGrpSpPr>
@@ -2635,7 +2602,6 @@
           <a:p>
             <a:fld id="{AB259F86-2770-4089-AD76-1C65DA8D57C4}" type="datetime1">
               <a:rPr lang="en-US" smtClean="0"/>
-              <a:t>7/13/2023</a:t>
             </a:fld>
             <a:endParaRPr lang="en-US"/>
           </a:p>
@@ -2685,18 +2651,12 @@
           <a:p>
             <a:fld id="{D783A4F0-891E-44AD-B162-AD1ECFE5DF4E}" type="slidenum">
               <a:rPr lang="en-US" smtClean="0"/>
-              <a:t>‹#›</a:t>
             </a:fld>
             <a:endParaRPr lang="en-US"/>
           </a:p>
         </p:txBody>
       </p:sp>
     </p:spTree>
-    <p:extLst>
-      <p:ext uri="{BB962C8B-B14F-4D97-AF65-F5344CB8AC3E}">
-        <p14:creationId xmlns:p14="http://schemas.microsoft.com/office/powerpoint/2010/main" val="1408097943"/>
-      </p:ext>
-    </p:extLst>
   </p:cSld>
   <p:clrMapOvr>
     <a:masterClrMapping/>
@@ -2705,7 +2665,7 @@
 </file>
 
 <file path=ppt/slideLayouts/slideLayout8.xml><?xml version="1.0" encoding="utf-8"?>
-<p:sldLayout xmlns:a="http://schemas.openxmlformats.org/drawingml/2006/main" xmlns:r="http://schemas.openxmlformats.org/officeDocument/2006/relationships" xmlns:p="http://schemas.openxmlformats.org/presentationml/2006/main" showMasterSp="0" type="objTx" preserve="1">
+<p:sldLayout xmlns:a="http://schemas.openxmlformats.org/drawingml/2006/main" xmlns:r="http://schemas.openxmlformats.org/officeDocument/2006/relationships" xmlns:p="http://schemas.openxmlformats.org/presentationml/2006/main" type="objTx" preserve="1" showMasterSp="0">
   <p:cSld name="Content with Caption">
     <p:spTree>
       <p:nvGrpSpPr>
@@ -2860,6 +2820,7 @@
               <a:rPr lang="en-US" smtClean="0"/>
               <a:t>Edit Master text styles</a:t>
             </a:r>
+            <a:endParaRPr lang="en-US" smtClean="0"/>
           </a:p>
           <a:p>
             <a:pPr lvl="1"/>
@@ -2867,6 +2828,7 @@
               <a:rPr lang="en-US" smtClean="0"/>
               <a:t>Second level</a:t>
             </a:r>
+            <a:endParaRPr lang="en-US" smtClean="0"/>
           </a:p>
           <a:p>
             <a:pPr lvl="2"/>
@@ -2874,6 +2836,7 @@
               <a:rPr lang="en-US" smtClean="0"/>
               <a:t>Third level</a:t>
             </a:r>
+            <a:endParaRPr lang="en-US" smtClean="0"/>
           </a:p>
           <a:p>
             <a:pPr lvl="3"/>
@@ -2881,6 +2844,7 @@
               <a:rPr lang="en-US" smtClean="0"/>
               <a:t>Fourth level</a:t>
             </a:r>
+            <a:endParaRPr lang="en-US" smtClean="0"/>
           </a:p>
           <a:p>
             <a:pPr lvl="4"/>
@@ -2960,6 +2924,7 @@
               <a:rPr lang="en-US" smtClean="0"/>
               <a:t>Edit Master text styles</a:t>
             </a:r>
+            <a:endParaRPr lang="en-US" smtClean="0"/>
           </a:p>
         </p:txBody>
       </p:sp>
@@ -2989,7 +2954,6 @@
           <a:p>
             <a:fld id="{13E229D1-C4E2-4D02-8468-775986A78FFA}" type="datetime1">
               <a:rPr lang="en-US" smtClean="0"/>
-              <a:t>7/13/2023</a:t>
             </a:fld>
             <a:endParaRPr lang="en-US"/>
           </a:p>
@@ -3052,18 +3016,12 @@
           <a:p>
             <a:fld id="{D783A4F0-891E-44AD-B162-AD1ECFE5DF4E}" type="slidenum">
               <a:rPr lang="en-US" smtClean="0"/>
-              <a:t>‹#›</a:t>
             </a:fld>
             <a:endParaRPr lang="en-US"/>
           </a:p>
         </p:txBody>
       </p:sp>
     </p:spTree>
-    <p:extLst>
-      <p:ext uri="{BB962C8B-B14F-4D97-AF65-F5344CB8AC3E}">
-        <p14:creationId xmlns:p14="http://schemas.microsoft.com/office/powerpoint/2010/main" val="1856154316"/>
-      </p:ext>
-    </p:extLst>
   </p:cSld>
   <p:clrMapOvr>
     <a:masterClrMapping/>
@@ -3072,7 +3030,7 @@
 </file>
 
 <file path=ppt/slideLayouts/slideLayout9.xml><?xml version="1.0" encoding="utf-8"?>
-<p:sldLayout xmlns:a="http://schemas.openxmlformats.org/drawingml/2006/main" xmlns:r="http://schemas.openxmlformats.org/officeDocument/2006/relationships" xmlns:p="http://schemas.openxmlformats.org/presentationml/2006/main" showMasterSp="0" type="picTx" preserve="1">
+<p:sldLayout xmlns:a="http://schemas.openxmlformats.org/drawingml/2006/main" xmlns:r="http://schemas.openxmlformats.org/officeDocument/2006/relationships" xmlns:p="http://schemas.openxmlformats.org/presentationml/2006/main" type="picTx" preserve="1" showMasterSp="0">
   <p:cSld name="Picture with Caption">
     <p:spTree>
       <p:nvGrpSpPr>
@@ -3346,6 +3304,7 @@
               <a:rPr lang="en-US" smtClean="0"/>
               <a:t>Edit Master text styles</a:t>
             </a:r>
+            <a:endParaRPr lang="en-US" smtClean="0"/>
           </a:p>
         </p:txBody>
       </p:sp>
@@ -3366,7 +3325,6 @@
           <a:p>
             <a:fld id="{50AA6507-9564-4DFD-AF7E-32FC9E1A2282}" type="datetime1">
               <a:rPr lang="en-US" smtClean="0"/>
-              <a:t>7/13/2023</a:t>
             </a:fld>
             <a:endParaRPr lang="en-US"/>
           </a:p>
@@ -3408,18 +3366,12 @@
           <a:p>
             <a:fld id="{D783A4F0-891E-44AD-B162-AD1ECFE5DF4E}" type="slidenum">
               <a:rPr lang="en-US" smtClean="0"/>
-              <a:t>‹#›</a:t>
             </a:fld>
             <a:endParaRPr lang="en-US"/>
           </a:p>
         </p:txBody>
       </p:sp>
     </p:spTree>
-    <p:extLst>
-      <p:ext uri="{BB962C8B-B14F-4D97-AF65-F5344CB8AC3E}">
-        <p14:creationId xmlns:p14="http://schemas.microsoft.com/office/powerpoint/2010/main" val="2325655106"/>
-      </p:ext>
-    </p:extLst>
   </p:cSld>
   <p:clrMapOvr>
     <a:masterClrMapping/>
@@ -3588,6 +3540,7 @@
               <a:rPr lang="en-US" smtClean="0"/>
               <a:t>Edit Master text styles</a:t>
             </a:r>
+            <a:endParaRPr lang="en-US" smtClean="0"/>
           </a:p>
           <a:p>
             <a:pPr lvl="1"/>
@@ -3595,6 +3548,7 @@
               <a:rPr lang="en-US" smtClean="0"/>
               <a:t>Second level</a:t>
             </a:r>
+            <a:endParaRPr lang="en-US" smtClean="0"/>
           </a:p>
           <a:p>
             <a:pPr lvl="2"/>
@@ -3602,6 +3556,7 @@
               <a:rPr lang="en-US" smtClean="0"/>
               <a:t>Third level</a:t>
             </a:r>
+            <a:endParaRPr lang="en-US" smtClean="0"/>
           </a:p>
           <a:p>
             <a:pPr lvl="3"/>
@@ -3609,6 +3564,7 @@
               <a:rPr lang="en-US" smtClean="0"/>
               <a:t>Fourth level</a:t>
             </a:r>
+            <a:endParaRPr lang="en-US" smtClean="0"/>
           </a:p>
           <a:p>
             <a:pPr lvl="4"/>
@@ -3653,7 +3609,6 @@
           <a:p>
             <a:fld id="{AFE4AFCC-56D3-4F24-B572-F6A5C5D0E7D5}" type="datetime1">
               <a:rPr lang="en-US" smtClean="0"/>
-              <a:t>7/13/2023</a:t>
             </a:fld>
             <a:endParaRPr lang="en-US"/>
           </a:p>
@@ -3727,7 +3682,6 @@
           <a:p>
             <a:fld id="{D783A4F0-891E-44AD-B162-AD1ECFE5DF4E}" type="slidenum">
               <a:rPr lang="en-US" smtClean="0"/>
-              <a:t>‹#›</a:t>
             </a:fld>
             <a:endParaRPr lang="en-US"/>
           </a:p>
@@ -3772,25 +3726,20 @@
         </p:style>
       </p:cxnSp>
     </p:spTree>
-    <p:extLst>
-      <p:ext uri="{BB962C8B-B14F-4D97-AF65-F5344CB8AC3E}">
-        <p14:creationId xmlns:p14="http://schemas.microsoft.com/office/powerpoint/2010/main" val="1809153477"/>
-      </p:ext>
-    </p:extLst>
   </p:cSld>
   <p:clrMap bg1="lt1" tx1="dk1" bg2="lt2" tx2="dk2" accent1="accent1" accent2="accent2" accent3="accent3" accent4="accent4" accent5="accent5" accent6="accent6" hlink="hlink" folHlink="folHlink"/>
   <p:sldLayoutIdLst>
-    <p:sldLayoutId id="2147483763" r:id="rId1"/>
-    <p:sldLayoutId id="2147483764" r:id="rId2"/>
-    <p:sldLayoutId id="2147483765" r:id="rId3"/>
-    <p:sldLayoutId id="2147483766" r:id="rId4"/>
-    <p:sldLayoutId id="2147483767" r:id="rId5"/>
-    <p:sldLayoutId id="2147483768" r:id="rId6"/>
-    <p:sldLayoutId id="2147483769" r:id="rId7"/>
-    <p:sldLayoutId id="2147483770" r:id="rId8"/>
-    <p:sldLayoutId id="2147483771" r:id="rId9"/>
-    <p:sldLayoutId id="2147483772" r:id="rId10"/>
-    <p:sldLayoutId id="2147483773" r:id="rId11"/>
+    <p:sldLayoutId id="2147483649" r:id="rId1"/>
+    <p:sldLayoutId id="2147483650" r:id="rId2"/>
+    <p:sldLayoutId id="2147483651" r:id="rId3"/>
+    <p:sldLayoutId id="2147483652" r:id="rId4"/>
+    <p:sldLayoutId id="2147483653" r:id="rId5"/>
+    <p:sldLayoutId id="2147483654" r:id="rId6"/>
+    <p:sldLayoutId id="2147483655" r:id="rId7"/>
+    <p:sldLayoutId id="2147483656" r:id="rId8"/>
+    <p:sldLayoutId id="2147483657" r:id="rId9"/>
+    <p:sldLayoutId id="2147483658" r:id="rId10"/>
+    <p:sldLayoutId id="2147483659" r:id="rId11"/>
   </p:sldLayoutIdLst>
   <p:hf hdr="0" ftr="0" dt="0"/>
   <p:txStyles>
@@ -3845,7 +3794,7 @@
           <a:cs typeface="+mn-cs"/>
         </a:defRPr>
       </a:lvl1pPr>
-      <a:lvl2pPr marL="384048" indent="-182880" algn="l" defTabSz="914400" rtl="0" eaLnBrk="1" latinLnBrk="0" hangingPunct="1">
+      <a:lvl2pPr marL="384175" indent="-182880" algn="l" defTabSz="914400" rtl="0" eaLnBrk="1" latinLnBrk="0" hangingPunct="1">
         <a:lnSpc>
           <a:spcPct val="90000"/>
         </a:lnSpc>
@@ -3858,7 +3807,7 @@
         <a:buClr>
           <a:schemeClr val="accent1"/>
         </a:buClr>
-        <a:buFont typeface="Calibri" pitchFamily="34" charset="0"/>
+        <a:buFont typeface="Calibri" panose="020F0502020204030204" pitchFamily="34" charset="0"/>
         <a:buChar char="◦"/>
         <a:defRPr sz="1800" kern="1200">
           <a:solidFill>
@@ -3872,7 +3821,7 @@
           <a:cs typeface="+mn-cs"/>
         </a:defRPr>
       </a:lvl2pPr>
-      <a:lvl3pPr marL="566928" indent="-182880" algn="l" defTabSz="914400" rtl="0" eaLnBrk="1" latinLnBrk="0" hangingPunct="1">
+      <a:lvl3pPr marL="567055" indent="-182880" algn="l" defTabSz="914400" rtl="0" eaLnBrk="1" latinLnBrk="0" hangingPunct="1">
         <a:lnSpc>
           <a:spcPct val="90000"/>
         </a:lnSpc>
@@ -3885,7 +3834,7 @@
         <a:buClr>
           <a:schemeClr val="accent1"/>
         </a:buClr>
-        <a:buFont typeface="Calibri" pitchFamily="34" charset="0"/>
+        <a:buFont typeface="Calibri" panose="020F0502020204030204" pitchFamily="34" charset="0"/>
         <a:buChar char="◦"/>
         <a:defRPr sz="1400" kern="1200">
           <a:solidFill>
@@ -3899,7 +3848,7 @@
           <a:cs typeface="+mn-cs"/>
         </a:defRPr>
       </a:lvl3pPr>
-      <a:lvl4pPr marL="749808" indent="-182880" algn="l" defTabSz="914400" rtl="0" eaLnBrk="1" latinLnBrk="0" hangingPunct="1">
+      <a:lvl4pPr marL="749935" indent="-182880" algn="l" defTabSz="914400" rtl="0" eaLnBrk="1" latinLnBrk="0" hangingPunct="1">
         <a:lnSpc>
           <a:spcPct val="90000"/>
         </a:lnSpc>
@@ -3912,7 +3861,7 @@
         <a:buClr>
           <a:schemeClr val="accent1"/>
         </a:buClr>
-        <a:buFont typeface="Calibri" pitchFamily="34" charset="0"/>
+        <a:buFont typeface="Calibri" panose="020F0502020204030204" pitchFamily="34" charset="0"/>
         <a:buChar char="◦"/>
         <a:defRPr sz="1400" kern="1200">
           <a:solidFill>
@@ -3926,7 +3875,7 @@
           <a:cs typeface="+mn-cs"/>
         </a:defRPr>
       </a:lvl4pPr>
-      <a:lvl5pPr marL="932688" indent="-182880" algn="l" defTabSz="914400" rtl="0" eaLnBrk="1" latinLnBrk="0" hangingPunct="1">
+      <a:lvl5pPr marL="932815" indent="-182880" algn="l" defTabSz="914400" rtl="0" eaLnBrk="1" latinLnBrk="0" hangingPunct="1">
         <a:lnSpc>
           <a:spcPct val="90000"/>
         </a:lnSpc>
@@ -3939,7 +3888,7 @@
         <a:buClr>
           <a:schemeClr val="accent1"/>
         </a:buClr>
-        <a:buFont typeface="Calibri" pitchFamily="34" charset="0"/>
+        <a:buFont typeface="Calibri" panose="020F0502020204030204" pitchFamily="34" charset="0"/>
         <a:buChar char="◦"/>
         <a:defRPr sz="1400" kern="1200">
           <a:solidFill>
@@ -3953,7 +3902,7 @@
           <a:cs typeface="+mn-cs"/>
         </a:defRPr>
       </a:lvl5pPr>
-      <a:lvl6pPr marL="1100000" indent="-228600" algn="l" defTabSz="914400" rtl="0" eaLnBrk="1" latinLnBrk="0" hangingPunct="1">
+      <a:lvl6pPr marL="1099820" indent="-228600" algn="l" defTabSz="914400" rtl="0" eaLnBrk="1" latinLnBrk="0" hangingPunct="1">
         <a:lnSpc>
           <a:spcPct val="90000"/>
         </a:lnSpc>
@@ -3966,7 +3915,7 @@
         <a:buClr>
           <a:schemeClr val="accent1"/>
         </a:buClr>
-        <a:buFont typeface="Calibri" pitchFamily="34" charset="0"/>
+        <a:buFont typeface="Calibri" panose="020F0502020204030204" pitchFamily="34" charset="0"/>
         <a:buChar char="◦"/>
         <a:defRPr sz="1400" kern="1200">
           <a:solidFill>
@@ -3980,7 +3929,7 @@
           <a:cs typeface="+mn-cs"/>
         </a:defRPr>
       </a:lvl6pPr>
-      <a:lvl7pPr marL="1300000" indent="-228600" algn="l" defTabSz="914400" rtl="0" eaLnBrk="1" latinLnBrk="0" hangingPunct="1">
+      <a:lvl7pPr marL="1299845" indent="-228600" algn="l" defTabSz="914400" rtl="0" eaLnBrk="1" latinLnBrk="0" hangingPunct="1">
         <a:lnSpc>
           <a:spcPct val="90000"/>
         </a:lnSpc>
@@ -3993,7 +3942,7 @@
         <a:buClr>
           <a:schemeClr val="accent1"/>
         </a:buClr>
-        <a:buFont typeface="Calibri" pitchFamily="34" charset="0"/>
+        <a:buFont typeface="Calibri" panose="020F0502020204030204" pitchFamily="34" charset="0"/>
         <a:buChar char="◦"/>
         <a:defRPr sz="1400" kern="1200">
           <a:solidFill>
@@ -4007,7 +3956,7 @@
           <a:cs typeface="+mn-cs"/>
         </a:defRPr>
       </a:lvl7pPr>
-      <a:lvl8pPr marL="1500000" indent="-228600" algn="l" defTabSz="914400" rtl="0" eaLnBrk="1" latinLnBrk="0" hangingPunct="1">
+      <a:lvl8pPr marL="1499870" indent="-228600" algn="l" defTabSz="914400" rtl="0" eaLnBrk="1" latinLnBrk="0" hangingPunct="1">
         <a:lnSpc>
           <a:spcPct val="90000"/>
         </a:lnSpc>
@@ -4020,7 +3969,7 @@
         <a:buClr>
           <a:schemeClr val="accent1"/>
         </a:buClr>
-        <a:buFont typeface="Calibri" pitchFamily="34" charset="0"/>
+        <a:buFont typeface="Calibri" panose="020F0502020204030204" pitchFamily="34" charset="0"/>
         <a:buChar char="◦"/>
         <a:defRPr sz="1400" kern="1200">
           <a:solidFill>
@@ -4034,7 +3983,7 @@
           <a:cs typeface="+mn-cs"/>
         </a:defRPr>
       </a:lvl8pPr>
-      <a:lvl9pPr marL="1700000" indent="-228600" algn="l" defTabSz="914400" rtl="0" eaLnBrk="1" latinLnBrk="0" hangingPunct="1">
+      <a:lvl9pPr marL="1699895" indent="-228600" algn="l" defTabSz="914400" rtl="0" eaLnBrk="1" latinLnBrk="0" hangingPunct="1">
         <a:lnSpc>
           <a:spcPct val="90000"/>
         </a:lnSpc>
@@ -4047,7 +3996,7 @@
         <a:buClr>
           <a:schemeClr val="accent1"/>
         </a:buClr>
-        <a:buFont typeface="Calibri" pitchFamily="34" charset="0"/>
+        <a:buFont typeface="Calibri" panose="020F0502020204030204" pitchFamily="34" charset="0"/>
         <a:buChar char="◦"/>
         <a:defRPr sz="1400" kern="1200">
           <a:solidFill>
@@ -4198,8 +4147,8 @@
                 <a:solidFill>
                   <a:schemeClr val="accent1"/>
                 </a:solidFill>
-                <a:latin typeface="Times New Roman" panose="02020603050405020304" pitchFamily="18" charset="0"/>
-                <a:cs typeface="Times New Roman" panose="02020603050405020304" pitchFamily="18" charset="0"/>
+                <a:latin typeface="Times New Roman" panose="02020503050405090304" pitchFamily="18" charset="0"/>
+                <a:cs typeface="Times New Roman" panose="02020503050405090304" pitchFamily="18" charset="0"/>
               </a:rPr>
               <a:t>Software Metrics</a:t>
             </a:r>
@@ -4207,8 +4156,8 @@
               <a:solidFill>
                 <a:schemeClr val="accent1"/>
               </a:solidFill>
-              <a:latin typeface="Times New Roman" panose="02020603050405020304" pitchFamily="18" charset="0"/>
-              <a:cs typeface="Times New Roman" panose="02020603050405020304" pitchFamily="18" charset="0"/>
+              <a:latin typeface="Times New Roman" panose="02020503050405090304" pitchFamily="18" charset="0"/>
+              <a:cs typeface="Times New Roman" panose="02020503050405090304" pitchFamily="18" charset="0"/>
             </a:endParaRPr>
           </a:p>
         </p:txBody>
@@ -4230,14 +4179,14 @@
           <a:p>
             <a:r>
               <a:rPr lang="en-US" dirty="0" smtClean="0">
-                <a:latin typeface="Times New Roman" panose="02020603050405020304" pitchFamily="18" charset="0"/>
-                <a:cs typeface="Times New Roman" panose="02020603050405020304" pitchFamily="18" charset="0"/>
+                <a:latin typeface="Times New Roman" panose="02020503050405090304" pitchFamily="18" charset="0"/>
+                <a:cs typeface="Times New Roman" panose="02020503050405090304" pitchFamily="18" charset="0"/>
               </a:rPr>
               <a:t>SE 611</a:t>
             </a:r>
             <a:endParaRPr lang="en-US" dirty="0">
-              <a:latin typeface="Times New Roman" panose="02020603050405020304" pitchFamily="18" charset="0"/>
-              <a:cs typeface="Times New Roman" panose="02020603050405020304" pitchFamily="18" charset="0"/>
+              <a:latin typeface="Times New Roman" panose="02020503050405090304" pitchFamily="18" charset="0"/>
+              <a:cs typeface="Times New Roman" panose="02020503050405090304" pitchFamily="18" charset="0"/>
             </a:endParaRPr>
           </a:p>
         </p:txBody>
@@ -4259,18 +4208,12 @@
           <a:p>
             <a:fld id="{D783A4F0-891E-44AD-B162-AD1ECFE5DF4E}" type="slidenum">
               <a:rPr lang="en-US" smtClean="0"/>
-              <a:t>1</a:t>
             </a:fld>
             <a:endParaRPr lang="en-US"/>
           </a:p>
         </p:txBody>
       </p:sp>
     </p:spTree>
-    <p:extLst>
-      <p:ext uri="{BB962C8B-B14F-4D97-AF65-F5344CB8AC3E}">
-        <p14:creationId xmlns:p14="http://schemas.microsoft.com/office/powerpoint/2010/main" val="2191820333"/>
-      </p:ext>
-    </p:extLst>
   </p:cSld>
   <p:clrMapOvr>
     <a:masterClrMapping/>
@@ -4324,8 +4267,8 @@
                     <a:lumMod val="75000"/>
                   </a:schemeClr>
                 </a:solidFill>
-                <a:latin typeface="Times New Roman" panose="02020603050405020304" pitchFamily="18" charset="0"/>
-                <a:cs typeface="Times New Roman" panose="02020603050405020304" pitchFamily="18" charset="0"/>
+                <a:latin typeface="Times New Roman" panose="02020503050405090304" pitchFamily="18" charset="0"/>
+                <a:cs typeface="Times New Roman" panose="02020503050405090304" pitchFamily="18" charset="0"/>
               </a:rPr>
               <a:t>Neglecting of Measurement in SE</a:t>
             </a:r>
@@ -4335,8 +4278,8 @@
                   <a:lumMod val="75000"/>
                 </a:schemeClr>
               </a:solidFill>
-              <a:latin typeface="Times New Roman" panose="02020603050405020304" pitchFamily="18" charset="0"/>
-              <a:cs typeface="Times New Roman" panose="02020603050405020304" pitchFamily="18" charset="0"/>
+              <a:latin typeface="Times New Roman" panose="02020503050405090304" pitchFamily="18" charset="0"/>
+              <a:cs typeface="Times New Roman" panose="02020503050405090304" pitchFamily="18" charset="0"/>
             </a:endParaRPr>
           </a:p>
         </p:txBody>
@@ -4364,14 +4307,24 @@
             </a:pPr>
             <a:r>
               <a:rPr lang="en-US" sz="3200" dirty="0" smtClean="0">
-                <a:latin typeface="Times New Roman" panose="02020603050405020304" pitchFamily="18" charset="0"/>
-                <a:cs typeface="Times New Roman" panose="02020603050405020304" pitchFamily="18" charset="0"/>
-              </a:rPr>
-              <a:t>Failure to set measurable targets for the product (e.g., how user-friendly, reliable, and maintainable a product is)</a:t>
+                <a:highlight>
+                  <a:srgbClr val="FFFF00"/>
+                </a:highlight>
+                <a:latin typeface="Times New Roman" panose="02020503050405090304" pitchFamily="18" charset="0"/>
+                <a:cs typeface="Times New Roman" panose="02020503050405090304" pitchFamily="18" charset="0"/>
+              </a:rPr>
+              <a:t>Failure to set measurable targets for the product</a:t>
+            </a:r>
+            <a:r>
+              <a:rPr lang="en-US" sz="3200" dirty="0" smtClean="0">
+                <a:latin typeface="Times New Roman" panose="02020503050405090304" pitchFamily="18" charset="0"/>
+                <a:cs typeface="Times New Roman" panose="02020503050405090304" pitchFamily="18" charset="0"/>
+              </a:rPr>
+              <a:t> (e.g., how user-friendly, reliable, and maintainable a product is)</a:t>
             </a:r>
             <a:endParaRPr lang="en-US" sz="3200" dirty="0">
-              <a:latin typeface="Times New Roman" panose="02020603050405020304" pitchFamily="18" charset="0"/>
-              <a:cs typeface="Times New Roman" panose="02020603050405020304" pitchFamily="18" charset="0"/>
+              <a:latin typeface="Times New Roman" panose="02020503050405090304" pitchFamily="18" charset="0"/>
+              <a:cs typeface="Times New Roman" panose="02020503050405090304" pitchFamily="18" charset="0"/>
             </a:endParaRPr>
           </a:p>
           <a:p>
@@ -4381,11 +4334,25 @@
             </a:pPr>
             <a:r>
               <a:rPr lang="en-US" sz="3200" dirty="0" smtClean="0">
-                <a:latin typeface="Times New Roman" panose="02020603050405020304" pitchFamily="18" charset="0"/>
-                <a:cs typeface="Times New Roman" panose="02020603050405020304" pitchFamily="18" charset="0"/>
-              </a:rPr>
-              <a:t>Failure to understand and quantify the component costs of a software project, e.g., difference between design cost, coding cost, testing cost</a:t>
-            </a:r>
+                <a:highlight>
+                  <a:srgbClr val="FFFF00"/>
+                </a:highlight>
+                <a:latin typeface="Times New Roman" panose="02020503050405090304" pitchFamily="18" charset="0"/>
+                <a:cs typeface="Times New Roman" panose="02020503050405090304" pitchFamily="18" charset="0"/>
+              </a:rPr>
+              <a:t>Failure to understand and quantify the component costs of a software projec</a:t>
+            </a:r>
+            <a:r>
+              <a:rPr lang="en-US" sz="3200" dirty="0" smtClean="0">
+                <a:latin typeface="Times New Roman" panose="02020503050405090304" pitchFamily="18" charset="0"/>
+                <a:cs typeface="Times New Roman" panose="02020503050405090304" pitchFamily="18" charset="0"/>
+              </a:rPr>
+              <a:t>t, e.g., difference between design cost, coding cost, testing cost</a:t>
+            </a:r>
+            <a:endParaRPr lang="en-US" sz="3200" dirty="0" smtClean="0">
+              <a:latin typeface="Times New Roman" panose="02020503050405090304" pitchFamily="18" charset="0"/>
+              <a:cs typeface="Times New Roman" panose="02020503050405090304" pitchFamily="18" charset="0"/>
+            </a:endParaRPr>
           </a:p>
           <a:p>
             <a:pPr>
@@ -4394,11 +4361,25 @@
             </a:pPr>
             <a:r>
               <a:rPr lang="en-US" sz="3200" dirty="0" smtClean="0">
-                <a:latin typeface="Times New Roman" panose="02020603050405020304" pitchFamily="18" charset="0"/>
-                <a:cs typeface="Times New Roman" panose="02020603050405020304" pitchFamily="18" charset="0"/>
-              </a:rPr>
-              <a:t>Failure to quantify or predict the quality of product. Thus potential user can not be informed how reliable a product is.</a:t>
-            </a:r>
+                <a:highlight>
+                  <a:srgbClr val="FFFF00"/>
+                </a:highlight>
+                <a:latin typeface="Times New Roman" panose="02020503050405090304" pitchFamily="18" charset="0"/>
+                <a:cs typeface="Times New Roman" panose="02020503050405090304" pitchFamily="18" charset="0"/>
+              </a:rPr>
+              <a:t>Failure to quantify or predict the quality of product.</a:t>
+            </a:r>
+            <a:r>
+              <a:rPr lang="en-US" sz="3200" dirty="0" smtClean="0">
+                <a:latin typeface="Times New Roman" panose="02020503050405090304" pitchFamily="18" charset="0"/>
+                <a:cs typeface="Times New Roman" panose="02020503050405090304" pitchFamily="18" charset="0"/>
+              </a:rPr>
+              <a:t> Thus potential user can not be informed how reliable a product is.</a:t>
+            </a:r>
+            <a:endParaRPr lang="en-US" sz="3200" dirty="0" smtClean="0">
+              <a:latin typeface="Times New Roman" panose="02020503050405090304" pitchFamily="18" charset="0"/>
+              <a:cs typeface="Times New Roman" panose="02020503050405090304" pitchFamily="18" charset="0"/>
+            </a:endParaRPr>
           </a:p>
         </p:txBody>
       </p:sp>
@@ -4419,18 +4400,12 @@
           <a:p>
             <a:fld id="{D783A4F0-891E-44AD-B162-AD1ECFE5DF4E}" type="slidenum">
               <a:rPr lang="en-US" smtClean="0"/>
-              <a:t>10</a:t>
             </a:fld>
             <a:endParaRPr lang="en-US"/>
           </a:p>
         </p:txBody>
       </p:sp>
     </p:spTree>
-    <p:extLst>
-      <p:ext uri="{BB962C8B-B14F-4D97-AF65-F5344CB8AC3E}">
-        <p14:creationId xmlns:p14="http://schemas.microsoft.com/office/powerpoint/2010/main" val="1917468023"/>
-      </p:ext>
-    </p:extLst>
   </p:cSld>
   <p:clrMapOvr>
     <a:masterClrMapping/>
@@ -4484,8 +4459,8 @@
                     <a:lumMod val="75000"/>
                   </a:schemeClr>
                 </a:solidFill>
-                <a:latin typeface="Times New Roman" panose="02020603050405020304" pitchFamily="18" charset="0"/>
-                <a:cs typeface="Times New Roman" panose="02020603050405020304" pitchFamily="18" charset="0"/>
+                <a:latin typeface="Times New Roman" panose="02020503050405090304" pitchFamily="18" charset="0"/>
+                <a:cs typeface="Times New Roman" panose="02020503050405090304" pitchFamily="18" charset="0"/>
               </a:rPr>
               <a:t>Metrics</a:t>
             </a:r>
@@ -4495,8 +4470,8 @@
                   <a:lumMod val="75000"/>
                 </a:schemeClr>
               </a:solidFill>
-              <a:latin typeface="Times New Roman" panose="02020603050405020304" pitchFamily="18" charset="0"/>
-              <a:cs typeface="Times New Roman" panose="02020603050405020304" pitchFamily="18" charset="0"/>
+              <a:latin typeface="Times New Roman" panose="02020503050405090304" pitchFamily="18" charset="0"/>
+              <a:cs typeface="Times New Roman" panose="02020503050405090304" pitchFamily="18" charset="0"/>
             </a:endParaRPr>
           </a:p>
         </p:txBody>
@@ -4524,36 +4499,36 @@
             </a:pPr>
             <a:r>
               <a:rPr lang="en-US" sz="3200" dirty="0">
-                <a:latin typeface="Times New Roman" panose="02020603050405020304" pitchFamily="18" charset="0"/>
-                <a:cs typeface="Times New Roman" panose="02020603050405020304" pitchFamily="18" charset="0"/>
+                <a:latin typeface="Times New Roman" panose="02020503050405090304" pitchFamily="18" charset="0"/>
+                <a:cs typeface="Times New Roman" panose="02020503050405090304" pitchFamily="18" charset="0"/>
               </a:rPr>
               <a:t>Metrics are standards ( i.e., commonly accepted scales, </a:t>
             </a:r>
             <a:r>
               <a:rPr lang="en-US" sz="3200" dirty="0" smtClean="0">
-                <a:latin typeface="Times New Roman" panose="02020603050405020304" pitchFamily="18" charset="0"/>
-                <a:cs typeface="Times New Roman" panose="02020603050405020304" pitchFamily="18" charset="0"/>
+                <a:latin typeface="Times New Roman" panose="02020503050405090304" pitchFamily="18" charset="0"/>
+                <a:cs typeface="Times New Roman" panose="02020503050405090304" pitchFamily="18" charset="0"/>
               </a:rPr>
               <a:t>measurements </a:t>
             </a:r>
             <a:r>
               <a:rPr lang="en-US" sz="3200" dirty="0">
-                <a:latin typeface="Times New Roman" panose="02020603050405020304" pitchFamily="18" charset="0"/>
-                <a:cs typeface="Times New Roman" panose="02020603050405020304" pitchFamily="18" charset="0"/>
+                <a:latin typeface="Times New Roman" panose="02020503050405090304" pitchFamily="18" charset="0"/>
+                <a:cs typeface="Times New Roman" panose="02020503050405090304" pitchFamily="18" charset="0"/>
               </a:rPr>
               <a:t>or quantifiable indicators</a:t>
             </a:r>
             <a:r>
               <a:rPr lang="en-US" sz="3200" dirty="0" smtClean="0">
-                <a:latin typeface="Times New Roman" panose="02020603050405020304" pitchFamily="18" charset="0"/>
-                <a:cs typeface="Times New Roman" panose="02020603050405020304" pitchFamily="18" charset="0"/>
+                <a:latin typeface="Times New Roman" panose="02020503050405090304" pitchFamily="18" charset="0"/>
+                <a:cs typeface="Times New Roman" panose="02020503050405090304" pitchFamily="18" charset="0"/>
               </a:rPr>
               <a:t>) </a:t>
             </a:r>
             <a:r>
               <a:rPr lang="en-US" sz="3200" dirty="0" smtClean="0">
-                <a:latin typeface="Times New Roman" panose="02020603050405020304" pitchFamily="18" charset="0"/>
-                <a:cs typeface="Times New Roman" panose="02020603050405020304" pitchFamily="18" charset="0"/>
+                <a:latin typeface="Times New Roman" panose="02020503050405090304" pitchFamily="18" charset="0"/>
+                <a:cs typeface="Times New Roman" panose="02020503050405090304" pitchFamily="18" charset="0"/>
               </a:rPr>
               <a:t>that </a:t>
             </a:r>
@@ -4562,28 +4537,28 @@
                 <a:solidFill>
                   <a:srgbClr val="FF0000"/>
                 </a:solidFill>
-                <a:latin typeface="Times New Roman" panose="02020603050405020304" pitchFamily="18" charset="0"/>
-                <a:cs typeface="Times New Roman" panose="02020603050405020304" pitchFamily="18" charset="0"/>
+                <a:latin typeface="Times New Roman" panose="02020503050405090304" pitchFamily="18" charset="0"/>
+                <a:cs typeface="Times New Roman" panose="02020503050405090304" pitchFamily="18" charset="0"/>
               </a:rPr>
               <a:t>define measurable attributes of entities</a:t>
             </a:r>
             <a:r>
               <a:rPr lang="en-US" sz="3200" dirty="0" smtClean="0">
-                <a:latin typeface="Times New Roman" panose="02020603050405020304" pitchFamily="18" charset="0"/>
-                <a:cs typeface="Times New Roman" panose="02020603050405020304" pitchFamily="18" charset="0"/>
+                <a:latin typeface="Times New Roman" panose="02020503050405090304" pitchFamily="18" charset="0"/>
+                <a:cs typeface="Times New Roman" panose="02020503050405090304" pitchFamily="18" charset="0"/>
               </a:rPr>
               <a:t>, their units, and their </a:t>
             </a:r>
             <a:r>
               <a:rPr lang="en-US" sz="3200" dirty="0" smtClean="0">
-                <a:latin typeface="Times New Roman" panose="02020603050405020304" pitchFamily="18" charset="0"/>
-                <a:cs typeface="Times New Roman" panose="02020603050405020304" pitchFamily="18" charset="0"/>
+                <a:latin typeface="Times New Roman" panose="02020503050405090304" pitchFamily="18" charset="0"/>
+                <a:cs typeface="Times New Roman" panose="02020503050405090304" pitchFamily="18" charset="0"/>
               </a:rPr>
               <a:t>scopes. </a:t>
             </a:r>
             <a:endParaRPr lang="en-US" sz="3200" dirty="0" smtClean="0">
-              <a:latin typeface="Times New Roman" panose="02020603050405020304" pitchFamily="18" charset="0"/>
-              <a:cs typeface="Times New Roman" panose="02020603050405020304" pitchFamily="18" charset="0"/>
+              <a:latin typeface="Times New Roman" panose="02020503050405090304" pitchFamily="18" charset="0"/>
+              <a:cs typeface="Times New Roman" panose="02020503050405090304" pitchFamily="18" charset="0"/>
             </a:endParaRPr>
           </a:p>
           <a:p>
@@ -4593,25 +4568,29 @@
             </a:pPr>
             <a:r>
               <a:rPr lang="en-US" sz="3200" i="1" dirty="0" smtClean="0">
-                <a:latin typeface="Times New Roman" panose="02020603050405020304" pitchFamily="18" charset="0"/>
-                <a:cs typeface="Times New Roman" panose="02020603050405020304" pitchFamily="18" charset="0"/>
+                <a:latin typeface="Times New Roman" panose="02020503050405090304" pitchFamily="18" charset="0"/>
+                <a:cs typeface="Times New Roman" panose="02020503050405090304" pitchFamily="18" charset="0"/>
               </a:rPr>
               <a:t>Software Metrics </a:t>
             </a:r>
             <a:r>
               <a:rPr lang="en-US" sz="3200" dirty="0">
-                <a:latin typeface="Times New Roman" panose="02020603050405020304" pitchFamily="18" charset="0"/>
-                <a:cs typeface="Times New Roman" panose="02020603050405020304" pitchFamily="18" charset="0"/>
+                <a:latin typeface="Times New Roman" panose="02020503050405090304" pitchFamily="18" charset="0"/>
+                <a:cs typeface="Times New Roman" panose="02020503050405090304" pitchFamily="18" charset="0"/>
               </a:rPr>
               <a:t>are measures that are used to quantify software, software development resources, and/or the software development </a:t>
             </a:r>
             <a:r>
               <a:rPr lang="en-US" sz="3200" dirty="0" smtClean="0">
-                <a:latin typeface="Times New Roman" panose="02020603050405020304" pitchFamily="18" charset="0"/>
-                <a:cs typeface="Times New Roman" panose="02020603050405020304" pitchFamily="18" charset="0"/>
+                <a:latin typeface="Times New Roman" panose="02020503050405090304" pitchFamily="18" charset="0"/>
+                <a:cs typeface="Times New Roman" panose="02020503050405090304" pitchFamily="18" charset="0"/>
               </a:rPr>
               <a:t>process</a:t>
             </a:r>
+            <a:endParaRPr lang="en-US" sz="3200" dirty="0" smtClean="0">
+              <a:latin typeface="Times New Roman" panose="02020503050405090304" pitchFamily="18" charset="0"/>
+              <a:cs typeface="Times New Roman" panose="02020503050405090304" pitchFamily="18" charset="0"/>
+            </a:endParaRPr>
           </a:p>
           <a:p>
             <a:pPr>
@@ -4620,14 +4599,14 @@
             </a:pPr>
             <a:r>
               <a:rPr lang="en-US" sz="3200" dirty="0" smtClean="0">
-                <a:latin typeface="Times New Roman" panose="02020603050405020304" pitchFamily="18" charset="0"/>
-                <a:cs typeface="Times New Roman" panose="02020603050405020304" pitchFamily="18" charset="0"/>
+                <a:latin typeface="Times New Roman" panose="02020503050405090304" pitchFamily="18" charset="0"/>
+                <a:cs typeface="Times New Roman" panose="02020503050405090304" pitchFamily="18" charset="0"/>
               </a:rPr>
               <a:t>Common Software metrics: size metrics, effort metrics, quality metrics, productivity metrics, maintainability, and reliability metrics. </a:t>
             </a:r>
             <a:endParaRPr lang="en-US" sz="3200" dirty="0" smtClean="0">
-              <a:latin typeface="Times New Roman" panose="02020603050405020304" pitchFamily="18" charset="0"/>
-              <a:cs typeface="Times New Roman" panose="02020603050405020304" pitchFamily="18" charset="0"/>
+              <a:latin typeface="Times New Roman" panose="02020503050405090304" pitchFamily="18" charset="0"/>
+              <a:cs typeface="Times New Roman" panose="02020503050405090304" pitchFamily="18" charset="0"/>
             </a:endParaRPr>
           </a:p>
           <a:p>
@@ -4640,11 +4619,18 @@
                 <a:solidFill>
                   <a:srgbClr val="FF0000"/>
                 </a:solidFill>
-                <a:latin typeface="Times New Roman" panose="02020603050405020304" pitchFamily="18" charset="0"/>
-                <a:cs typeface="Times New Roman" panose="02020603050405020304" pitchFamily="18" charset="0"/>
+                <a:latin typeface="Times New Roman" panose="02020503050405090304" pitchFamily="18" charset="0"/>
+                <a:cs typeface="Times New Roman" panose="02020503050405090304" pitchFamily="18" charset="0"/>
               </a:rPr>
               <a:t>“What is Not Measurable Make Measurable”</a:t>
             </a:r>
+            <a:endParaRPr lang="en-US" sz="3200" i="1" dirty="0" smtClean="0">
+              <a:solidFill>
+                <a:srgbClr val="FF0000"/>
+              </a:solidFill>
+              <a:latin typeface="Times New Roman" panose="02020503050405090304" pitchFamily="18" charset="0"/>
+              <a:cs typeface="Times New Roman" panose="02020503050405090304" pitchFamily="18" charset="0"/>
+            </a:endParaRPr>
           </a:p>
         </p:txBody>
       </p:sp>
@@ -4665,18 +4651,12 @@
           <a:p>
             <a:fld id="{D783A4F0-891E-44AD-B162-AD1ECFE5DF4E}" type="slidenum">
               <a:rPr lang="en-US" smtClean="0"/>
-              <a:t>11</a:t>
             </a:fld>
             <a:endParaRPr lang="en-US"/>
           </a:p>
         </p:txBody>
       </p:sp>
     </p:spTree>
-    <p:extLst>
-      <p:ext uri="{BB962C8B-B14F-4D97-AF65-F5344CB8AC3E}">
-        <p14:creationId xmlns:p14="http://schemas.microsoft.com/office/powerpoint/2010/main" val="428203548"/>
-      </p:ext>
-    </p:extLst>
   </p:cSld>
   <p:clrMapOvr>
     <a:masterClrMapping/>
@@ -4730,8 +4710,8 @@
                     <a:lumMod val="75000"/>
                   </a:schemeClr>
                 </a:solidFill>
-                <a:latin typeface="Times New Roman" panose="02020603050405020304" pitchFamily="18" charset="0"/>
-                <a:cs typeface="Times New Roman" panose="02020603050405020304" pitchFamily="18" charset="0"/>
+                <a:latin typeface="Times New Roman" panose="02020503050405090304" pitchFamily="18" charset="0"/>
+                <a:cs typeface="Times New Roman" panose="02020503050405090304" pitchFamily="18" charset="0"/>
               </a:rPr>
               <a:t>Mathematical Perspective of Metrics</a:t>
             </a:r>
@@ -4741,8 +4721,8 @@
                   <a:lumMod val="75000"/>
                 </a:schemeClr>
               </a:solidFill>
-              <a:latin typeface="Times New Roman" panose="02020603050405020304" pitchFamily="18" charset="0"/>
-              <a:cs typeface="Times New Roman" panose="02020603050405020304" pitchFamily="18" charset="0"/>
+              <a:latin typeface="Times New Roman" panose="02020503050405090304" pitchFamily="18" charset="0"/>
+              <a:cs typeface="Times New Roman" panose="02020503050405090304" pitchFamily="18" charset="0"/>
             </a:endParaRPr>
           </a:p>
         </p:txBody>
@@ -4770,109 +4750,113 @@
             </a:pPr>
             <a:r>
               <a:rPr lang="en-US" sz="3200" dirty="0" smtClean="0">
-                <a:latin typeface="Times New Roman" panose="02020603050405020304" pitchFamily="18" charset="0"/>
-                <a:cs typeface="Times New Roman" panose="02020603050405020304" pitchFamily="18" charset="0"/>
+                <a:latin typeface="Times New Roman" panose="02020503050405090304" pitchFamily="18" charset="0"/>
+                <a:cs typeface="Times New Roman" panose="02020503050405090304" pitchFamily="18" charset="0"/>
               </a:rPr>
               <a:t>A metrics is a function </a:t>
             </a:r>
             <a:r>
               <a:rPr lang="en-US" sz="3200" i="1" dirty="0" smtClean="0">
-                <a:latin typeface="Times New Roman" panose="02020603050405020304" pitchFamily="18" charset="0"/>
-                <a:cs typeface="Times New Roman" panose="02020603050405020304" pitchFamily="18" charset="0"/>
+                <a:latin typeface="Times New Roman" panose="02020503050405090304" pitchFamily="18" charset="0"/>
+                <a:cs typeface="Times New Roman" panose="02020503050405090304" pitchFamily="18" charset="0"/>
               </a:rPr>
               <a:t>m</a:t>
             </a:r>
             <a:r>
               <a:rPr lang="en-US" sz="3200" dirty="0" smtClean="0">
-                <a:latin typeface="Times New Roman" panose="02020603050405020304" pitchFamily="18" charset="0"/>
-                <a:cs typeface="Times New Roman" panose="02020603050405020304" pitchFamily="18" charset="0"/>
+                <a:latin typeface="Times New Roman" panose="02020503050405090304" pitchFamily="18" charset="0"/>
+                <a:cs typeface="Times New Roman" panose="02020503050405090304" pitchFamily="18" charset="0"/>
               </a:rPr>
               <a:t> defined on pairs of objects </a:t>
             </a:r>
             <a:r>
               <a:rPr lang="en-US" sz="3200" i="1" dirty="0" smtClean="0">
-                <a:latin typeface="Times New Roman" panose="02020603050405020304" pitchFamily="18" charset="0"/>
-                <a:cs typeface="Times New Roman" panose="02020603050405020304" pitchFamily="18" charset="0"/>
+                <a:latin typeface="Times New Roman" panose="02020503050405090304" pitchFamily="18" charset="0"/>
+                <a:cs typeface="Times New Roman" panose="02020503050405090304" pitchFamily="18" charset="0"/>
               </a:rPr>
               <a:t>x</a:t>
             </a:r>
             <a:r>
               <a:rPr lang="en-US" sz="3200" dirty="0" smtClean="0">
-                <a:latin typeface="Times New Roman" panose="02020603050405020304" pitchFamily="18" charset="0"/>
-                <a:cs typeface="Times New Roman" panose="02020603050405020304" pitchFamily="18" charset="0"/>
+                <a:latin typeface="Times New Roman" panose="02020503050405090304" pitchFamily="18" charset="0"/>
+                <a:cs typeface="Times New Roman" panose="02020503050405090304" pitchFamily="18" charset="0"/>
               </a:rPr>
               <a:t> and </a:t>
             </a:r>
             <a:r>
               <a:rPr lang="en-US" sz="3200" i="1" dirty="0" smtClean="0">
-                <a:latin typeface="Times New Roman" panose="02020603050405020304" pitchFamily="18" charset="0"/>
-                <a:cs typeface="Times New Roman" panose="02020603050405020304" pitchFamily="18" charset="0"/>
+                <a:latin typeface="Times New Roman" panose="02020503050405090304" pitchFamily="18" charset="0"/>
+                <a:cs typeface="Times New Roman" panose="02020503050405090304" pitchFamily="18" charset="0"/>
               </a:rPr>
               <a:t>y</a:t>
             </a:r>
             <a:r>
               <a:rPr lang="en-US" sz="3200" dirty="0" smtClean="0">
-                <a:latin typeface="Times New Roman" panose="02020603050405020304" pitchFamily="18" charset="0"/>
-                <a:cs typeface="Times New Roman" panose="02020603050405020304" pitchFamily="18" charset="0"/>
+                <a:latin typeface="Times New Roman" panose="02020503050405090304" pitchFamily="18" charset="0"/>
+                <a:cs typeface="Times New Roman" panose="02020503050405090304" pitchFamily="18" charset="0"/>
               </a:rPr>
               <a:t> such that </a:t>
             </a:r>
             <a:r>
               <a:rPr lang="en-US" sz="3200" i="1" dirty="0" smtClean="0">
-                <a:latin typeface="Times New Roman" panose="02020603050405020304" pitchFamily="18" charset="0"/>
-                <a:cs typeface="Times New Roman" panose="02020603050405020304" pitchFamily="18" charset="0"/>
+                <a:latin typeface="Times New Roman" panose="02020503050405090304" pitchFamily="18" charset="0"/>
+                <a:cs typeface="Times New Roman" panose="02020503050405090304" pitchFamily="18" charset="0"/>
               </a:rPr>
               <a:t>m</a:t>
             </a:r>
             <a:r>
               <a:rPr lang="en-US" sz="3200" dirty="0" smtClean="0">
-                <a:latin typeface="Times New Roman" panose="02020603050405020304" pitchFamily="18" charset="0"/>
-                <a:cs typeface="Times New Roman" panose="02020603050405020304" pitchFamily="18" charset="0"/>
+                <a:latin typeface="Times New Roman" panose="02020503050405090304" pitchFamily="18" charset="0"/>
+                <a:cs typeface="Times New Roman" panose="02020503050405090304" pitchFamily="18" charset="0"/>
               </a:rPr>
               <a:t>(</a:t>
             </a:r>
             <a:r>
               <a:rPr lang="en-US" sz="3200" i="1" dirty="0" err="1" smtClean="0">
-                <a:latin typeface="Times New Roman" panose="02020603050405020304" pitchFamily="18" charset="0"/>
-                <a:cs typeface="Times New Roman" panose="02020603050405020304" pitchFamily="18" charset="0"/>
+                <a:latin typeface="Times New Roman" panose="02020503050405090304" pitchFamily="18" charset="0"/>
+                <a:cs typeface="Times New Roman" panose="02020503050405090304" pitchFamily="18" charset="0"/>
               </a:rPr>
               <a:t>x,y</a:t>
             </a:r>
             <a:r>
               <a:rPr lang="en-US" sz="3200" dirty="0" smtClean="0">
-                <a:latin typeface="Times New Roman" panose="02020603050405020304" pitchFamily="18" charset="0"/>
-                <a:cs typeface="Times New Roman" panose="02020603050405020304" pitchFamily="18" charset="0"/>
+                <a:latin typeface="Times New Roman" panose="02020503050405090304" pitchFamily="18" charset="0"/>
+                <a:cs typeface="Times New Roman" panose="02020503050405090304" pitchFamily="18" charset="0"/>
               </a:rPr>
               <a:t>) represent the distance between </a:t>
             </a:r>
             <a:r>
               <a:rPr lang="en-US" sz="3200" i="1" dirty="0" smtClean="0">
-                <a:latin typeface="Times New Roman" panose="02020603050405020304" pitchFamily="18" charset="0"/>
-                <a:cs typeface="Times New Roman" panose="02020603050405020304" pitchFamily="18" charset="0"/>
+                <a:latin typeface="Times New Roman" panose="02020503050405090304" pitchFamily="18" charset="0"/>
+                <a:cs typeface="Times New Roman" panose="02020503050405090304" pitchFamily="18" charset="0"/>
               </a:rPr>
               <a:t>x</a:t>
             </a:r>
             <a:r>
               <a:rPr lang="en-US" sz="3200" dirty="0" smtClean="0">
-                <a:latin typeface="Times New Roman" panose="02020603050405020304" pitchFamily="18" charset="0"/>
-                <a:cs typeface="Times New Roman" panose="02020603050405020304" pitchFamily="18" charset="0"/>
+                <a:latin typeface="Times New Roman" panose="02020503050405090304" pitchFamily="18" charset="0"/>
+                <a:cs typeface="Times New Roman" panose="02020503050405090304" pitchFamily="18" charset="0"/>
               </a:rPr>
               <a:t> and </a:t>
             </a:r>
             <a:r>
               <a:rPr lang="en-US" sz="3200" i="1" dirty="0" smtClean="0">
-                <a:latin typeface="Times New Roman" panose="02020603050405020304" pitchFamily="18" charset="0"/>
-                <a:cs typeface="Times New Roman" panose="02020603050405020304" pitchFamily="18" charset="0"/>
+                <a:latin typeface="Times New Roman" panose="02020503050405090304" pitchFamily="18" charset="0"/>
+                <a:cs typeface="Times New Roman" panose="02020503050405090304" pitchFamily="18" charset="0"/>
               </a:rPr>
               <a:t>y</a:t>
             </a:r>
             <a:r>
               <a:rPr lang="en-US" sz="3200" dirty="0" smtClean="0">
-                <a:latin typeface="Times New Roman" panose="02020603050405020304" pitchFamily="18" charset="0"/>
-                <a:cs typeface="Times New Roman" panose="02020603050405020304" pitchFamily="18" charset="0"/>
+                <a:latin typeface="Times New Roman" panose="02020503050405090304" pitchFamily="18" charset="0"/>
+                <a:cs typeface="Times New Roman" panose="02020503050405090304" pitchFamily="18" charset="0"/>
               </a:rPr>
               <a:t>. Such metric must satisfy certain properties</a:t>
             </a:r>
+            <a:endParaRPr lang="en-US" sz="3200" dirty="0" smtClean="0">
+              <a:latin typeface="Times New Roman" panose="02020503050405090304" pitchFamily="18" charset="0"/>
+              <a:cs typeface="Times New Roman" panose="02020503050405090304" pitchFamily="18" charset="0"/>
+            </a:endParaRPr>
           </a:p>
           <a:p>
             <a:pPr lvl="2">
@@ -4881,53 +4865,57 @@
             </a:pPr>
             <a:r>
               <a:rPr lang="en-US" sz="2600" i="1" dirty="0">
-                <a:latin typeface="Times New Roman" panose="02020603050405020304" pitchFamily="18" charset="0"/>
-                <a:cs typeface="Times New Roman" panose="02020603050405020304" pitchFamily="18" charset="0"/>
+                <a:latin typeface="Times New Roman" panose="02020503050405090304" pitchFamily="18" charset="0"/>
+                <a:cs typeface="Times New Roman" panose="02020503050405090304" pitchFamily="18" charset="0"/>
               </a:rPr>
               <a:t>m</a:t>
             </a:r>
             <a:r>
               <a:rPr lang="en-US" sz="2600" dirty="0" smtClean="0">
-                <a:latin typeface="Times New Roman" panose="02020603050405020304" pitchFamily="18" charset="0"/>
-                <a:cs typeface="Times New Roman" panose="02020603050405020304" pitchFamily="18" charset="0"/>
+                <a:latin typeface="Times New Roman" panose="02020503050405090304" pitchFamily="18" charset="0"/>
+                <a:cs typeface="Times New Roman" panose="02020503050405090304" pitchFamily="18" charset="0"/>
               </a:rPr>
               <a:t>(</a:t>
             </a:r>
             <a:r>
               <a:rPr lang="en-US" sz="2600" i="1" dirty="0" smtClean="0">
-                <a:latin typeface="Times New Roman" panose="02020603050405020304" pitchFamily="18" charset="0"/>
-                <a:cs typeface="Times New Roman" panose="02020603050405020304" pitchFamily="18" charset="0"/>
+                <a:latin typeface="Times New Roman" panose="02020503050405090304" pitchFamily="18" charset="0"/>
+                <a:cs typeface="Times New Roman" panose="02020503050405090304" pitchFamily="18" charset="0"/>
               </a:rPr>
               <a:t>x, x</a:t>
             </a:r>
             <a:r>
               <a:rPr lang="en-US" sz="2600" dirty="0" smtClean="0">
-                <a:latin typeface="Times New Roman" panose="02020603050405020304" pitchFamily="18" charset="0"/>
-                <a:cs typeface="Times New Roman" panose="02020603050405020304" pitchFamily="18" charset="0"/>
+                <a:latin typeface="Times New Roman" panose="02020503050405090304" pitchFamily="18" charset="0"/>
+                <a:cs typeface="Times New Roman" panose="02020503050405090304" pitchFamily="18" charset="0"/>
               </a:rPr>
               <a:t>)</a:t>
             </a:r>
             <a:r>
               <a:rPr lang="en-US" sz="2600" i="1" dirty="0" smtClean="0">
-                <a:latin typeface="Times New Roman" panose="02020603050405020304" pitchFamily="18" charset="0"/>
-                <a:cs typeface="Times New Roman" panose="02020603050405020304" pitchFamily="18" charset="0"/>
+                <a:latin typeface="Times New Roman" panose="02020503050405090304" pitchFamily="18" charset="0"/>
+                <a:cs typeface="Times New Roman" panose="02020503050405090304" pitchFamily="18" charset="0"/>
               </a:rPr>
               <a:t> </a:t>
             </a:r>
             <a:r>
               <a:rPr lang="en-US" sz="2600" dirty="0" smtClean="0">
-                <a:latin typeface="Times New Roman" panose="02020603050405020304" pitchFamily="18" charset="0"/>
-                <a:cs typeface="Times New Roman" panose="02020603050405020304" pitchFamily="18" charset="0"/>
+                <a:latin typeface="Times New Roman" panose="02020503050405090304" pitchFamily="18" charset="0"/>
+                <a:cs typeface="Times New Roman" panose="02020503050405090304" pitchFamily="18" charset="0"/>
               </a:rPr>
               <a:t>= 0 for all </a:t>
             </a:r>
             <a:r>
               <a:rPr lang="en-US" sz="2600" i="1" dirty="0" smtClean="0">
-                <a:latin typeface="Times New Roman" panose="02020603050405020304" pitchFamily="18" charset="0"/>
-                <a:cs typeface="Times New Roman" panose="02020603050405020304" pitchFamily="18" charset="0"/>
+                <a:latin typeface="Times New Roman" panose="02020503050405090304" pitchFamily="18" charset="0"/>
+                <a:cs typeface="Times New Roman" panose="02020503050405090304" pitchFamily="18" charset="0"/>
               </a:rPr>
               <a:t>x</a:t>
             </a:r>
+            <a:endParaRPr lang="en-US" sz="2600" i="1" dirty="0" smtClean="0">
+              <a:latin typeface="Times New Roman" panose="02020503050405090304" pitchFamily="18" charset="0"/>
+              <a:cs typeface="Times New Roman" panose="02020503050405090304" pitchFamily="18" charset="0"/>
+            </a:endParaRPr>
           </a:p>
           <a:p>
             <a:pPr lvl="2">
@@ -4936,60 +4924,64 @@
             </a:pPr>
             <a:r>
               <a:rPr lang="en-US" sz="2600" i="1" dirty="0" smtClean="0">
-                <a:latin typeface="Times New Roman" panose="02020603050405020304" pitchFamily="18" charset="0"/>
-                <a:cs typeface="Times New Roman" panose="02020603050405020304" pitchFamily="18" charset="0"/>
+                <a:latin typeface="Times New Roman" panose="02020503050405090304" pitchFamily="18" charset="0"/>
+                <a:cs typeface="Times New Roman" panose="02020503050405090304" pitchFamily="18" charset="0"/>
               </a:rPr>
               <a:t>m</a:t>
             </a:r>
             <a:r>
               <a:rPr lang="en-US" sz="2600" dirty="0" smtClean="0">
-                <a:latin typeface="Times New Roman" panose="02020603050405020304" pitchFamily="18" charset="0"/>
-                <a:cs typeface="Times New Roman" panose="02020603050405020304" pitchFamily="18" charset="0"/>
+                <a:latin typeface="Times New Roman" panose="02020503050405090304" pitchFamily="18" charset="0"/>
+                <a:cs typeface="Times New Roman" panose="02020503050405090304" pitchFamily="18" charset="0"/>
               </a:rPr>
               <a:t>(</a:t>
             </a:r>
             <a:r>
               <a:rPr lang="en-US" sz="2600" i="1" dirty="0" smtClean="0">
-                <a:latin typeface="Times New Roman" panose="02020603050405020304" pitchFamily="18" charset="0"/>
-                <a:cs typeface="Times New Roman" panose="02020603050405020304" pitchFamily="18" charset="0"/>
+                <a:latin typeface="Times New Roman" panose="02020503050405090304" pitchFamily="18" charset="0"/>
+                <a:cs typeface="Times New Roman" panose="02020503050405090304" pitchFamily="18" charset="0"/>
               </a:rPr>
               <a:t>x, y</a:t>
             </a:r>
             <a:r>
               <a:rPr lang="en-US" sz="2600" dirty="0" smtClean="0">
-                <a:latin typeface="Times New Roman" panose="02020603050405020304" pitchFamily="18" charset="0"/>
-                <a:cs typeface="Times New Roman" panose="02020603050405020304" pitchFamily="18" charset="0"/>
+                <a:latin typeface="Times New Roman" panose="02020503050405090304" pitchFamily="18" charset="0"/>
+                <a:cs typeface="Times New Roman" panose="02020503050405090304" pitchFamily="18" charset="0"/>
               </a:rPr>
               <a:t>) = </a:t>
             </a:r>
             <a:r>
               <a:rPr lang="en-US" sz="2600" i="1" dirty="0" smtClean="0">
-                <a:latin typeface="Times New Roman" panose="02020603050405020304" pitchFamily="18" charset="0"/>
-                <a:cs typeface="Times New Roman" panose="02020603050405020304" pitchFamily="18" charset="0"/>
+                <a:latin typeface="Times New Roman" panose="02020503050405090304" pitchFamily="18" charset="0"/>
+                <a:cs typeface="Times New Roman" panose="02020503050405090304" pitchFamily="18" charset="0"/>
               </a:rPr>
               <a:t>m</a:t>
             </a:r>
             <a:r>
               <a:rPr lang="en-US" sz="2600" dirty="0" smtClean="0">
-                <a:latin typeface="Times New Roman" panose="02020603050405020304" pitchFamily="18" charset="0"/>
-                <a:cs typeface="Times New Roman" panose="02020603050405020304" pitchFamily="18" charset="0"/>
+                <a:latin typeface="Times New Roman" panose="02020503050405090304" pitchFamily="18" charset="0"/>
+                <a:cs typeface="Times New Roman" panose="02020503050405090304" pitchFamily="18" charset="0"/>
               </a:rPr>
               <a:t>(</a:t>
             </a:r>
             <a:r>
               <a:rPr lang="en-US" sz="2600" i="1" dirty="0" smtClean="0">
-                <a:latin typeface="Times New Roman" panose="02020603050405020304" pitchFamily="18" charset="0"/>
-                <a:cs typeface="Times New Roman" panose="02020603050405020304" pitchFamily="18" charset="0"/>
+                <a:latin typeface="Times New Roman" panose="02020503050405090304" pitchFamily="18" charset="0"/>
+                <a:cs typeface="Times New Roman" panose="02020503050405090304" pitchFamily="18" charset="0"/>
               </a:rPr>
               <a:t>y, x</a:t>
             </a:r>
             <a:r>
               <a:rPr lang="en-US" sz="2600" dirty="0" smtClean="0">
-                <a:latin typeface="Times New Roman" panose="02020603050405020304" pitchFamily="18" charset="0"/>
-                <a:cs typeface="Times New Roman" panose="02020603050405020304" pitchFamily="18" charset="0"/>
+                <a:latin typeface="Times New Roman" panose="02020503050405090304" pitchFamily="18" charset="0"/>
+                <a:cs typeface="Times New Roman" panose="02020503050405090304" pitchFamily="18" charset="0"/>
               </a:rPr>
               <a:t>)</a:t>
             </a:r>
+            <a:endParaRPr lang="en-US" sz="2600" dirty="0" smtClean="0">
+              <a:latin typeface="Times New Roman" panose="02020503050405090304" pitchFamily="18" charset="0"/>
+              <a:cs typeface="Times New Roman" panose="02020503050405090304" pitchFamily="18" charset="0"/>
+            </a:endParaRPr>
           </a:p>
           <a:p>
             <a:pPr lvl="2">
@@ -4998,123 +4990,127 @@
             </a:pPr>
             <a:r>
               <a:rPr lang="en-US" sz="2600" i="1" dirty="0">
-                <a:latin typeface="Times New Roman" panose="02020603050405020304" pitchFamily="18" charset="0"/>
-                <a:cs typeface="Times New Roman" panose="02020603050405020304" pitchFamily="18" charset="0"/>
+                <a:latin typeface="Times New Roman" panose="02020503050405090304" pitchFamily="18" charset="0"/>
+                <a:cs typeface="Times New Roman" panose="02020503050405090304" pitchFamily="18" charset="0"/>
               </a:rPr>
               <a:t>m</a:t>
             </a:r>
             <a:r>
               <a:rPr lang="en-US" sz="2600" dirty="0" smtClean="0">
-                <a:latin typeface="Times New Roman" panose="02020603050405020304" pitchFamily="18" charset="0"/>
-                <a:cs typeface="Times New Roman" panose="02020603050405020304" pitchFamily="18" charset="0"/>
+                <a:latin typeface="Times New Roman" panose="02020503050405090304" pitchFamily="18" charset="0"/>
+                <a:cs typeface="Times New Roman" panose="02020503050405090304" pitchFamily="18" charset="0"/>
               </a:rPr>
               <a:t>(</a:t>
             </a:r>
             <a:r>
               <a:rPr lang="en-US" sz="2600" i="1" dirty="0" smtClean="0">
-                <a:latin typeface="Times New Roman" panose="02020603050405020304" pitchFamily="18" charset="0"/>
-                <a:cs typeface="Times New Roman" panose="02020603050405020304" pitchFamily="18" charset="0"/>
+                <a:latin typeface="Times New Roman" panose="02020503050405090304" pitchFamily="18" charset="0"/>
+                <a:cs typeface="Times New Roman" panose="02020503050405090304" pitchFamily="18" charset="0"/>
               </a:rPr>
               <a:t>x, z</a:t>
             </a:r>
             <a:r>
               <a:rPr lang="en-US" sz="2600" dirty="0" smtClean="0">
-                <a:latin typeface="Times New Roman" panose="02020603050405020304" pitchFamily="18" charset="0"/>
-                <a:cs typeface="Times New Roman" panose="02020603050405020304" pitchFamily="18" charset="0"/>
+                <a:latin typeface="Times New Roman" panose="02020503050405090304" pitchFamily="18" charset="0"/>
+                <a:cs typeface="Times New Roman" panose="02020503050405090304" pitchFamily="18" charset="0"/>
               </a:rPr>
               <a:t>) &lt;= </a:t>
             </a:r>
             <a:r>
               <a:rPr lang="en-US" sz="2600" i="1" dirty="0" smtClean="0">
-                <a:latin typeface="Times New Roman" panose="02020603050405020304" pitchFamily="18" charset="0"/>
-                <a:cs typeface="Times New Roman" panose="02020603050405020304" pitchFamily="18" charset="0"/>
+                <a:latin typeface="Times New Roman" panose="02020503050405090304" pitchFamily="18" charset="0"/>
+                <a:cs typeface="Times New Roman" panose="02020503050405090304" pitchFamily="18" charset="0"/>
               </a:rPr>
               <a:t>m</a:t>
             </a:r>
             <a:r>
               <a:rPr lang="en-US" sz="2600" dirty="0" smtClean="0">
-                <a:latin typeface="Times New Roman" panose="02020603050405020304" pitchFamily="18" charset="0"/>
-                <a:cs typeface="Times New Roman" panose="02020603050405020304" pitchFamily="18" charset="0"/>
+                <a:latin typeface="Times New Roman" panose="02020503050405090304" pitchFamily="18" charset="0"/>
+                <a:cs typeface="Times New Roman" panose="02020503050405090304" pitchFamily="18" charset="0"/>
               </a:rPr>
               <a:t>(</a:t>
             </a:r>
             <a:r>
               <a:rPr lang="en-US" sz="2600" i="1" dirty="0" smtClean="0">
-                <a:latin typeface="Times New Roman" panose="02020603050405020304" pitchFamily="18" charset="0"/>
-                <a:cs typeface="Times New Roman" panose="02020603050405020304" pitchFamily="18" charset="0"/>
+                <a:latin typeface="Times New Roman" panose="02020503050405090304" pitchFamily="18" charset="0"/>
+                <a:cs typeface="Times New Roman" panose="02020503050405090304" pitchFamily="18" charset="0"/>
               </a:rPr>
               <a:t>x, y</a:t>
             </a:r>
             <a:r>
               <a:rPr lang="en-US" sz="2600" dirty="0" smtClean="0">
-                <a:latin typeface="Times New Roman" panose="02020603050405020304" pitchFamily="18" charset="0"/>
-                <a:cs typeface="Times New Roman" panose="02020603050405020304" pitchFamily="18" charset="0"/>
+                <a:latin typeface="Times New Roman" panose="02020503050405090304" pitchFamily="18" charset="0"/>
+                <a:cs typeface="Times New Roman" panose="02020503050405090304" pitchFamily="18" charset="0"/>
               </a:rPr>
               <a:t>) + </a:t>
             </a:r>
             <a:r>
               <a:rPr lang="en-US" sz="2600" i="1" dirty="0" smtClean="0">
-                <a:latin typeface="Times New Roman" panose="02020603050405020304" pitchFamily="18" charset="0"/>
-                <a:cs typeface="Times New Roman" panose="02020603050405020304" pitchFamily="18" charset="0"/>
+                <a:latin typeface="Times New Roman" panose="02020503050405090304" pitchFamily="18" charset="0"/>
+                <a:cs typeface="Times New Roman" panose="02020503050405090304" pitchFamily="18" charset="0"/>
               </a:rPr>
               <a:t>m</a:t>
             </a:r>
             <a:r>
               <a:rPr lang="en-US" sz="2600" dirty="0" smtClean="0">
-                <a:latin typeface="Times New Roman" panose="02020603050405020304" pitchFamily="18" charset="0"/>
-                <a:cs typeface="Times New Roman" panose="02020603050405020304" pitchFamily="18" charset="0"/>
+                <a:latin typeface="Times New Roman" panose="02020503050405090304" pitchFamily="18" charset="0"/>
+                <a:cs typeface="Times New Roman" panose="02020503050405090304" pitchFamily="18" charset="0"/>
               </a:rPr>
               <a:t>(</a:t>
             </a:r>
             <a:r>
               <a:rPr lang="en-US" sz="2600" i="1" dirty="0" smtClean="0">
-                <a:latin typeface="Times New Roman" panose="02020603050405020304" pitchFamily="18" charset="0"/>
-                <a:cs typeface="Times New Roman" panose="02020603050405020304" pitchFamily="18" charset="0"/>
+                <a:latin typeface="Times New Roman" panose="02020503050405090304" pitchFamily="18" charset="0"/>
+                <a:cs typeface="Times New Roman" panose="02020503050405090304" pitchFamily="18" charset="0"/>
               </a:rPr>
               <a:t>y, z</a:t>
             </a:r>
             <a:r>
               <a:rPr lang="en-US" sz="2600" dirty="0" smtClean="0">
-                <a:latin typeface="Times New Roman" panose="02020603050405020304" pitchFamily="18" charset="0"/>
-                <a:cs typeface="Times New Roman" panose="02020603050405020304" pitchFamily="18" charset="0"/>
+                <a:latin typeface="Times New Roman" panose="02020503050405090304" pitchFamily="18" charset="0"/>
+                <a:cs typeface="Times New Roman" panose="02020503050405090304" pitchFamily="18" charset="0"/>
               </a:rPr>
               <a:t>) for all </a:t>
             </a:r>
             <a:r>
               <a:rPr lang="en-US" sz="2600" i="1" dirty="0" smtClean="0">
-                <a:latin typeface="Times New Roman" panose="02020603050405020304" pitchFamily="18" charset="0"/>
-                <a:cs typeface="Times New Roman" panose="02020603050405020304" pitchFamily="18" charset="0"/>
+                <a:latin typeface="Times New Roman" panose="02020503050405090304" pitchFamily="18" charset="0"/>
+                <a:cs typeface="Times New Roman" panose="02020503050405090304" pitchFamily="18" charset="0"/>
               </a:rPr>
               <a:t>x</a:t>
             </a:r>
             <a:r>
               <a:rPr lang="en-US" sz="2600" dirty="0" smtClean="0">
-                <a:latin typeface="Times New Roman" panose="02020603050405020304" pitchFamily="18" charset="0"/>
-                <a:cs typeface="Times New Roman" panose="02020603050405020304" pitchFamily="18" charset="0"/>
+                <a:latin typeface="Times New Roman" panose="02020503050405090304" pitchFamily="18" charset="0"/>
+                <a:cs typeface="Times New Roman" panose="02020503050405090304" pitchFamily="18" charset="0"/>
               </a:rPr>
               <a:t>, </a:t>
             </a:r>
             <a:r>
               <a:rPr lang="en-US" sz="2600" i="1" dirty="0" smtClean="0">
-                <a:latin typeface="Times New Roman" panose="02020603050405020304" pitchFamily="18" charset="0"/>
-                <a:cs typeface="Times New Roman" panose="02020603050405020304" pitchFamily="18" charset="0"/>
+                <a:latin typeface="Times New Roman" panose="02020503050405090304" pitchFamily="18" charset="0"/>
+                <a:cs typeface="Times New Roman" panose="02020503050405090304" pitchFamily="18" charset="0"/>
               </a:rPr>
               <a:t>y</a:t>
             </a:r>
             <a:r>
               <a:rPr lang="en-US" sz="2600" dirty="0" smtClean="0">
-                <a:latin typeface="Times New Roman" panose="02020603050405020304" pitchFamily="18" charset="0"/>
-                <a:cs typeface="Times New Roman" panose="02020603050405020304" pitchFamily="18" charset="0"/>
+                <a:latin typeface="Times New Roman" panose="02020503050405090304" pitchFamily="18" charset="0"/>
+                <a:cs typeface="Times New Roman" panose="02020503050405090304" pitchFamily="18" charset="0"/>
               </a:rPr>
               <a:t>, and </a:t>
             </a:r>
             <a:r>
               <a:rPr lang="en-US" sz="2600" i="1" dirty="0" smtClean="0">
-                <a:latin typeface="Times New Roman" panose="02020603050405020304" pitchFamily="18" charset="0"/>
-                <a:cs typeface="Times New Roman" panose="02020603050405020304" pitchFamily="18" charset="0"/>
+                <a:latin typeface="Times New Roman" panose="02020503050405090304" pitchFamily="18" charset="0"/>
+                <a:cs typeface="Times New Roman" panose="02020503050405090304" pitchFamily="18" charset="0"/>
               </a:rPr>
               <a:t>z</a:t>
             </a:r>
+            <a:endParaRPr lang="en-US" sz="2600" i="1" dirty="0" smtClean="0">
+              <a:latin typeface="Times New Roman" panose="02020503050405090304" pitchFamily="18" charset="0"/>
+              <a:cs typeface="Times New Roman" panose="02020503050405090304" pitchFamily="18" charset="0"/>
+            </a:endParaRPr>
           </a:p>
         </p:txBody>
       </p:sp>
@@ -5135,18 +5131,182 @@
           <a:p>
             <a:fld id="{D783A4F0-891E-44AD-B162-AD1ECFE5DF4E}" type="slidenum">
               <a:rPr lang="en-US" smtClean="0"/>
-              <a:t>12</a:t>
             </a:fld>
             <a:endParaRPr lang="en-US"/>
           </a:p>
         </p:txBody>
       </p:sp>
+      <p:graphicFrame>
+        <p:nvGraphicFramePr>
+          <p:cNvPr id="9" name="Table 8"/>
+          <p:cNvGraphicFramePr/>
+          <p:nvPr/>
+        </p:nvGraphicFramePr>
+        <p:xfrm>
+          <a:off x="1373505" y="4464050"/>
+          <a:ext cx="1311910" cy="505460"/>
+        </p:xfrm>
+        <a:graphic>
+          <a:graphicData uri="http://schemas.openxmlformats.org/drawingml/2006/table">
+            <a:tbl>
+              <a:tblPr/>
+              <a:tblGrid>
+                <a:gridCol w="1311910"/>
+              </a:tblGrid>
+              <a:tr h="505460">
+                <a:tc>
+                  <a:txBody>
+                    <a:bodyPr/>
+                    <a:p>
+                      <a:r>
+                        <a:rPr sz="2400">
+                          <a:solidFill>
+                            <a:srgbClr val="FF0000"/>
+                          </a:solidFill>
+                          <a:highlight>
+                            <a:srgbClr val="FFFF00"/>
+                          </a:highlight>
+                        </a:rPr>
+                        <a:t>Example</a:t>
+                      </a:r>
+                      <a:endParaRPr sz="2400">
+                        <a:solidFill>
+                          <a:srgbClr val="FF0000"/>
+                        </a:solidFill>
+                        <a:highlight>
+                          <a:srgbClr val="FFFF00"/>
+                        </a:highlight>
+                      </a:endParaRPr>
+                    </a:p>
+                  </a:txBody>
+                  <a:tcPr marL="0" marR="0" marT="0" marB="0" anchor="ctr" anchorCtr="0">
+                    <a:lnL>
+                      <a:noFill/>
+                    </a:lnL>
+                    <a:lnR>
+                      <a:noFill/>
+                    </a:lnR>
+                    <a:lnT>
+                      <a:noFill/>
+                    </a:lnT>
+                    <a:lnB>
+                      <a:noFill/>
+                    </a:lnB>
+                    <a:noFill/>
+                  </a:tcPr>
+                </a:tc>
+              </a:tr>
+            </a:tbl>
+          </a:graphicData>
+        </a:graphic>
+      </p:graphicFrame>
+      <p:graphicFrame>
+        <p:nvGraphicFramePr>
+          <p:cNvPr id="10" name="Table 9"/>
+          <p:cNvGraphicFramePr/>
+          <p:nvPr/>
+        </p:nvGraphicFramePr>
+        <p:xfrm>
+          <a:off x="1373505" y="4969510"/>
+          <a:ext cx="6880225" cy="505460"/>
+        </p:xfrm>
+        <a:graphic>
+          <a:graphicData uri="http://schemas.openxmlformats.org/drawingml/2006/table">
+            <a:tbl>
+              <a:tblPr/>
+              <a:tblGrid>
+                <a:gridCol w="6880225"/>
+              </a:tblGrid>
+              <a:tr h="505460">
+                <a:tc>
+                  <a:txBody>
+                    <a:bodyPr/>
+                    <a:p>
+                      <a:r>
+                        <a:rPr sz="2000">
+                          <a:solidFill>
+                            <a:srgbClr val="FF0000"/>
+                          </a:solidFill>
+                          <a:highlight>
+                            <a:srgbClr val="FFFF00"/>
+                          </a:highlight>
+                        </a:rPr>
+                        <a:t>"Login module has 500 LOC"</a:t>
+                      </a:r>
+                      <a:r>
+                        <a:rPr lang="en-US" sz="2000">
+                          <a:solidFill>
+                            <a:srgbClr val="FF0000"/>
+                          </a:solidFill>
+                          <a:highlight>
+                            <a:srgbClr val="FFFF00"/>
+                          </a:highlight>
+                        </a:rPr>
+                        <a:t> --&gt; Measurement</a:t>
+                      </a:r>
+                      <a:endParaRPr lang="en-US" sz="2000">
+                        <a:solidFill>
+                          <a:srgbClr val="FF0000"/>
+                        </a:solidFill>
+                        <a:highlight>
+                          <a:srgbClr val="FFFF00"/>
+                        </a:highlight>
+                      </a:endParaRPr>
+                    </a:p>
+                    <a:p>
+                      <a:endParaRPr lang="en-US" sz="2000">
+                        <a:solidFill>
+                          <a:srgbClr val="FF0000"/>
+                        </a:solidFill>
+                        <a:highlight>
+                          <a:srgbClr val="FFFF00"/>
+                        </a:highlight>
+                      </a:endParaRPr>
+                    </a:p>
+                    <a:p>
+                      <a:r>
+                        <a:rPr lang="en-US" sz="2000">
+                          <a:solidFill>
+                            <a:srgbClr val="FF0000"/>
+                          </a:solidFill>
+                          <a:highlight>
+                            <a:srgbClr val="FFFF00"/>
+                          </a:highlight>
+                        </a:rPr>
+                        <a:t>“Line of Code (LOC)” --&gt; Metrics</a:t>
+                      </a:r>
+                      <a:endParaRPr lang="en-US" sz="2000">
+                        <a:solidFill>
+                          <a:srgbClr val="FF0000"/>
+                        </a:solidFill>
+                        <a:highlight>
+                          <a:srgbClr val="FFFF00"/>
+                        </a:highlight>
+                      </a:endParaRPr>
+                    </a:p>
+                  </a:txBody>
+                  <a:tcPr marL="0" marR="0" marT="0" marB="0" anchor="ctr" anchorCtr="0">
+                    <a:lnL>
+                      <a:noFill/>
+                    </a:lnL>
+                    <a:lnR>
+                      <a:noFill/>
+                    </a:lnR>
+                    <a:lnT>
+                      <a:noFill/>
+                    </a:lnT>
+                    <a:lnB>
+                      <a:noFill/>
+                    </a:lnB>
+                    <a:noFill/>
+                  </a:tcPr>
+                </a:tc>
+              </a:tr>
+            </a:tbl>
+          </a:graphicData>
+        </a:graphic>
+      </p:graphicFrame>
     </p:spTree>
-    <p:extLst>
-      <p:ext uri="{BB962C8B-B14F-4D97-AF65-F5344CB8AC3E}">
-        <p14:creationId xmlns:p14="http://schemas.microsoft.com/office/powerpoint/2010/main" val="2052524882"/>
-      </p:ext>
-    </p:extLst>
   </p:cSld>
   <p:clrMapOvr>
     <a:masterClrMapping/>
@@ -5200,8 +5360,8 @@
                     <a:lumMod val="75000"/>
                   </a:schemeClr>
                 </a:solidFill>
-                <a:latin typeface="Times New Roman" panose="02020603050405020304" pitchFamily="18" charset="0"/>
-                <a:cs typeface="Times New Roman" panose="02020603050405020304" pitchFamily="18" charset="0"/>
+                <a:latin typeface="Times New Roman" panose="02020503050405090304" pitchFamily="18" charset="0"/>
+                <a:cs typeface="Times New Roman" panose="02020503050405090304" pitchFamily="18" charset="0"/>
               </a:rPr>
               <a:t>Software Metrics Challenges</a:t>
             </a:r>
@@ -5211,8 +5371,8 @@
                   <a:lumMod val="75000"/>
                 </a:schemeClr>
               </a:solidFill>
-              <a:latin typeface="Times New Roman" panose="02020603050405020304" pitchFamily="18" charset="0"/>
-              <a:cs typeface="Times New Roman" panose="02020603050405020304" pitchFamily="18" charset="0"/>
+              <a:latin typeface="Times New Roman" panose="02020503050405090304" pitchFamily="18" charset="0"/>
+              <a:cs typeface="Times New Roman" panose="02020503050405090304" pitchFamily="18" charset="0"/>
             </a:endParaRPr>
           </a:p>
         </p:txBody>
@@ -5240,11 +5400,15 @@
             </a:pPr>
             <a:r>
               <a:rPr lang="en-US" sz="3200" dirty="0" smtClean="0">
-                <a:latin typeface="Times New Roman" panose="02020603050405020304" pitchFamily="18" charset="0"/>
-                <a:cs typeface="Times New Roman" panose="02020603050405020304" pitchFamily="18" charset="0"/>
+                <a:latin typeface="Times New Roman" panose="02020503050405090304" pitchFamily="18" charset="0"/>
+                <a:cs typeface="Times New Roman" panose="02020503050405090304" pitchFamily="18" charset="0"/>
               </a:rPr>
               <a:t>SE Metrics are mostly non-physical</a:t>
             </a:r>
+            <a:endParaRPr lang="en-US" sz="3200" dirty="0" smtClean="0">
+              <a:latin typeface="Times New Roman" panose="02020503050405090304" pitchFamily="18" charset="0"/>
+              <a:cs typeface="Times New Roman" panose="02020503050405090304" pitchFamily="18" charset="0"/>
+            </a:endParaRPr>
           </a:p>
           <a:p>
             <a:pPr lvl="1">
@@ -5253,18 +5417,22 @@
             </a:pPr>
             <a:r>
               <a:rPr lang="en-US" sz="3000" i="1" dirty="0" smtClean="0">
-                <a:latin typeface="Times New Roman" panose="02020603050405020304" pitchFamily="18" charset="0"/>
-                <a:cs typeface="Times New Roman" panose="02020603050405020304" pitchFamily="18" charset="0"/>
+                <a:latin typeface="Times New Roman" panose="02020503050405090304" pitchFamily="18" charset="0"/>
+                <a:cs typeface="Times New Roman" panose="02020503050405090304" pitchFamily="18" charset="0"/>
               </a:rPr>
               <a:t>Reliability, maturity, portability, flexibility, maintainability, etc., and relations are </a:t>
             </a:r>
             <a:r>
               <a:rPr lang="en-US" sz="3000" i="1" dirty="0" smtClean="0">
-                <a:latin typeface="Times New Roman" panose="02020603050405020304" pitchFamily="18" charset="0"/>
-                <a:cs typeface="Times New Roman" panose="02020603050405020304" pitchFamily="18" charset="0"/>
+                <a:latin typeface="Times New Roman" panose="02020503050405090304" pitchFamily="18" charset="0"/>
+                <a:cs typeface="Times New Roman" panose="02020503050405090304" pitchFamily="18" charset="0"/>
               </a:rPr>
               <a:t>unknown</a:t>
             </a:r>
+            <a:endParaRPr lang="en-US" sz="3000" i="1" dirty="0" smtClean="0">
+              <a:latin typeface="Times New Roman" panose="02020503050405090304" pitchFamily="18" charset="0"/>
+              <a:cs typeface="Times New Roman" panose="02020503050405090304" pitchFamily="18" charset="0"/>
+            </a:endParaRPr>
           </a:p>
           <a:p>
             <a:pPr lvl="1">
@@ -5279,6 +5447,7 @@
               <a:rPr lang="en-US" dirty="0" smtClean="0"/>
               <a:t>.</a:t>
             </a:r>
+            <a:endParaRPr lang="en-US" dirty="0" smtClean="0"/>
           </a:p>
           <a:p>
             <a:pPr lvl="1">
@@ -5293,6 +5462,7 @@
               <a:rPr lang="en-US" dirty="0" smtClean="0"/>
               <a:t>.</a:t>
             </a:r>
+            <a:endParaRPr lang="en-US" dirty="0" smtClean="0"/>
           </a:p>
           <a:p>
             <a:pPr lvl="1">
@@ -5307,6 +5477,7 @@
               <a:rPr lang="en-US" dirty="0" smtClean="0"/>
               <a:t>.</a:t>
             </a:r>
+            <a:endParaRPr lang="en-US" dirty="0" smtClean="0"/>
           </a:p>
           <a:p>
             <a:pPr lvl="1">
@@ -5336,6 +5507,7 @@
               <a:rPr lang="en-US" dirty="0" smtClean="0"/>
               <a:t> picture</a:t>
             </a:r>
+            <a:endParaRPr lang="en-US" dirty="0" smtClean="0"/>
           </a:p>
           <a:p>
             <a:pPr lvl="1">
@@ -5347,8 +5519,8 @@
               <a:t>Software projects and technologies evolve rapidly, and metrics that were once effective may become outdated or less relevant over time. </a:t>
             </a:r>
             <a:endParaRPr lang="en-US" sz="3000" i="1" dirty="0">
-              <a:latin typeface="Times New Roman" panose="02020603050405020304" pitchFamily="18" charset="0"/>
-              <a:cs typeface="Times New Roman" panose="02020603050405020304" pitchFamily="18" charset="0"/>
+              <a:latin typeface="Times New Roman" panose="02020503050405090304" pitchFamily="18" charset="0"/>
+              <a:cs typeface="Times New Roman" panose="02020503050405090304" pitchFamily="18" charset="0"/>
             </a:endParaRPr>
           </a:p>
         </p:txBody>
@@ -5370,18 +5542,12 @@
           <a:p>
             <a:fld id="{D783A4F0-891E-44AD-B162-AD1ECFE5DF4E}" type="slidenum">
               <a:rPr lang="en-US" smtClean="0"/>
-              <a:t>13</a:t>
             </a:fld>
             <a:endParaRPr lang="en-US"/>
           </a:p>
         </p:txBody>
       </p:sp>
     </p:spTree>
-    <p:extLst>
-      <p:ext uri="{BB962C8B-B14F-4D97-AF65-F5344CB8AC3E}">
-        <p14:creationId xmlns:p14="http://schemas.microsoft.com/office/powerpoint/2010/main" val="2824781396"/>
-      </p:ext>
-    </p:extLst>
   </p:cSld>
   <p:clrMapOvr>
     <a:masterClrMapping/>
@@ -5435,8 +5601,8 @@
                     <a:lumMod val="75000"/>
                   </a:schemeClr>
                 </a:solidFill>
-                <a:latin typeface="Times New Roman" panose="02020603050405020304" pitchFamily="18" charset="0"/>
-                <a:cs typeface="Times New Roman" panose="02020603050405020304" pitchFamily="18" charset="0"/>
+                <a:latin typeface="Times New Roman" panose="02020503050405090304" pitchFamily="18" charset="0"/>
+                <a:cs typeface="Times New Roman" panose="02020503050405090304" pitchFamily="18" charset="0"/>
               </a:rPr>
               <a:t>Objective of Software Measurement</a:t>
             </a:r>
@@ -5446,8 +5612,8 @@
                   <a:lumMod val="75000"/>
                 </a:schemeClr>
               </a:solidFill>
-              <a:latin typeface="Times New Roman" panose="02020603050405020304" pitchFamily="18" charset="0"/>
-              <a:cs typeface="Times New Roman" panose="02020603050405020304" pitchFamily="18" charset="0"/>
+              <a:latin typeface="Times New Roman" panose="02020503050405090304" pitchFamily="18" charset="0"/>
+              <a:cs typeface="Times New Roman" panose="02020503050405090304" pitchFamily="18" charset="0"/>
             </a:endParaRPr>
           </a:p>
         </p:txBody>
@@ -5475,11 +5641,15 @@
             </a:pPr>
             <a:r>
               <a:rPr lang="en-US" sz="3200" dirty="0" smtClean="0">
-                <a:latin typeface="Times New Roman" panose="02020603050405020304" pitchFamily="18" charset="0"/>
-                <a:cs typeface="Times New Roman" panose="02020603050405020304" pitchFamily="18" charset="0"/>
+                <a:latin typeface="Times New Roman" panose="02020503050405090304" pitchFamily="18" charset="0"/>
+                <a:cs typeface="Times New Roman" panose="02020503050405090304" pitchFamily="18" charset="0"/>
               </a:rPr>
               <a:t>From manager perspective</a:t>
             </a:r>
+            <a:endParaRPr lang="en-US" sz="3200" dirty="0" smtClean="0">
+              <a:latin typeface="Times New Roman" panose="02020503050405090304" pitchFamily="18" charset="0"/>
+              <a:cs typeface="Times New Roman" panose="02020503050405090304" pitchFamily="18" charset="0"/>
+            </a:endParaRPr>
           </a:p>
           <a:p>
             <a:pPr marL="457200" lvl="4" indent="-91440">
@@ -5495,11 +5665,15 @@
             </a:pPr>
             <a:r>
               <a:rPr lang="en-US" sz="2600" i="1" dirty="0">
-                <a:latin typeface="Times New Roman" panose="02020603050405020304" pitchFamily="18" charset="0"/>
-                <a:cs typeface="Times New Roman" panose="02020603050405020304" pitchFamily="18" charset="0"/>
+                <a:latin typeface="Times New Roman" panose="02020503050405090304" pitchFamily="18" charset="0"/>
+                <a:cs typeface="Times New Roman" panose="02020503050405090304" pitchFamily="18" charset="0"/>
               </a:rPr>
               <a:t>How does each process cost?</a:t>
             </a:r>
+            <a:endParaRPr lang="en-US" sz="2600" i="1" dirty="0">
+              <a:latin typeface="Times New Roman" panose="02020503050405090304" pitchFamily="18" charset="0"/>
+              <a:cs typeface="Times New Roman" panose="02020503050405090304" pitchFamily="18" charset="0"/>
+            </a:endParaRPr>
           </a:p>
           <a:p>
             <a:pPr marL="457200" lvl="4" indent="-91440">
@@ -5515,18 +5689,22 @@
             </a:pPr>
             <a:r>
               <a:rPr lang="en-US" sz="2600" i="1" dirty="0" smtClean="0">
-                <a:latin typeface="Times New Roman" panose="02020603050405020304" pitchFamily="18" charset="0"/>
-                <a:cs typeface="Times New Roman" panose="02020603050405020304" pitchFamily="18" charset="0"/>
+                <a:latin typeface="Times New Roman" panose="02020503050405090304" pitchFamily="18" charset="0"/>
+                <a:cs typeface="Times New Roman" panose="02020503050405090304" pitchFamily="18" charset="0"/>
               </a:rPr>
               <a:t>How </a:t>
             </a:r>
             <a:r>
               <a:rPr lang="en-US" sz="2600" i="1" dirty="0">
-                <a:latin typeface="Times New Roman" panose="02020603050405020304" pitchFamily="18" charset="0"/>
-                <a:cs typeface="Times New Roman" panose="02020603050405020304" pitchFamily="18" charset="0"/>
+                <a:latin typeface="Times New Roman" panose="02020503050405090304" pitchFamily="18" charset="0"/>
+                <a:cs typeface="Times New Roman" panose="02020503050405090304" pitchFamily="18" charset="0"/>
               </a:rPr>
               <a:t>productive is the staff?</a:t>
             </a:r>
+            <a:endParaRPr lang="en-US" sz="2600" i="1" dirty="0">
+              <a:latin typeface="Times New Roman" panose="02020503050405090304" pitchFamily="18" charset="0"/>
+              <a:cs typeface="Times New Roman" panose="02020503050405090304" pitchFamily="18" charset="0"/>
+            </a:endParaRPr>
           </a:p>
           <a:p>
             <a:pPr marL="457200" lvl="4" indent="-91440">
@@ -5542,11 +5720,15 @@
             </a:pPr>
             <a:r>
               <a:rPr lang="en-US" sz="2600" i="1" dirty="0">
-                <a:latin typeface="Times New Roman" panose="02020603050405020304" pitchFamily="18" charset="0"/>
-                <a:cs typeface="Times New Roman" panose="02020603050405020304" pitchFamily="18" charset="0"/>
+                <a:latin typeface="Times New Roman" panose="02020503050405090304" pitchFamily="18" charset="0"/>
+                <a:cs typeface="Times New Roman" panose="02020503050405090304" pitchFamily="18" charset="0"/>
               </a:rPr>
               <a:t>How good is the code being developed?</a:t>
             </a:r>
+            <a:endParaRPr lang="en-US" sz="2600" i="1" dirty="0">
+              <a:latin typeface="Times New Roman" panose="02020503050405090304" pitchFamily="18" charset="0"/>
+              <a:cs typeface="Times New Roman" panose="02020503050405090304" pitchFamily="18" charset="0"/>
+            </a:endParaRPr>
           </a:p>
           <a:p>
             <a:pPr marL="457200" lvl="4" indent="-91440">
@@ -5562,11 +5744,15 @@
             </a:pPr>
             <a:r>
               <a:rPr lang="en-US" sz="2600" i="1" dirty="0">
-                <a:latin typeface="Times New Roman" panose="02020603050405020304" pitchFamily="18" charset="0"/>
-                <a:cs typeface="Times New Roman" panose="02020603050405020304" pitchFamily="18" charset="0"/>
+                <a:latin typeface="Times New Roman" panose="02020503050405090304" pitchFamily="18" charset="0"/>
+                <a:cs typeface="Times New Roman" panose="02020503050405090304" pitchFamily="18" charset="0"/>
               </a:rPr>
               <a:t>Will the user be satisfied with the product?</a:t>
             </a:r>
+            <a:endParaRPr lang="en-US" sz="2600" i="1" dirty="0">
+              <a:latin typeface="Times New Roman" panose="02020503050405090304" pitchFamily="18" charset="0"/>
+              <a:cs typeface="Times New Roman" panose="02020503050405090304" pitchFamily="18" charset="0"/>
+            </a:endParaRPr>
           </a:p>
           <a:p>
             <a:pPr marL="457200" lvl="4" indent="-91440">
@@ -5582,11 +5768,15 @@
             </a:pPr>
             <a:r>
               <a:rPr lang="en-US" sz="2600" i="1" dirty="0">
-                <a:latin typeface="Times New Roman" panose="02020603050405020304" pitchFamily="18" charset="0"/>
-                <a:cs typeface="Times New Roman" panose="02020603050405020304" pitchFamily="18" charset="0"/>
+                <a:latin typeface="Times New Roman" panose="02020503050405090304" pitchFamily="18" charset="0"/>
+                <a:cs typeface="Times New Roman" panose="02020503050405090304" pitchFamily="18" charset="0"/>
               </a:rPr>
               <a:t>How can we improve?</a:t>
             </a:r>
+            <a:endParaRPr lang="en-US" sz="2600" i="1" dirty="0">
+              <a:latin typeface="Times New Roman" panose="02020503050405090304" pitchFamily="18" charset="0"/>
+              <a:cs typeface="Times New Roman" panose="02020503050405090304" pitchFamily="18" charset="0"/>
+            </a:endParaRPr>
           </a:p>
           <a:p>
             <a:pPr marL="91440" lvl="2" indent="-91440">
@@ -5602,18 +5792,22 @@
             </a:pPr>
             <a:r>
               <a:rPr lang="en-US" sz="3200" dirty="0">
-                <a:latin typeface="Times New Roman" panose="02020603050405020304" pitchFamily="18" charset="0"/>
-                <a:cs typeface="Times New Roman" panose="02020603050405020304" pitchFamily="18" charset="0"/>
+                <a:latin typeface="Times New Roman" panose="02020503050405090304" pitchFamily="18" charset="0"/>
+                <a:cs typeface="Times New Roman" panose="02020503050405090304" pitchFamily="18" charset="0"/>
               </a:rPr>
               <a:t>From </a:t>
             </a:r>
             <a:r>
               <a:rPr lang="en-US" sz="3200" dirty="0" smtClean="0">
-                <a:latin typeface="Times New Roman" panose="02020603050405020304" pitchFamily="18" charset="0"/>
-                <a:cs typeface="Times New Roman" panose="02020603050405020304" pitchFamily="18" charset="0"/>
+                <a:latin typeface="Times New Roman" panose="02020503050405090304" pitchFamily="18" charset="0"/>
+                <a:cs typeface="Times New Roman" panose="02020503050405090304" pitchFamily="18" charset="0"/>
               </a:rPr>
               <a:t>developer perspective</a:t>
             </a:r>
+            <a:endParaRPr lang="en-US" sz="3200" dirty="0" smtClean="0">
+              <a:latin typeface="Times New Roman" panose="02020503050405090304" pitchFamily="18" charset="0"/>
+              <a:cs typeface="Times New Roman" panose="02020503050405090304" pitchFamily="18" charset="0"/>
+            </a:endParaRPr>
           </a:p>
           <a:p>
             <a:pPr marL="457200" lvl="4" indent="-91440">
@@ -5629,18 +5823,22 @@
             </a:pPr>
             <a:r>
               <a:rPr lang="en-US" sz="2600" i="1" dirty="0">
-                <a:latin typeface="Times New Roman" panose="02020603050405020304" pitchFamily="18" charset="0"/>
-                <a:cs typeface="Times New Roman" panose="02020603050405020304" pitchFamily="18" charset="0"/>
+                <a:latin typeface="Times New Roman" panose="02020503050405090304" pitchFamily="18" charset="0"/>
+                <a:cs typeface="Times New Roman" panose="02020503050405090304" pitchFamily="18" charset="0"/>
               </a:rPr>
               <a:t>Are the requirements testable</a:t>
             </a:r>
             <a:r>
               <a:rPr lang="en-US" sz="2600" i="1" dirty="0" smtClean="0">
-                <a:latin typeface="Times New Roman" panose="02020603050405020304" pitchFamily="18" charset="0"/>
-                <a:cs typeface="Times New Roman" panose="02020603050405020304" pitchFamily="18" charset="0"/>
+                <a:latin typeface="Times New Roman" panose="02020503050405090304" pitchFamily="18" charset="0"/>
+                <a:cs typeface="Times New Roman" panose="02020503050405090304" pitchFamily="18" charset="0"/>
               </a:rPr>
               <a:t>?</a:t>
             </a:r>
+            <a:endParaRPr lang="en-US" sz="2600" i="1" dirty="0" smtClean="0">
+              <a:latin typeface="Times New Roman" panose="02020503050405090304" pitchFamily="18" charset="0"/>
+              <a:cs typeface="Times New Roman" panose="02020503050405090304" pitchFamily="18" charset="0"/>
+            </a:endParaRPr>
           </a:p>
           <a:p>
             <a:pPr marL="457200" lvl="4" indent="-91440">
@@ -5656,11 +5854,15 @@
             </a:pPr>
             <a:r>
               <a:rPr lang="en-US" sz="2600" i="1" dirty="0" smtClean="0">
-                <a:latin typeface="Times New Roman" panose="02020603050405020304" pitchFamily="18" charset="0"/>
-                <a:cs typeface="Times New Roman" panose="02020603050405020304" pitchFamily="18" charset="0"/>
+                <a:latin typeface="Times New Roman" panose="02020503050405090304" pitchFamily="18" charset="0"/>
+                <a:cs typeface="Times New Roman" panose="02020503050405090304" pitchFamily="18" charset="0"/>
               </a:rPr>
               <a:t>Have we found all the faults?</a:t>
             </a:r>
+            <a:endParaRPr lang="en-US" sz="2600" i="1" dirty="0" smtClean="0">
+              <a:latin typeface="Times New Roman" panose="02020503050405090304" pitchFamily="18" charset="0"/>
+              <a:cs typeface="Times New Roman" panose="02020503050405090304" pitchFamily="18" charset="0"/>
+            </a:endParaRPr>
           </a:p>
           <a:p>
             <a:pPr marL="457200" lvl="4" indent="-91440">
@@ -5676,11 +5878,15 @@
             </a:pPr>
             <a:r>
               <a:rPr lang="en-US" sz="2600" i="1" dirty="0" smtClean="0">
-                <a:latin typeface="Times New Roman" panose="02020603050405020304" pitchFamily="18" charset="0"/>
-                <a:cs typeface="Times New Roman" panose="02020603050405020304" pitchFamily="18" charset="0"/>
+                <a:latin typeface="Times New Roman" panose="02020503050405090304" pitchFamily="18" charset="0"/>
+                <a:cs typeface="Times New Roman" panose="02020503050405090304" pitchFamily="18" charset="0"/>
               </a:rPr>
               <a:t>Have we meet product or process goals?</a:t>
             </a:r>
+            <a:endParaRPr lang="en-US" sz="2600" i="1" dirty="0" smtClean="0">
+              <a:latin typeface="Times New Roman" panose="02020503050405090304" pitchFamily="18" charset="0"/>
+              <a:cs typeface="Times New Roman" panose="02020503050405090304" pitchFamily="18" charset="0"/>
+            </a:endParaRPr>
           </a:p>
           <a:p>
             <a:pPr marL="457200" lvl="4" indent="-91440">
@@ -5696,11 +5902,15 @@
             </a:pPr>
             <a:r>
               <a:rPr lang="en-US" sz="2600" i="1" dirty="0" smtClean="0">
-                <a:latin typeface="Times New Roman" panose="02020603050405020304" pitchFamily="18" charset="0"/>
-                <a:cs typeface="Times New Roman" panose="02020603050405020304" pitchFamily="18" charset="0"/>
+                <a:latin typeface="Times New Roman" panose="02020503050405090304" pitchFamily="18" charset="0"/>
+                <a:cs typeface="Times New Roman" panose="02020503050405090304" pitchFamily="18" charset="0"/>
               </a:rPr>
               <a:t>What will happen in the future?</a:t>
             </a:r>
+            <a:endParaRPr lang="en-US" sz="2600" i="1" dirty="0" smtClean="0">
+              <a:latin typeface="Times New Roman" panose="02020503050405090304" pitchFamily="18" charset="0"/>
+              <a:cs typeface="Times New Roman" panose="02020503050405090304" pitchFamily="18" charset="0"/>
+            </a:endParaRPr>
           </a:p>
           <a:p>
             <a:pPr marL="457200" lvl="4" indent="-91440">
@@ -5715,8 +5925,8 @@
               <a:buChar char="q"/>
             </a:pPr>
             <a:endParaRPr lang="en-US" sz="2600" i="1" dirty="0">
-              <a:latin typeface="Times New Roman" panose="02020603050405020304" pitchFamily="18" charset="0"/>
-              <a:cs typeface="Times New Roman" panose="02020603050405020304" pitchFamily="18" charset="0"/>
+              <a:latin typeface="Times New Roman" panose="02020503050405090304" pitchFamily="18" charset="0"/>
+              <a:cs typeface="Times New Roman" panose="02020503050405090304" pitchFamily="18" charset="0"/>
             </a:endParaRPr>
           </a:p>
           <a:p>
@@ -5725,8 +5935,8 @@
               <a:buChar char="q"/>
             </a:pPr>
             <a:endParaRPr lang="en-US" sz="2600" i="1" dirty="0">
-              <a:latin typeface="Times New Roman" panose="02020603050405020304" pitchFamily="18" charset="0"/>
-              <a:cs typeface="Times New Roman" panose="02020603050405020304" pitchFamily="18" charset="0"/>
+              <a:latin typeface="Times New Roman" panose="02020503050405090304" pitchFamily="18" charset="0"/>
+              <a:cs typeface="Times New Roman" panose="02020503050405090304" pitchFamily="18" charset="0"/>
             </a:endParaRPr>
           </a:p>
         </p:txBody>
@@ -5748,18 +5958,12 @@
           <a:p>
             <a:fld id="{D783A4F0-891E-44AD-B162-AD1ECFE5DF4E}" type="slidenum">
               <a:rPr lang="en-US" smtClean="0"/>
-              <a:t>14</a:t>
             </a:fld>
             <a:endParaRPr lang="en-US"/>
           </a:p>
         </p:txBody>
       </p:sp>
     </p:spTree>
-    <p:extLst>
-      <p:ext uri="{BB962C8B-B14F-4D97-AF65-F5344CB8AC3E}">
-        <p14:creationId xmlns:p14="http://schemas.microsoft.com/office/powerpoint/2010/main" val="1872720282"/>
-      </p:ext>
-    </p:extLst>
   </p:cSld>
   <p:clrMapOvr>
     <a:masterClrMapping/>
@@ -5813,8 +6017,8 @@
                     <a:lumMod val="75000"/>
                   </a:schemeClr>
                 </a:solidFill>
-                <a:latin typeface="Times New Roman" panose="02020603050405020304" pitchFamily="18" charset="0"/>
-                <a:cs typeface="Times New Roman" panose="02020603050405020304" pitchFamily="18" charset="0"/>
+                <a:latin typeface="Times New Roman" panose="02020503050405090304" pitchFamily="18" charset="0"/>
+                <a:cs typeface="Times New Roman" panose="02020503050405090304" pitchFamily="18" charset="0"/>
               </a:rPr>
               <a:t>Scope of Software Metrics</a:t>
             </a:r>
@@ -5824,8 +6028,8 @@
                   <a:lumMod val="75000"/>
                 </a:schemeClr>
               </a:solidFill>
-              <a:latin typeface="Times New Roman" panose="02020603050405020304" pitchFamily="18" charset="0"/>
-              <a:cs typeface="Times New Roman" panose="02020603050405020304" pitchFamily="18" charset="0"/>
+              <a:latin typeface="Times New Roman" panose="02020503050405090304" pitchFamily="18" charset="0"/>
+              <a:cs typeface="Times New Roman" panose="02020503050405090304" pitchFamily="18" charset="0"/>
             </a:endParaRPr>
           </a:p>
         </p:txBody>
@@ -5853,32 +6057,36 @@
             </a:pPr>
             <a:r>
               <a:rPr lang="en-US" dirty="0">
-                <a:latin typeface="Times New Roman" panose="02020603050405020304" pitchFamily="18" charset="0"/>
-                <a:cs typeface="Times New Roman" panose="02020603050405020304" pitchFamily="18" charset="0"/>
+                <a:latin typeface="Times New Roman" panose="02020503050405090304" pitchFamily="18" charset="0"/>
+                <a:cs typeface="Times New Roman" panose="02020503050405090304" pitchFamily="18" charset="0"/>
               </a:rPr>
               <a:t> </a:t>
             </a:r>
             <a:r>
               <a:rPr lang="en-US" sz="2800" dirty="0" smtClean="0">
-                <a:latin typeface="Times New Roman" panose="02020603050405020304" pitchFamily="18" charset="0"/>
-                <a:cs typeface="Times New Roman" panose="02020603050405020304" pitchFamily="18" charset="0"/>
+                <a:latin typeface="Times New Roman" panose="02020503050405090304" pitchFamily="18" charset="0"/>
+                <a:cs typeface="Times New Roman" panose="02020503050405090304" pitchFamily="18" charset="0"/>
               </a:rPr>
               <a:t>Cost </a:t>
             </a:r>
             <a:r>
               <a:rPr lang="en-US" sz="2800" dirty="0">
-                <a:latin typeface="Times New Roman" panose="02020603050405020304" pitchFamily="18" charset="0"/>
-                <a:cs typeface="Times New Roman" panose="02020603050405020304" pitchFamily="18" charset="0"/>
+                <a:latin typeface="Times New Roman" panose="02020503050405090304" pitchFamily="18" charset="0"/>
+                <a:cs typeface="Times New Roman" panose="02020503050405090304" pitchFamily="18" charset="0"/>
               </a:rPr>
               <a:t>and effort estimation models and </a:t>
             </a:r>
             <a:r>
               <a:rPr lang="en-US" sz="2800" dirty="0" smtClean="0">
-                <a:latin typeface="Times New Roman" panose="02020603050405020304" pitchFamily="18" charset="0"/>
-                <a:cs typeface="Times New Roman" panose="02020603050405020304" pitchFamily="18" charset="0"/>
+                <a:latin typeface="Times New Roman" panose="02020503050405090304" pitchFamily="18" charset="0"/>
+                <a:cs typeface="Times New Roman" panose="02020503050405090304" pitchFamily="18" charset="0"/>
               </a:rPr>
               <a:t>measures</a:t>
             </a:r>
+            <a:endParaRPr lang="en-US" sz="2800" dirty="0" smtClean="0">
+              <a:latin typeface="Times New Roman" panose="02020503050405090304" pitchFamily="18" charset="0"/>
+              <a:cs typeface="Times New Roman" panose="02020503050405090304" pitchFamily="18" charset="0"/>
+            </a:endParaRPr>
           </a:p>
           <a:p>
             <a:pPr>
@@ -5887,11 +6095,15 @@
             </a:pPr>
             <a:r>
               <a:rPr lang="en-US" sz="2800" dirty="0" smtClean="0">
-                <a:latin typeface="Times New Roman" panose="02020603050405020304" pitchFamily="18" charset="0"/>
-                <a:cs typeface="Times New Roman" panose="02020603050405020304" pitchFamily="18" charset="0"/>
+                <a:latin typeface="Times New Roman" panose="02020503050405090304" pitchFamily="18" charset="0"/>
+                <a:cs typeface="Times New Roman" panose="02020503050405090304" pitchFamily="18" charset="0"/>
               </a:rPr>
               <a:t>Data collection</a:t>
             </a:r>
+            <a:endParaRPr lang="en-US" sz="2800" dirty="0" smtClean="0">
+              <a:latin typeface="Times New Roman" panose="02020503050405090304" pitchFamily="18" charset="0"/>
+              <a:cs typeface="Times New Roman" panose="02020503050405090304" pitchFamily="18" charset="0"/>
+            </a:endParaRPr>
           </a:p>
           <a:p>
             <a:pPr>
@@ -5900,18 +6112,22 @@
             </a:pPr>
             <a:r>
               <a:rPr lang="en-US" sz="2800" dirty="0">
-                <a:latin typeface="Times New Roman" panose="02020603050405020304" pitchFamily="18" charset="0"/>
-                <a:cs typeface="Times New Roman" panose="02020603050405020304" pitchFamily="18" charset="0"/>
+                <a:latin typeface="Times New Roman" panose="02020503050405090304" pitchFamily="18" charset="0"/>
+                <a:cs typeface="Times New Roman" panose="02020503050405090304" pitchFamily="18" charset="0"/>
               </a:rPr>
               <a:t>Quality models and </a:t>
             </a:r>
             <a:r>
               <a:rPr lang="en-US" sz="2800" dirty="0" smtClean="0">
-                <a:latin typeface="Times New Roman" panose="02020603050405020304" pitchFamily="18" charset="0"/>
-                <a:cs typeface="Times New Roman" panose="02020603050405020304" pitchFamily="18" charset="0"/>
+                <a:latin typeface="Times New Roman" panose="02020503050405090304" pitchFamily="18" charset="0"/>
+                <a:cs typeface="Times New Roman" panose="02020503050405090304" pitchFamily="18" charset="0"/>
               </a:rPr>
               <a:t>measures</a:t>
             </a:r>
+            <a:endParaRPr lang="en-US" sz="2800" dirty="0" smtClean="0">
+              <a:latin typeface="Times New Roman" panose="02020503050405090304" pitchFamily="18" charset="0"/>
+              <a:cs typeface="Times New Roman" panose="02020503050405090304" pitchFamily="18" charset="0"/>
+            </a:endParaRPr>
           </a:p>
           <a:p>
             <a:pPr>
@@ -5920,18 +6136,22 @@
             </a:pPr>
             <a:r>
               <a:rPr lang="en-US" sz="2800" dirty="0">
-                <a:latin typeface="Times New Roman" panose="02020603050405020304" pitchFamily="18" charset="0"/>
-                <a:cs typeface="Times New Roman" panose="02020603050405020304" pitchFamily="18" charset="0"/>
+                <a:latin typeface="Times New Roman" panose="02020503050405090304" pitchFamily="18" charset="0"/>
+                <a:cs typeface="Times New Roman" panose="02020503050405090304" pitchFamily="18" charset="0"/>
               </a:rPr>
               <a:t>Reliability </a:t>
             </a:r>
             <a:r>
               <a:rPr lang="en-US" sz="2800" dirty="0" smtClean="0">
-                <a:latin typeface="Times New Roman" panose="02020603050405020304" pitchFamily="18" charset="0"/>
-                <a:cs typeface="Times New Roman" panose="02020603050405020304" pitchFamily="18" charset="0"/>
+                <a:latin typeface="Times New Roman" panose="02020503050405090304" pitchFamily="18" charset="0"/>
+                <a:cs typeface="Times New Roman" panose="02020503050405090304" pitchFamily="18" charset="0"/>
               </a:rPr>
               <a:t>models</a:t>
             </a:r>
+            <a:endParaRPr lang="en-US" sz="2800" dirty="0" smtClean="0">
+              <a:latin typeface="Times New Roman" panose="02020503050405090304" pitchFamily="18" charset="0"/>
+              <a:cs typeface="Times New Roman" panose="02020503050405090304" pitchFamily="18" charset="0"/>
+            </a:endParaRPr>
           </a:p>
           <a:p>
             <a:pPr>
@@ -5940,11 +6160,15 @@
             </a:pPr>
             <a:r>
               <a:rPr lang="en-US" sz="2800" dirty="0" smtClean="0">
-                <a:latin typeface="Times New Roman" panose="02020603050405020304" pitchFamily="18" charset="0"/>
-                <a:cs typeface="Times New Roman" panose="02020603050405020304" pitchFamily="18" charset="0"/>
+                <a:latin typeface="Times New Roman" panose="02020503050405090304" pitchFamily="18" charset="0"/>
+                <a:cs typeface="Times New Roman" panose="02020503050405090304" pitchFamily="18" charset="0"/>
               </a:rPr>
               <a:t>Security metrics</a:t>
             </a:r>
+            <a:endParaRPr lang="en-US" sz="2800" dirty="0" smtClean="0">
+              <a:latin typeface="Times New Roman" panose="02020503050405090304" pitchFamily="18" charset="0"/>
+              <a:cs typeface="Times New Roman" panose="02020503050405090304" pitchFamily="18" charset="0"/>
+            </a:endParaRPr>
           </a:p>
           <a:p>
             <a:pPr>
@@ -5953,11 +6177,15 @@
             </a:pPr>
             <a:r>
               <a:rPr lang="en-US" sz="2800" dirty="0" smtClean="0">
-                <a:latin typeface="Times New Roman" panose="02020603050405020304" pitchFamily="18" charset="0"/>
-                <a:cs typeface="Times New Roman" panose="02020603050405020304" pitchFamily="18" charset="0"/>
+                <a:latin typeface="Times New Roman" panose="02020503050405090304" pitchFamily="18" charset="0"/>
+                <a:cs typeface="Times New Roman" panose="02020503050405090304" pitchFamily="18" charset="0"/>
               </a:rPr>
               <a:t>Structural and complexity metrics</a:t>
             </a:r>
+            <a:endParaRPr lang="en-US" sz="2800" dirty="0" smtClean="0">
+              <a:latin typeface="Times New Roman" panose="02020503050405090304" pitchFamily="18" charset="0"/>
+              <a:cs typeface="Times New Roman" panose="02020503050405090304" pitchFamily="18" charset="0"/>
+            </a:endParaRPr>
           </a:p>
           <a:p>
             <a:pPr>
@@ -5966,11 +6194,15 @@
             </a:pPr>
             <a:r>
               <a:rPr lang="en-US" sz="2800" dirty="0" smtClean="0">
-                <a:latin typeface="Times New Roman" panose="02020603050405020304" pitchFamily="18" charset="0"/>
-                <a:cs typeface="Times New Roman" panose="02020603050405020304" pitchFamily="18" charset="0"/>
+                <a:latin typeface="Times New Roman" panose="02020503050405090304" pitchFamily="18" charset="0"/>
+                <a:cs typeface="Times New Roman" panose="02020503050405090304" pitchFamily="18" charset="0"/>
               </a:rPr>
               <a:t>Capability maturity assessment</a:t>
             </a:r>
+            <a:endParaRPr lang="en-US" sz="2800" dirty="0" smtClean="0">
+              <a:latin typeface="Times New Roman" panose="02020503050405090304" pitchFamily="18" charset="0"/>
+              <a:cs typeface="Times New Roman" panose="02020503050405090304" pitchFamily="18" charset="0"/>
+            </a:endParaRPr>
           </a:p>
           <a:p>
             <a:pPr>
@@ -5979,14 +6211,14 @@
             </a:pPr>
             <a:r>
               <a:rPr lang="en-US" sz="2800" dirty="0" smtClean="0">
-                <a:latin typeface="Times New Roman" panose="02020603050405020304" pitchFamily="18" charset="0"/>
-                <a:cs typeface="Times New Roman" panose="02020603050405020304" pitchFamily="18" charset="0"/>
+                <a:latin typeface="Times New Roman" panose="02020503050405090304" pitchFamily="18" charset="0"/>
+                <a:cs typeface="Times New Roman" panose="02020503050405090304" pitchFamily="18" charset="0"/>
               </a:rPr>
               <a:t>Evaluation of methods and tools</a:t>
             </a:r>
             <a:endParaRPr lang="en-US" sz="2800" dirty="0">
-              <a:latin typeface="Times New Roman" panose="02020603050405020304" pitchFamily="18" charset="0"/>
-              <a:cs typeface="Times New Roman" panose="02020603050405020304" pitchFamily="18" charset="0"/>
+              <a:latin typeface="Times New Roman" panose="02020503050405090304" pitchFamily="18" charset="0"/>
+              <a:cs typeface="Times New Roman" panose="02020503050405090304" pitchFamily="18" charset="0"/>
             </a:endParaRPr>
           </a:p>
           <a:p>
@@ -6002,8 +6234,8 @@
               <a:buChar char="q"/>
             </a:pPr>
             <a:endParaRPr lang="en-US" sz="2800" dirty="0" smtClean="0">
-              <a:latin typeface="Times New Roman" panose="02020603050405020304" pitchFamily="18" charset="0"/>
-              <a:cs typeface="Times New Roman" panose="02020603050405020304" pitchFamily="18" charset="0"/>
+              <a:latin typeface="Times New Roman" panose="02020503050405090304" pitchFamily="18" charset="0"/>
+              <a:cs typeface="Times New Roman" panose="02020503050405090304" pitchFamily="18" charset="0"/>
             </a:endParaRPr>
           </a:p>
           <a:p>
@@ -6012,8 +6244,8 @@
               <a:buChar char="q"/>
             </a:pPr>
             <a:endParaRPr lang="en-US" sz="2800" dirty="0">
-              <a:latin typeface="Times New Roman" panose="02020603050405020304" pitchFamily="18" charset="0"/>
-              <a:cs typeface="Times New Roman" panose="02020603050405020304" pitchFamily="18" charset="0"/>
+              <a:latin typeface="Times New Roman" panose="02020503050405090304" pitchFamily="18" charset="0"/>
+              <a:cs typeface="Times New Roman" panose="02020503050405090304" pitchFamily="18" charset="0"/>
             </a:endParaRPr>
           </a:p>
           <a:p>
@@ -6022,8 +6254,8 @@
               <a:buChar char="q"/>
             </a:pPr>
             <a:endParaRPr lang="en-US" sz="2600" i="1" dirty="0">
-              <a:latin typeface="Times New Roman" panose="02020603050405020304" pitchFamily="18" charset="0"/>
-              <a:cs typeface="Times New Roman" panose="02020603050405020304" pitchFamily="18" charset="0"/>
+              <a:latin typeface="Times New Roman" panose="02020503050405090304" pitchFamily="18" charset="0"/>
+              <a:cs typeface="Times New Roman" panose="02020503050405090304" pitchFamily="18" charset="0"/>
             </a:endParaRPr>
           </a:p>
         </p:txBody>
@@ -6045,18 +6277,12 @@
           <a:p>
             <a:fld id="{D783A4F0-891E-44AD-B162-AD1ECFE5DF4E}" type="slidenum">
               <a:rPr lang="en-US" smtClean="0"/>
-              <a:t>15</a:t>
             </a:fld>
             <a:endParaRPr lang="en-US"/>
           </a:p>
         </p:txBody>
       </p:sp>
     </p:spTree>
-    <p:extLst>
-      <p:ext uri="{BB962C8B-B14F-4D97-AF65-F5344CB8AC3E}">
-        <p14:creationId xmlns:p14="http://schemas.microsoft.com/office/powerpoint/2010/main" val="3982320844"/>
-      </p:ext>
-    </p:extLst>
   </p:cSld>
   <p:clrMapOvr>
     <a:masterClrMapping/>
@@ -6110,8 +6336,8 @@
                     <a:lumMod val="75000"/>
                   </a:schemeClr>
                 </a:solidFill>
-                <a:latin typeface="Times New Roman" panose="02020603050405020304" pitchFamily="18" charset="0"/>
-                <a:cs typeface="Times New Roman" panose="02020603050405020304" pitchFamily="18" charset="0"/>
+                <a:latin typeface="Times New Roman" panose="02020503050405090304" pitchFamily="18" charset="0"/>
+                <a:cs typeface="Times New Roman" panose="02020503050405090304" pitchFamily="18" charset="0"/>
               </a:rPr>
               <a:t>Scope of Software Metrics/1</a:t>
             </a:r>
@@ -6121,8 +6347,8 @@
                   <a:lumMod val="75000"/>
                 </a:schemeClr>
               </a:solidFill>
-              <a:latin typeface="Times New Roman" panose="02020603050405020304" pitchFamily="18" charset="0"/>
-              <a:cs typeface="Times New Roman" panose="02020603050405020304" pitchFamily="18" charset="0"/>
+              <a:latin typeface="Times New Roman" panose="02020503050405090304" pitchFamily="18" charset="0"/>
+              <a:cs typeface="Times New Roman" panose="02020503050405090304" pitchFamily="18" charset="0"/>
             </a:endParaRPr>
           </a:p>
         </p:txBody>
@@ -6149,8 +6375,8 @@
             </a:pPr>
             <a:r>
               <a:rPr lang="en-US" dirty="0">
-                <a:latin typeface="Times New Roman" panose="02020603050405020304" pitchFamily="18" charset="0"/>
-                <a:cs typeface="Times New Roman" panose="02020603050405020304" pitchFamily="18" charset="0"/>
+                <a:latin typeface="Times New Roman" panose="02020503050405090304" pitchFamily="18" charset="0"/>
+                <a:cs typeface="Times New Roman" panose="02020503050405090304" pitchFamily="18" charset="0"/>
               </a:rPr>
               <a:t> </a:t>
             </a:r>
@@ -6159,8 +6385,8 @@
                 <a:solidFill>
                   <a:srgbClr val="FF0000"/>
                 </a:solidFill>
-                <a:latin typeface="Times New Roman" panose="02020603050405020304" pitchFamily="18" charset="0"/>
-                <a:cs typeface="Times New Roman" panose="02020603050405020304" pitchFamily="18" charset="0"/>
+                <a:latin typeface="Times New Roman" panose="02020503050405090304" pitchFamily="18" charset="0"/>
+                <a:cs typeface="Times New Roman" panose="02020503050405090304" pitchFamily="18" charset="0"/>
               </a:rPr>
               <a:t>Cost </a:t>
             </a:r>
@@ -6169,8 +6395,8 @@
                 <a:solidFill>
                   <a:srgbClr val="FF0000"/>
                 </a:solidFill>
-                <a:latin typeface="Times New Roman" panose="02020603050405020304" pitchFamily="18" charset="0"/>
-                <a:cs typeface="Times New Roman" panose="02020603050405020304" pitchFamily="18" charset="0"/>
+                <a:latin typeface="Times New Roman" panose="02020503050405090304" pitchFamily="18" charset="0"/>
+                <a:cs typeface="Times New Roman" panose="02020503050405090304" pitchFamily="18" charset="0"/>
               </a:rPr>
               <a:t>and effort estimation models and </a:t>
             </a:r>
@@ -6179,28 +6405,35 @@
                 <a:solidFill>
                   <a:srgbClr val="FF0000"/>
                 </a:solidFill>
-                <a:latin typeface="Times New Roman" panose="02020603050405020304" pitchFamily="18" charset="0"/>
-                <a:cs typeface="Times New Roman" panose="02020603050405020304" pitchFamily="18" charset="0"/>
+                <a:latin typeface="Times New Roman" panose="02020503050405090304" pitchFamily="18" charset="0"/>
+                <a:cs typeface="Times New Roman" panose="02020503050405090304" pitchFamily="18" charset="0"/>
               </a:rPr>
               <a:t>measures</a:t>
             </a:r>
-          </a:p>
-          <a:p>
-            <a:pPr marL="0" indent="0">
-              <a:buNone/>
-            </a:pPr>
             <a:endParaRPr lang="en-US" sz="2800" b="1" dirty="0" smtClean="0">
               <a:solidFill>
                 <a:srgbClr val="FF0000"/>
               </a:solidFill>
-              <a:latin typeface="Times New Roman" panose="02020603050405020304" pitchFamily="18" charset="0"/>
-              <a:cs typeface="Times New Roman" panose="02020603050405020304" pitchFamily="18" charset="0"/>
+              <a:latin typeface="Times New Roman" panose="02020503050405090304" pitchFamily="18" charset="0"/>
+              <a:cs typeface="Times New Roman" panose="02020503050405090304" pitchFamily="18" charset="0"/>
             </a:endParaRPr>
           </a:p>
           <a:p>
             <a:pPr marL="0" indent="0">
               <a:buNone/>
             </a:pPr>
+            <a:endParaRPr lang="en-US" sz="2800" b="1" dirty="0" smtClean="0">
+              <a:solidFill>
+                <a:srgbClr val="FF0000"/>
+              </a:solidFill>
+              <a:latin typeface="Times New Roman" panose="02020503050405090304" pitchFamily="18" charset="0"/>
+              <a:cs typeface="Times New Roman" panose="02020503050405090304" pitchFamily="18" charset="0"/>
+            </a:endParaRPr>
+          </a:p>
+          <a:p>
+            <a:pPr marL="0" indent="0">
+              <a:buNone/>
+            </a:pPr>
             <a:endParaRPr lang="en-US" sz="2800" dirty="0"/>
           </a:p>
           <a:p>
@@ -6209,8 +6442,8 @@
               <a:buChar char="q"/>
             </a:pPr>
             <a:endParaRPr lang="en-US" sz="2800" dirty="0" smtClean="0">
-              <a:latin typeface="Times New Roman" panose="02020603050405020304" pitchFamily="18" charset="0"/>
-              <a:cs typeface="Times New Roman" panose="02020603050405020304" pitchFamily="18" charset="0"/>
+              <a:latin typeface="Times New Roman" panose="02020503050405090304" pitchFamily="18" charset="0"/>
+              <a:cs typeface="Times New Roman" panose="02020503050405090304" pitchFamily="18" charset="0"/>
             </a:endParaRPr>
           </a:p>
           <a:p>
@@ -6219,8 +6452,8 @@
               <a:buChar char="q"/>
             </a:pPr>
             <a:endParaRPr lang="en-US" sz="2800" dirty="0">
-              <a:latin typeface="Times New Roman" panose="02020603050405020304" pitchFamily="18" charset="0"/>
-              <a:cs typeface="Times New Roman" panose="02020603050405020304" pitchFamily="18" charset="0"/>
+              <a:latin typeface="Times New Roman" panose="02020503050405090304" pitchFamily="18" charset="0"/>
+              <a:cs typeface="Times New Roman" panose="02020503050405090304" pitchFamily="18" charset="0"/>
             </a:endParaRPr>
           </a:p>
           <a:p>
@@ -6229,8 +6462,8 @@
               <a:buChar char="q"/>
             </a:pPr>
             <a:endParaRPr lang="en-US" sz="2600" i="1" dirty="0">
-              <a:latin typeface="Times New Roman" panose="02020603050405020304" pitchFamily="18" charset="0"/>
-              <a:cs typeface="Times New Roman" panose="02020603050405020304" pitchFamily="18" charset="0"/>
+              <a:latin typeface="Times New Roman" panose="02020503050405090304" pitchFamily="18" charset="0"/>
+              <a:cs typeface="Times New Roman" panose="02020503050405090304" pitchFamily="18" charset="0"/>
             </a:endParaRPr>
           </a:p>
         </p:txBody>
@@ -6252,7 +6485,6 @@
           <a:p>
             <a:fld id="{D783A4F0-891E-44AD-B162-AD1ECFE5DF4E}" type="slidenum">
               <a:rPr lang="en-US" smtClean="0"/>
-              <a:t>16</a:t>
             </a:fld>
             <a:endParaRPr lang="en-US"/>
           </a:p>
@@ -6267,7 +6499,7 @@
           <p:nvPr/>
         </p:nvPicPr>
         <p:blipFill>
-          <a:blip r:embed="rId2"/>
+          <a:blip r:embed="rId1"/>
           <a:stretch>
             <a:fillRect/>
           </a:stretch>
@@ -6283,11 +6515,6 @@
         </p:spPr>
       </p:pic>
     </p:spTree>
-    <p:extLst>
-      <p:ext uri="{BB962C8B-B14F-4D97-AF65-F5344CB8AC3E}">
-        <p14:creationId xmlns:p14="http://schemas.microsoft.com/office/powerpoint/2010/main" val="279036492"/>
-      </p:ext>
-    </p:extLst>
   </p:cSld>
   <p:clrMapOvr>
     <a:masterClrMapping/>
@@ -6341,8 +6568,8 @@
                     <a:lumMod val="75000"/>
                   </a:schemeClr>
                 </a:solidFill>
-                <a:latin typeface="Times New Roman" panose="02020603050405020304" pitchFamily="18" charset="0"/>
-                <a:cs typeface="Times New Roman" panose="02020603050405020304" pitchFamily="18" charset="0"/>
+                <a:latin typeface="Times New Roman" panose="02020503050405090304" pitchFamily="18" charset="0"/>
+                <a:cs typeface="Times New Roman" panose="02020503050405090304" pitchFamily="18" charset="0"/>
               </a:rPr>
               <a:t>Scope of Software Metrics/2</a:t>
             </a:r>
@@ -6352,8 +6579,8 @@
                   <a:lumMod val="75000"/>
                 </a:schemeClr>
               </a:solidFill>
-              <a:latin typeface="Times New Roman" panose="02020603050405020304" pitchFamily="18" charset="0"/>
-              <a:cs typeface="Times New Roman" panose="02020603050405020304" pitchFamily="18" charset="0"/>
+              <a:latin typeface="Times New Roman" panose="02020503050405090304" pitchFamily="18" charset="0"/>
+              <a:cs typeface="Times New Roman" panose="02020503050405090304" pitchFamily="18" charset="0"/>
             </a:endParaRPr>
           </a:p>
         </p:txBody>
@@ -6384,11 +6611,18 @@
                 <a:solidFill>
                   <a:srgbClr val="FF0000"/>
                 </a:solidFill>
-                <a:latin typeface="Times New Roman" panose="02020603050405020304" pitchFamily="18" charset="0"/>
-                <a:cs typeface="Times New Roman" panose="02020603050405020304" pitchFamily="18" charset="0"/>
+                <a:latin typeface="Times New Roman" panose="02020503050405090304" pitchFamily="18" charset="0"/>
+                <a:cs typeface="Times New Roman" panose="02020503050405090304" pitchFamily="18" charset="0"/>
               </a:rPr>
               <a:t>Data collection</a:t>
             </a:r>
+            <a:endParaRPr lang="en-US" sz="2800" dirty="0" smtClean="0">
+              <a:solidFill>
+                <a:srgbClr val="FF0000"/>
+              </a:solidFill>
+              <a:latin typeface="Times New Roman" panose="02020503050405090304" pitchFamily="18" charset="0"/>
+              <a:cs typeface="Times New Roman" panose="02020503050405090304" pitchFamily="18" charset="0"/>
+            </a:endParaRPr>
           </a:p>
           <a:p>
             <a:pPr marL="0" indent="0">
@@ -6402,8 +6636,8 @@
               <a:buChar char="q"/>
             </a:pPr>
             <a:endParaRPr lang="en-US" sz="2800" dirty="0" smtClean="0">
-              <a:latin typeface="Times New Roman" panose="02020603050405020304" pitchFamily="18" charset="0"/>
-              <a:cs typeface="Times New Roman" panose="02020603050405020304" pitchFamily="18" charset="0"/>
+              <a:latin typeface="Times New Roman" panose="02020503050405090304" pitchFamily="18" charset="0"/>
+              <a:cs typeface="Times New Roman" panose="02020503050405090304" pitchFamily="18" charset="0"/>
             </a:endParaRPr>
           </a:p>
           <a:p>
@@ -6412,8 +6646,8 @@
               <a:buChar char="q"/>
             </a:pPr>
             <a:endParaRPr lang="en-US" sz="2800" dirty="0">
-              <a:latin typeface="Times New Roman" panose="02020603050405020304" pitchFamily="18" charset="0"/>
-              <a:cs typeface="Times New Roman" panose="02020603050405020304" pitchFamily="18" charset="0"/>
+              <a:latin typeface="Times New Roman" panose="02020503050405090304" pitchFamily="18" charset="0"/>
+              <a:cs typeface="Times New Roman" panose="02020503050405090304" pitchFamily="18" charset="0"/>
             </a:endParaRPr>
           </a:p>
           <a:p>
@@ -6422,8 +6656,8 @@
               <a:buChar char="q"/>
             </a:pPr>
             <a:endParaRPr lang="en-US" sz="2600" i="1" dirty="0">
-              <a:latin typeface="Times New Roman" panose="02020603050405020304" pitchFamily="18" charset="0"/>
-              <a:cs typeface="Times New Roman" panose="02020603050405020304" pitchFamily="18" charset="0"/>
+              <a:latin typeface="Times New Roman" panose="02020503050405090304" pitchFamily="18" charset="0"/>
+              <a:cs typeface="Times New Roman" panose="02020503050405090304" pitchFamily="18" charset="0"/>
             </a:endParaRPr>
           </a:p>
         </p:txBody>
@@ -6445,7 +6679,6 @@
           <a:p>
             <a:fld id="{D783A4F0-891E-44AD-B162-AD1ECFE5DF4E}" type="slidenum">
               <a:rPr lang="en-US" smtClean="0"/>
-              <a:t>17</a:t>
             </a:fld>
             <a:endParaRPr lang="en-US"/>
           </a:p>
@@ -6460,7 +6693,7 @@
           <p:nvPr/>
         </p:nvPicPr>
         <p:blipFill>
-          <a:blip r:embed="rId2"/>
+          <a:blip r:embed="rId1"/>
           <a:stretch>
             <a:fillRect/>
           </a:stretch>
@@ -6476,11 +6709,6 @@
         </p:spPr>
       </p:pic>
     </p:spTree>
-    <p:extLst>
-      <p:ext uri="{BB962C8B-B14F-4D97-AF65-F5344CB8AC3E}">
-        <p14:creationId xmlns:p14="http://schemas.microsoft.com/office/powerpoint/2010/main" val="3168390174"/>
-      </p:ext>
-    </p:extLst>
   </p:cSld>
   <p:clrMapOvr>
     <a:masterClrMapping/>
@@ -6539,8 +6767,8 @@
                     <a:lumMod val="75000"/>
                   </a:schemeClr>
                 </a:solidFill>
-                <a:latin typeface="Times New Roman" panose="02020603050405020304" pitchFamily="18" charset="0"/>
-                <a:cs typeface="Times New Roman" panose="02020603050405020304" pitchFamily="18" charset="0"/>
+                <a:latin typeface="Times New Roman" panose="02020503050405090304" pitchFamily="18" charset="0"/>
+                <a:cs typeface="Times New Roman" panose="02020503050405090304" pitchFamily="18" charset="0"/>
               </a:rPr>
               <a:t>Scope of Software Metrics/3</a:t>
             </a:r>
@@ -6550,8 +6778,8 @@
                   <a:lumMod val="75000"/>
                 </a:schemeClr>
               </a:solidFill>
-              <a:latin typeface="Times New Roman" panose="02020603050405020304" pitchFamily="18" charset="0"/>
-              <a:cs typeface="Times New Roman" panose="02020603050405020304" pitchFamily="18" charset="0"/>
+              <a:latin typeface="Times New Roman" panose="02020503050405090304" pitchFamily="18" charset="0"/>
+              <a:cs typeface="Times New Roman" panose="02020503050405090304" pitchFamily="18" charset="0"/>
             </a:endParaRPr>
           </a:p>
         </p:txBody>
@@ -6587,8 +6815,8 @@
                 <a:solidFill>
                   <a:srgbClr val="FF0000"/>
                 </a:solidFill>
-                <a:latin typeface="Times New Roman" panose="02020603050405020304" pitchFamily="18" charset="0"/>
-                <a:cs typeface="Times New Roman" panose="02020603050405020304" pitchFamily="18" charset="0"/>
+                <a:latin typeface="Times New Roman" panose="02020503050405090304" pitchFamily="18" charset="0"/>
+                <a:cs typeface="Times New Roman" panose="02020503050405090304" pitchFamily="18" charset="0"/>
               </a:rPr>
               <a:t>Quality </a:t>
             </a:r>
@@ -6597,8 +6825,8 @@
                 <a:solidFill>
                   <a:srgbClr val="FF0000"/>
                 </a:solidFill>
-                <a:latin typeface="Times New Roman" panose="02020603050405020304" pitchFamily="18" charset="0"/>
-                <a:cs typeface="Times New Roman" panose="02020603050405020304" pitchFamily="18" charset="0"/>
+                <a:latin typeface="Times New Roman" panose="02020503050405090304" pitchFamily="18" charset="0"/>
+                <a:cs typeface="Times New Roman" panose="02020503050405090304" pitchFamily="18" charset="0"/>
               </a:rPr>
               <a:t>models and </a:t>
             </a:r>
@@ -6607,11 +6835,18 @@
                 <a:solidFill>
                   <a:srgbClr val="FF0000"/>
                 </a:solidFill>
-                <a:latin typeface="Times New Roman" panose="02020603050405020304" pitchFamily="18" charset="0"/>
-                <a:cs typeface="Times New Roman" panose="02020603050405020304" pitchFamily="18" charset="0"/>
+                <a:latin typeface="Times New Roman" panose="02020503050405090304" pitchFamily="18" charset="0"/>
+                <a:cs typeface="Times New Roman" panose="02020503050405090304" pitchFamily="18" charset="0"/>
               </a:rPr>
               <a:t>measures</a:t>
             </a:r>
+            <a:endParaRPr lang="en-US" sz="2800" dirty="0" smtClean="0">
+              <a:solidFill>
+                <a:srgbClr val="FF0000"/>
+              </a:solidFill>
+              <a:latin typeface="Times New Roman" panose="02020503050405090304" pitchFamily="18" charset="0"/>
+              <a:cs typeface="Times New Roman" panose="02020503050405090304" pitchFamily="18" charset="0"/>
+            </a:endParaRPr>
           </a:p>
           <a:p>
             <a:pPr marL="0" indent="0">
@@ -6625,8 +6860,8 @@
               <a:buChar char="q"/>
             </a:pPr>
             <a:endParaRPr lang="en-US" sz="2800" dirty="0" smtClean="0">
-              <a:latin typeface="Times New Roman" panose="02020603050405020304" pitchFamily="18" charset="0"/>
-              <a:cs typeface="Times New Roman" panose="02020603050405020304" pitchFamily="18" charset="0"/>
+              <a:latin typeface="Times New Roman" panose="02020503050405090304" pitchFamily="18" charset="0"/>
+              <a:cs typeface="Times New Roman" panose="02020503050405090304" pitchFamily="18" charset="0"/>
             </a:endParaRPr>
           </a:p>
           <a:p>
@@ -6635,8 +6870,8 @@
               <a:buChar char="q"/>
             </a:pPr>
             <a:endParaRPr lang="en-US" sz="2800" dirty="0">
-              <a:latin typeface="Times New Roman" panose="02020603050405020304" pitchFamily="18" charset="0"/>
-              <a:cs typeface="Times New Roman" panose="02020603050405020304" pitchFamily="18" charset="0"/>
+              <a:latin typeface="Times New Roman" panose="02020503050405090304" pitchFamily="18" charset="0"/>
+              <a:cs typeface="Times New Roman" panose="02020503050405090304" pitchFamily="18" charset="0"/>
             </a:endParaRPr>
           </a:p>
           <a:p>
@@ -6645,8 +6880,8 @@
               <a:buChar char="q"/>
             </a:pPr>
             <a:endParaRPr lang="en-US" sz="2600" i="1" dirty="0">
-              <a:latin typeface="Times New Roman" panose="02020603050405020304" pitchFamily="18" charset="0"/>
-              <a:cs typeface="Times New Roman" panose="02020603050405020304" pitchFamily="18" charset="0"/>
+              <a:latin typeface="Times New Roman" panose="02020503050405090304" pitchFamily="18" charset="0"/>
+              <a:cs typeface="Times New Roman" panose="02020503050405090304" pitchFamily="18" charset="0"/>
             </a:endParaRPr>
           </a:p>
         </p:txBody>
@@ -6668,7 +6903,6 @@
           <a:p>
             <a:fld id="{D783A4F0-891E-44AD-B162-AD1ECFE5DF4E}" type="slidenum">
               <a:rPr lang="en-US" smtClean="0"/>
-              <a:t>18</a:t>
             </a:fld>
             <a:endParaRPr lang="en-US"/>
           </a:p>
@@ -6681,7 +6915,7 @@
           <p:nvPr/>
         </p:nvPicPr>
         <p:blipFill>
-          <a:blip r:embed="rId2"/>
+          <a:blip r:embed="rId1"/>
           <a:srcRect/>
           <a:stretch>
             <a:fillRect/>
@@ -6695,15 +6929,9 @@
           <a:prstGeom prst="rect">
             <a:avLst/>
           </a:prstGeom>
-          <a:ln/>
         </p:spPr>
       </p:pic>
     </p:spTree>
-    <p:extLst>
-      <p:ext uri="{BB962C8B-B14F-4D97-AF65-F5344CB8AC3E}">
-        <p14:creationId xmlns:p14="http://schemas.microsoft.com/office/powerpoint/2010/main" val="942182221"/>
-      </p:ext>
-    </p:extLst>
   </p:cSld>
   <p:clrMapOvr>
     <a:masterClrMapping/>
@@ -6757,8 +6985,8 @@
                     <a:lumMod val="75000"/>
                   </a:schemeClr>
                 </a:solidFill>
-                <a:latin typeface="Times New Roman" panose="02020603050405020304" pitchFamily="18" charset="0"/>
-                <a:cs typeface="Times New Roman" panose="02020603050405020304" pitchFamily="18" charset="0"/>
+                <a:latin typeface="Times New Roman" panose="02020503050405090304" pitchFamily="18" charset="0"/>
+                <a:cs typeface="Times New Roman" panose="02020503050405090304" pitchFamily="18" charset="0"/>
               </a:rPr>
               <a:t>Scope of Software Metrics/4</a:t>
             </a:r>
@@ -6768,8 +6996,8 @@
                   <a:lumMod val="75000"/>
                 </a:schemeClr>
               </a:solidFill>
-              <a:latin typeface="Times New Roman" panose="02020603050405020304" pitchFamily="18" charset="0"/>
-              <a:cs typeface="Times New Roman" panose="02020603050405020304" pitchFamily="18" charset="0"/>
+              <a:latin typeface="Times New Roman" panose="02020503050405090304" pitchFamily="18" charset="0"/>
+              <a:cs typeface="Times New Roman" panose="02020503050405090304" pitchFamily="18" charset="0"/>
             </a:endParaRPr>
           </a:p>
         </p:txBody>
@@ -6800,11 +7028,18 @@
                 <a:solidFill>
                   <a:srgbClr val="FF0000"/>
                 </a:solidFill>
-                <a:latin typeface="Times New Roman" panose="02020603050405020304" pitchFamily="18" charset="0"/>
-                <a:cs typeface="Times New Roman" panose="02020603050405020304" pitchFamily="18" charset="0"/>
+                <a:latin typeface="Times New Roman" panose="02020503050405090304" pitchFamily="18" charset="0"/>
+                <a:cs typeface="Times New Roman" panose="02020503050405090304" pitchFamily="18" charset="0"/>
               </a:rPr>
               <a:t>Reliability models</a:t>
             </a:r>
+            <a:endParaRPr lang="en-US" sz="2800" dirty="0" smtClean="0">
+              <a:solidFill>
+                <a:srgbClr val="FF0000"/>
+              </a:solidFill>
+              <a:latin typeface="Times New Roman" panose="02020503050405090304" pitchFamily="18" charset="0"/>
+              <a:cs typeface="Times New Roman" panose="02020503050405090304" pitchFamily="18" charset="0"/>
+            </a:endParaRPr>
           </a:p>
           <a:p>
             <a:pPr marL="0" indent="0">
@@ -6818,8 +7053,8 @@
               <a:buChar char="q"/>
             </a:pPr>
             <a:endParaRPr lang="en-US" sz="2800" dirty="0" smtClean="0">
-              <a:latin typeface="Times New Roman" panose="02020603050405020304" pitchFamily="18" charset="0"/>
-              <a:cs typeface="Times New Roman" panose="02020603050405020304" pitchFamily="18" charset="0"/>
+              <a:latin typeface="Times New Roman" panose="02020503050405090304" pitchFamily="18" charset="0"/>
+              <a:cs typeface="Times New Roman" panose="02020503050405090304" pitchFamily="18" charset="0"/>
             </a:endParaRPr>
           </a:p>
           <a:p>
@@ -6828,8 +7063,8 @@
               <a:buChar char="q"/>
             </a:pPr>
             <a:endParaRPr lang="en-US" sz="2800" dirty="0">
-              <a:latin typeface="Times New Roman" panose="02020603050405020304" pitchFamily="18" charset="0"/>
-              <a:cs typeface="Times New Roman" panose="02020603050405020304" pitchFamily="18" charset="0"/>
+              <a:latin typeface="Times New Roman" panose="02020503050405090304" pitchFamily="18" charset="0"/>
+              <a:cs typeface="Times New Roman" panose="02020503050405090304" pitchFamily="18" charset="0"/>
             </a:endParaRPr>
           </a:p>
           <a:p>
@@ -6838,8 +7073,8 @@
               <a:buChar char="q"/>
             </a:pPr>
             <a:endParaRPr lang="en-US" sz="2600" i="1" dirty="0">
-              <a:latin typeface="Times New Roman" panose="02020603050405020304" pitchFamily="18" charset="0"/>
-              <a:cs typeface="Times New Roman" panose="02020603050405020304" pitchFamily="18" charset="0"/>
+              <a:latin typeface="Times New Roman" panose="02020503050405090304" pitchFamily="18" charset="0"/>
+              <a:cs typeface="Times New Roman" panose="02020503050405090304" pitchFamily="18" charset="0"/>
             </a:endParaRPr>
           </a:p>
         </p:txBody>
@@ -6861,7 +7096,6 @@
           <a:p>
             <a:fld id="{D783A4F0-891E-44AD-B162-AD1ECFE5DF4E}" type="slidenum">
               <a:rPr lang="en-US" smtClean="0"/>
-              <a:t>19</a:t>
             </a:fld>
             <a:endParaRPr lang="en-US"/>
           </a:p>
@@ -6876,7 +7110,7 @@
           <p:nvPr/>
         </p:nvPicPr>
         <p:blipFill>
-          <a:blip r:embed="rId2"/>
+          <a:blip r:embed="rId1"/>
           <a:stretch>
             <a:fillRect/>
           </a:stretch>
@@ -6892,11 +7126,6 @@
         </p:spPr>
       </p:pic>
     </p:spTree>
-    <p:extLst>
-      <p:ext uri="{BB962C8B-B14F-4D97-AF65-F5344CB8AC3E}">
-        <p14:creationId xmlns:p14="http://schemas.microsoft.com/office/powerpoint/2010/main" val="2807733286"/>
-      </p:ext>
-    </p:extLst>
   </p:cSld>
   <p:clrMapOvr>
     <a:masterClrMapping/>
@@ -6950,8 +7179,8 @@
                     <a:lumMod val="75000"/>
                   </a:schemeClr>
                 </a:solidFill>
-                <a:latin typeface="Times New Roman" panose="02020603050405020304" pitchFamily="18" charset="0"/>
-                <a:cs typeface="Times New Roman" panose="02020603050405020304" pitchFamily="18" charset="0"/>
+                <a:latin typeface="Times New Roman" panose="02020503050405090304" pitchFamily="18" charset="0"/>
+                <a:cs typeface="Times New Roman" panose="02020503050405090304" pitchFamily="18" charset="0"/>
               </a:rPr>
               <a:t>Outline of The Course</a:t>
             </a:r>
@@ -6961,8 +7190,8 @@
                   <a:lumMod val="75000"/>
                 </a:schemeClr>
               </a:solidFill>
-              <a:latin typeface="Times New Roman" panose="02020603050405020304" pitchFamily="18" charset="0"/>
-              <a:cs typeface="Times New Roman" panose="02020603050405020304" pitchFamily="18" charset="0"/>
+              <a:latin typeface="Times New Roman" panose="02020503050405090304" pitchFamily="18" charset="0"/>
+              <a:cs typeface="Times New Roman" panose="02020503050405090304" pitchFamily="18" charset="0"/>
             </a:endParaRPr>
           </a:p>
         </p:txBody>
@@ -6990,18 +7219,22 @@
             </a:pPr>
             <a:r>
               <a:rPr lang="en-US" sz="3200" b="1" dirty="0" smtClean="0">
-                <a:latin typeface="Times New Roman" panose="02020603050405020304" pitchFamily="18" charset="0"/>
-                <a:cs typeface="Times New Roman" panose="02020603050405020304" pitchFamily="18" charset="0"/>
+                <a:latin typeface="Times New Roman" panose="02020503050405090304" pitchFamily="18" charset="0"/>
+                <a:cs typeface="Times New Roman" panose="02020503050405090304" pitchFamily="18" charset="0"/>
               </a:rPr>
               <a:t>Module 1: </a:t>
             </a:r>
             <a:r>
               <a:rPr lang="en-US" sz="3200" dirty="0" smtClean="0">
-                <a:latin typeface="Times New Roman" panose="02020603050405020304" pitchFamily="18" charset="0"/>
-                <a:cs typeface="Times New Roman" panose="02020603050405020304" pitchFamily="18" charset="0"/>
+                <a:latin typeface="Times New Roman" panose="02020503050405090304" pitchFamily="18" charset="0"/>
+                <a:cs typeface="Times New Roman" panose="02020503050405090304" pitchFamily="18" charset="0"/>
               </a:rPr>
               <a:t>Measurement theory</a:t>
             </a:r>
+            <a:endParaRPr lang="en-US" sz="3200" dirty="0" smtClean="0">
+              <a:latin typeface="Times New Roman" panose="02020503050405090304" pitchFamily="18" charset="0"/>
+              <a:cs typeface="Times New Roman" panose="02020503050405090304" pitchFamily="18" charset="0"/>
+            </a:endParaRPr>
           </a:p>
           <a:p>
             <a:pPr>
@@ -7010,18 +7243,22 @@
             </a:pPr>
             <a:r>
               <a:rPr lang="en-US" sz="3200" b="1" dirty="0" smtClean="0">
-                <a:latin typeface="Times New Roman" panose="02020603050405020304" pitchFamily="18" charset="0"/>
-                <a:cs typeface="Times New Roman" panose="02020603050405020304" pitchFamily="18" charset="0"/>
+                <a:latin typeface="Times New Roman" panose="02020503050405090304" pitchFamily="18" charset="0"/>
+                <a:cs typeface="Times New Roman" panose="02020503050405090304" pitchFamily="18" charset="0"/>
               </a:rPr>
               <a:t>Module 2: </a:t>
             </a:r>
             <a:r>
               <a:rPr lang="en-US" sz="3200" dirty="0" smtClean="0">
-                <a:latin typeface="Times New Roman" panose="02020603050405020304" pitchFamily="18" charset="0"/>
-                <a:cs typeface="Times New Roman" panose="02020603050405020304" pitchFamily="18" charset="0"/>
+                <a:latin typeface="Times New Roman" panose="02020503050405090304" pitchFamily="18" charset="0"/>
+                <a:cs typeface="Times New Roman" panose="02020503050405090304" pitchFamily="18" charset="0"/>
               </a:rPr>
               <a:t>Software product and process measurements</a:t>
             </a:r>
+            <a:endParaRPr lang="en-US" sz="3200" dirty="0" smtClean="0">
+              <a:latin typeface="Times New Roman" panose="02020503050405090304" pitchFamily="18" charset="0"/>
+              <a:cs typeface="Times New Roman" panose="02020503050405090304" pitchFamily="18" charset="0"/>
+            </a:endParaRPr>
           </a:p>
           <a:p>
             <a:pPr>
@@ -7030,21 +7267,21 @@
             </a:pPr>
             <a:r>
               <a:rPr lang="en-US" sz="3200" b="1" dirty="0" smtClean="0">
-                <a:latin typeface="Times New Roman" panose="02020603050405020304" pitchFamily="18" charset="0"/>
-                <a:cs typeface="Times New Roman" panose="02020603050405020304" pitchFamily="18" charset="0"/>
+                <a:latin typeface="Times New Roman" panose="02020503050405090304" pitchFamily="18" charset="0"/>
+                <a:cs typeface="Times New Roman" panose="02020503050405090304" pitchFamily="18" charset="0"/>
               </a:rPr>
               <a:t>Module 3: </a:t>
             </a:r>
             <a:r>
               <a:rPr lang="en-US" sz="3200" dirty="0" smtClean="0">
-                <a:latin typeface="Times New Roman" panose="02020603050405020304" pitchFamily="18" charset="0"/>
-                <a:cs typeface="Times New Roman" panose="02020603050405020304" pitchFamily="18" charset="0"/>
+                <a:latin typeface="Times New Roman" panose="02020503050405090304" pitchFamily="18" charset="0"/>
+                <a:cs typeface="Times New Roman" panose="02020503050405090304" pitchFamily="18" charset="0"/>
               </a:rPr>
               <a:t>Measurement management</a:t>
             </a:r>
             <a:endParaRPr lang="en-US" sz="3200" dirty="0">
-              <a:latin typeface="Times New Roman" panose="02020603050405020304" pitchFamily="18" charset="0"/>
-              <a:cs typeface="Times New Roman" panose="02020603050405020304" pitchFamily="18" charset="0"/>
+              <a:latin typeface="Times New Roman" panose="02020503050405090304" pitchFamily="18" charset="0"/>
+              <a:cs typeface="Times New Roman" panose="02020503050405090304" pitchFamily="18" charset="0"/>
             </a:endParaRPr>
           </a:p>
         </p:txBody>
@@ -7066,18 +7303,12 @@
           <a:p>
             <a:fld id="{D783A4F0-891E-44AD-B162-AD1ECFE5DF4E}" type="slidenum">
               <a:rPr lang="en-US" smtClean="0"/>
-              <a:t>2</a:t>
             </a:fld>
             <a:endParaRPr lang="en-US"/>
           </a:p>
         </p:txBody>
       </p:sp>
     </p:spTree>
-    <p:extLst>
-      <p:ext uri="{BB962C8B-B14F-4D97-AF65-F5344CB8AC3E}">
-        <p14:creationId xmlns:p14="http://schemas.microsoft.com/office/powerpoint/2010/main" val="2028123924"/>
-      </p:ext>
-    </p:extLst>
   </p:cSld>
   <p:clrMapOvr>
     <a:masterClrMapping/>
@@ -7131,8 +7362,8 @@
                     <a:lumMod val="75000"/>
                   </a:schemeClr>
                 </a:solidFill>
-                <a:latin typeface="Times New Roman" panose="02020603050405020304" pitchFamily="18" charset="0"/>
-                <a:cs typeface="Times New Roman" panose="02020603050405020304" pitchFamily="18" charset="0"/>
+                <a:latin typeface="Times New Roman" panose="02020503050405090304" pitchFamily="18" charset="0"/>
+                <a:cs typeface="Times New Roman" panose="02020503050405090304" pitchFamily="18" charset="0"/>
               </a:rPr>
               <a:t>Scope of Software Metrics/5</a:t>
             </a:r>
@@ -7142,8 +7373,8 @@
                   <a:lumMod val="75000"/>
                 </a:schemeClr>
               </a:solidFill>
-              <a:latin typeface="Times New Roman" panose="02020603050405020304" pitchFamily="18" charset="0"/>
-              <a:cs typeface="Times New Roman" panose="02020603050405020304" pitchFamily="18" charset="0"/>
+              <a:latin typeface="Times New Roman" panose="02020503050405090304" pitchFamily="18" charset="0"/>
+              <a:cs typeface="Times New Roman" panose="02020503050405090304" pitchFamily="18" charset="0"/>
             </a:endParaRPr>
           </a:p>
         </p:txBody>
@@ -7174,11 +7405,18 @@
                 <a:solidFill>
                   <a:srgbClr val="FF0000"/>
                 </a:solidFill>
-                <a:latin typeface="Times New Roman" panose="02020603050405020304" pitchFamily="18" charset="0"/>
-                <a:cs typeface="Times New Roman" panose="02020603050405020304" pitchFamily="18" charset="0"/>
+                <a:latin typeface="Times New Roman" panose="02020503050405090304" pitchFamily="18" charset="0"/>
+                <a:cs typeface="Times New Roman" panose="02020503050405090304" pitchFamily="18" charset="0"/>
               </a:rPr>
               <a:t>Security metrics</a:t>
             </a:r>
+            <a:endParaRPr lang="en-US" sz="2800" dirty="0" smtClean="0">
+              <a:solidFill>
+                <a:srgbClr val="FF0000"/>
+              </a:solidFill>
+              <a:latin typeface="Times New Roman" panose="02020503050405090304" pitchFamily="18" charset="0"/>
+              <a:cs typeface="Times New Roman" panose="02020503050405090304" pitchFamily="18" charset="0"/>
+            </a:endParaRPr>
           </a:p>
           <a:p>
             <a:pPr lvl="2">
@@ -7187,32 +7425,36 @@
             </a:pPr>
             <a:r>
               <a:rPr lang="en-US" sz="2800" dirty="0">
-                <a:latin typeface="Times New Roman" panose="02020603050405020304" pitchFamily="18" charset="0"/>
-                <a:cs typeface="Times New Roman" panose="02020603050405020304" pitchFamily="18" charset="0"/>
+                <a:latin typeface="Times New Roman" panose="02020503050405090304" pitchFamily="18" charset="0"/>
+                <a:cs typeface="Times New Roman" panose="02020503050405090304" pitchFamily="18" charset="0"/>
               </a:rPr>
               <a:t>Security depends on both the internal design of a system and the nature </a:t>
             </a:r>
             <a:r>
               <a:rPr lang="en-US" sz="2800" dirty="0" smtClean="0">
-                <a:latin typeface="Times New Roman" panose="02020603050405020304" pitchFamily="18" charset="0"/>
-                <a:cs typeface="Times New Roman" panose="02020603050405020304" pitchFamily="18" charset="0"/>
+                <a:latin typeface="Times New Roman" panose="02020503050405090304" pitchFamily="18" charset="0"/>
+                <a:cs typeface="Times New Roman" panose="02020503050405090304" pitchFamily="18" charset="0"/>
               </a:rPr>
               <a:t>of the </a:t>
             </a:r>
             <a:r>
               <a:rPr lang="en-US" sz="2800" dirty="0">
-                <a:latin typeface="Times New Roman" panose="02020603050405020304" pitchFamily="18" charset="0"/>
-                <a:cs typeface="Times New Roman" panose="02020603050405020304" pitchFamily="18" charset="0"/>
+                <a:latin typeface="Times New Roman" panose="02020503050405090304" pitchFamily="18" charset="0"/>
+                <a:cs typeface="Times New Roman" panose="02020503050405090304" pitchFamily="18" charset="0"/>
               </a:rPr>
               <a:t>attacks that originate externally</a:t>
             </a:r>
             <a:r>
               <a:rPr lang="en-US" sz="2800" dirty="0" smtClean="0">
-                <a:latin typeface="Times New Roman" panose="02020603050405020304" pitchFamily="18" charset="0"/>
-                <a:cs typeface="Times New Roman" panose="02020603050405020304" pitchFamily="18" charset="0"/>
+                <a:latin typeface="Times New Roman" panose="02020503050405090304" pitchFamily="18" charset="0"/>
+                <a:cs typeface="Times New Roman" panose="02020503050405090304" pitchFamily="18" charset="0"/>
               </a:rPr>
               <a:t>.</a:t>
             </a:r>
+            <a:endParaRPr lang="en-US" sz="2800" dirty="0" smtClean="0">
+              <a:latin typeface="Times New Roman" panose="02020503050405090304" pitchFamily="18" charset="0"/>
+              <a:cs typeface="Times New Roman" panose="02020503050405090304" pitchFamily="18" charset="0"/>
+            </a:endParaRPr>
           </a:p>
           <a:p>
             <a:endParaRPr lang="en-US" dirty="0"/>
@@ -7224,47 +7466,51 @@
             </a:pPr>
             <a:r>
               <a:rPr lang="en-US" sz="2800" dirty="0">
-                <a:latin typeface="Times New Roman" panose="02020603050405020304" pitchFamily="18" charset="0"/>
-                <a:cs typeface="Times New Roman" panose="02020603050405020304" pitchFamily="18" charset="0"/>
+                <a:latin typeface="Times New Roman" panose="02020503050405090304" pitchFamily="18" charset="0"/>
+                <a:cs typeface="Times New Roman" panose="02020503050405090304" pitchFamily="18" charset="0"/>
               </a:rPr>
               <a:t>T</a:t>
             </a:r>
             <a:r>
               <a:rPr lang="en-US" sz="2800" dirty="0" smtClean="0">
-                <a:latin typeface="Times New Roman" panose="02020603050405020304" pitchFamily="18" charset="0"/>
-                <a:cs typeface="Times New Roman" panose="02020603050405020304" pitchFamily="18" charset="0"/>
+                <a:latin typeface="Times New Roman" panose="02020503050405090304" pitchFamily="18" charset="0"/>
+                <a:cs typeface="Times New Roman" panose="02020503050405090304" pitchFamily="18" charset="0"/>
               </a:rPr>
               <a:t>o </a:t>
             </a:r>
             <a:r>
               <a:rPr lang="en-US" sz="2800" dirty="0">
-                <a:latin typeface="Times New Roman" panose="02020603050405020304" pitchFamily="18" charset="0"/>
-                <a:cs typeface="Times New Roman" panose="02020603050405020304" pitchFamily="18" charset="0"/>
+                <a:latin typeface="Times New Roman" panose="02020503050405090304" pitchFamily="18" charset="0"/>
+                <a:cs typeface="Times New Roman" panose="02020503050405090304" pitchFamily="18" charset="0"/>
               </a:rPr>
               <a:t>assess security risks in terms of impact, likelihood, </a:t>
             </a:r>
             <a:r>
               <a:rPr lang="en-US" sz="2800" dirty="0" smtClean="0">
-                <a:latin typeface="Times New Roman" panose="02020603050405020304" pitchFamily="18" charset="0"/>
-                <a:cs typeface="Times New Roman" panose="02020603050405020304" pitchFamily="18" charset="0"/>
+                <a:latin typeface="Times New Roman" panose="02020503050405090304" pitchFamily="18" charset="0"/>
+                <a:cs typeface="Times New Roman" panose="02020503050405090304" pitchFamily="18" charset="0"/>
               </a:rPr>
               <a:t>threats, and </a:t>
             </a:r>
             <a:r>
               <a:rPr lang="en-US" sz="2800" dirty="0">
-                <a:latin typeface="Times New Roman" panose="02020603050405020304" pitchFamily="18" charset="0"/>
-                <a:cs typeface="Times New Roman" panose="02020603050405020304" pitchFamily="18" charset="0"/>
+                <a:latin typeface="Times New Roman" panose="02020503050405090304" pitchFamily="18" charset="0"/>
+                <a:cs typeface="Times New Roman" panose="02020503050405090304" pitchFamily="18" charset="0"/>
               </a:rPr>
               <a:t>vulnerabilities.</a:t>
             </a:r>
+            <a:endParaRPr lang="en-US" sz="2800" dirty="0">
+              <a:latin typeface="Times New Roman" panose="02020503050405090304" pitchFamily="18" charset="0"/>
+              <a:cs typeface="Times New Roman" panose="02020503050405090304" pitchFamily="18" charset="0"/>
+            </a:endParaRPr>
           </a:p>
           <a:p>
             <a:endParaRPr lang="en-US" sz="4400" dirty="0" smtClean="0">
               <a:solidFill>
                 <a:srgbClr val="FF0000"/>
               </a:solidFill>
-              <a:latin typeface="Times New Roman" panose="02020603050405020304" pitchFamily="18" charset="0"/>
-              <a:cs typeface="Times New Roman" panose="02020603050405020304" pitchFamily="18" charset="0"/>
+              <a:latin typeface="Times New Roman" panose="02020503050405090304" pitchFamily="18" charset="0"/>
+              <a:cs typeface="Times New Roman" panose="02020503050405090304" pitchFamily="18" charset="0"/>
             </a:endParaRPr>
           </a:p>
           <a:p>
@@ -7280,8 +7526,8 @@
               <a:buChar char="q"/>
             </a:pPr>
             <a:endParaRPr lang="en-US" sz="2800" dirty="0" smtClean="0">
-              <a:latin typeface="Times New Roman" panose="02020603050405020304" pitchFamily="18" charset="0"/>
-              <a:cs typeface="Times New Roman" panose="02020603050405020304" pitchFamily="18" charset="0"/>
+              <a:latin typeface="Times New Roman" panose="02020503050405090304" pitchFamily="18" charset="0"/>
+              <a:cs typeface="Times New Roman" panose="02020503050405090304" pitchFamily="18" charset="0"/>
             </a:endParaRPr>
           </a:p>
           <a:p>
@@ -7290,8 +7536,8 @@
               <a:buChar char="q"/>
             </a:pPr>
             <a:endParaRPr lang="en-US" sz="2800" dirty="0">
-              <a:latin typeface="Times New Roman" panose="02020603050405020304" pitchFamily="18" charset="0"/>
-              <a:cs typeface="Times New Roman" panose="02020603050405020304" pitchFamily="18" charset="0"/>
+              <a:latin typeface="Times New Roman" panose="02020503050405090304" pitchFamily="18" charset="0"/>
+              <a:cs typeface="Times New Roman" panose="02020503050405090304" pitchFamily="18" charset="0"/>
             </a:endParaRPr>
           </a:p>
           <a:p>
@@ -7300,8 +7546,8 @@
               <a:buChar char="q"/>
             </a:pPr>
             <a:endParaRPr lang="en-US" sz="2600" i="1" dirty="0">
-              <a:latin typeface="Times New Roman" panose="02020603050405020304" pitchFamily="18" charset="0"/>
-              <a:cs typeface="Times New Roman" panose="02020603050405020304" pitchFamily="18" charset="0"/>
+              <a:latin typeface="Times New Roman" panose="02020503050405090304" pitchFamily="18" charset="0"/>
+              <a:cs typeface="Times New Roman" panose="02020503050405090304" pitchFamily="18" charset="0"/>
             </a:endParaRPr>
           </a:p>
         </p:txBody>
@@ -7323,18 +7569,12 @@
           <a:p>
             <a:fld id="{D783A4F0-891E-44AD-B162-AD1ECFE5DF4E}" type="slidenum">
               <a:rPr lang="en-US" smtClean="0"/>
-              <a:t>20</a:t>
             </a:fld>
             <a:endParaRPr lang="en-US"/>
           </a:p>
         </p:txBody>
       </p:sp>
     </p:spTree>
-    <p:extLst>
-      <p:ext uri="{BB962C8B-B14F-4D97-AF65-F5344CB8AC3E}">
-        <p14:creationId xmlns:p14="http://schemas.microsoft.com/office/powerpoint/2010/main" val="771375737"/>
-      </p:ext>
-    </p:extLst>
   </p:cSld>
   <p:clrMapOvr>
     <a:masterClrMapping/>
@@ -7388,8 +7628,8 @@
                     <a:lumMod val="75000"/>
                   </a:schemeClr>
                 </a:solidFill>
-                <a:latin typeface="Times New Roman" panose="02020603050405020304" pitchFamily="18" charset="0"/>
-                <a:cs typeface="Times New Roman" panose="02020603050405020304" pitchFamily="18" charset="0"/>
+                <a:latin typeface="Times New Roman" panose="02020503050405090304" pitchFamily="18" charset="0"/>
+                <a:cs typeface="Times New Roman" panose="02020503050405090304" pitchFamily="18" charset="0"/>
               </a:rPr>
               <a:t>Scope of Software Metrics/6</a:t>
             </a:r>
@@ -7399,8 +7639,8 @@
                   <a:lumMod val="75000"/>
                 </a:schemeClr>
               </a:solidFill>
-              <a:latin typeface="Times New Roman" panose="02020603050405020304" pitchFamily="18" charset="0"/>
-              <a:cs typeface="Times New Roman" panose="02020603050405020304" pitchFamily="18" charset="0"/>
+              <a:latin typeface="Times New Roman" panose="02020503050405090304" pitchFamily="18" charset="0"/>
+              <a:cs typeface="Times New Roman" panose="02020503050405090304" pitchFamily="18" charset="0"/>
             </a:endParaRPr>
           </a:p>
         </p:txBody>
@@ -7431,11 +7671,18 @@
                 <a:solidFill>
                   <a:srgbClr val="FF0000"/>
                 </a:solidFill>
-                <a:latin typeface="Times New Roman" panose="02020603050405020304" pitchFamily="18" charset="0"/>
-                <a:cs typeface="Times New Roman" panose="02020603050405020304" pitchFamily="18" charset="0"/>
+                <a:latin typeface="Times New Roman" panose="02020503050405090304" pitchFamily="18" charset="0"/>
+                <a:cs typeface="Times New Roman" panose="02020503050405090304" pitchFamily="18" charset="0"/>
               </a:rPr>
               <a:t>Structural and complexity metrics</a:t>
             </a:r>
+            <a:endParaRPr lang="en-US" sz="2800" dirty="0" smtClean="0">
+              <a:solidFill>
+                <a:srgbClr val="FF0000"/>
+              </a:solidFill>
+              <a:latin typeface="Times New Roman" panose="02020503050405090304" pitchFamily="18" charset="0"/>
+              <a:cs typeface="Times New Roman" panose="02020503050405090304" pitchFamily="18" charset="0"/>
+            </a:endParaRPr>
           </a:p>
           <a:p>
             <a:pPr>
@@ -7443,8 +7690,8 @@
               <a:buChar char="q"/>
             </a:pPr>
             <a:endParaRPr lang="en-US" sz="2800" dirty="0" smtClean="0">
-              <a:latin typeface="Times New Roman" panose="02020603050405020304" pitchFamily="18" charset="0"/>
-              <a:cs typeface="Times New Roman" panose="02020603050405020304" pitchFamily="18" charset="0"/>
+              <a:latin typeface="Times New Roman" panose="02020503050405090304" pitchFamily="18" charset="0"/>
+              <a:cs typeface="Times New Roman" panose="02020503050405090304" pitchFamily="18" charset="0"/>
             </a:endParaRPr>
           </a:p>
           <a:p>
@@ -7453,8 +7700,8 @@
               <a:buChar char="q"/>
             </a:pPr>
             <a:endParaRPr lang="en-US" sz="2800" dirty="0">
-              <a:latin typeface="Times New Roman" panose="02020603050405020304" pitchFamily="18" charset="0"/>
-              <a:cs typeface="Times New Roman" panose="02020603050405020304" pitchFamily="18" charset="0"/>
+              <a:latin typeface="Times New Roman" panose="02020503050405090304" pitchFamily="18" charset="0"/>
+              <a:cs typeface="Times New Roman" panose="02020503050405090304" pitchFamily="18" charset="0"/>
             </a:endParaRPr>
           </a:p>
           <a:p>
@@ -7463,8 +7710,8 @@
               <a:buChar char="q"/>
             </a:pPr>
             <a:endParaRPr lang="en-US" sz="2600" i="1" dirty="0">
-              <a:latin typeface="Times New Roman" panose="02020603050405020304" pitchFamily="18" charset="0"/>
-              <a:cs typeface="Times New Roman" panose="02020603050405020304" pitchFamily="18" charset="0"/>
+              <a:latin typeface="Times New Roman" panose="02020503050405090304" pitchFamily="18" charset="0"/>
+              <a:cs typeface="Times New Roman" panose="02020503050405090304" pitchFamily="18" charset="0"/>
             </a:endParaRPr>
           </a:p>
         </p:txBody>
@@ -7486,7 +7733,6 @@
           <a:p>
             <a:fld id="{D783A4F0-891E-44AD-B162-AD1ECFE5DF4E}" type="slidenum">
               <a:rPr lang="en-US" smtClean="0"/>
-              <a:t>21</a:t>
             </a:fld>
             <a:endParaRPr lang="en-US"/>
           </a:p>
@@ -7501,7 +7747,7 @@
           <p:nvPr/>
         </p:nvPicPr>
         <p:blipFill>
-          <a:blip r:embed="rId2"/>
+          <a:blip r:embed="rId1"/>
           <a:stretch>
             <a:fillRect/>
           </a:stretch>
@@ -7517,11 +7763,6 @@
         </p:spPr>
       </p:pic>
     </p:spTree>
-    <p:extLst>
-      <p:ext uri="{BB962C8B-B14F-4D97-AF65-F5344CB8AC3E}">
-        <p14:creationId xmlns:p14="http://schemas.microsoft.com/office/powerpoint/2010/main" val="1866586643"/>
-      </p:ext>
-    </p:extLst>
   </p:cSld>
   <p:clrMapOvr>
     <a:masterClrMapping/>
@@ -7580,8 +7821,8 @@
                     <a:lumMod val="75000"/>
                   </a:schemeClr>
                 </a:solidFill>
-                <a:latin typeface="Times New Roman" panose="02020603050405020304" pitchFamily="18" charset="0"/>
-                <a:cs typeface="Times New Roman" panose="02020603050405020304" pitchFamily="18" charset="0"/>
+                <a:latin typeface="Times New Roman" panose="02020503050405090304" pitchFamily="18" charset="0"/>
+                <a:cs typeface="Times New Roman" panose="02020503050405090304" pitchFamily="18" charset="0"/>
               </a:rPr>
               <a:t>Scope of Software Metrics/7</a:t>
             </a:r>
@@ -7591,8 +7832,8 @@
                   <a:lumMod val="75000"/>
                 </a:schemeClr>
               </a:solidFill>
-              <a:latin typeface="Times New Roman" panose="02020603050405020304" pitchFamily="18" charset="0"/>
-              <a:cs typeface="Times New Roman" panose="02020603050405020304" pitchFamily="18" charset="0"/>
+              <a:latin typeface="Times New Roman" panose="02020503050405090304" pitchFamily="18" charset="0"/>
+              <a:cs typeface="Times New Roman" panose="02020503050405090304" pitchFamily="18" charset="0"/>
             </a:endParaRPr>
           </a:p>
         </p:txBody>
@@ -7623,11 +7864,18 @@
                 <a:solidFill>
                   <a:srgbClr val="FF0000"/>
                 </a:solidFill>
-                <a:latin typeface="Times New Roman" panose="02020603050405020304" pitchFamily="18" charset="0"/>
-                <a:cs typeface="Times New Roman" panose="02020603050405020304" pitchFamily="18" charset="0"/>
+                <a:latin typeface="Times New Roman" panose="02020503050405090304" pitchFamily="18" charset="0"/>
+                <a:cs typeface="Times New Roman" panose="02020503050405090304" pitchFamily="18" charset="0"/>
               </a:rPr>
               <a:t>Capability maturity assessment</a:t>
             </a:r>
+            <a:endParaRPr lang="en-US" sz="2800" dirty="0" smtClean="0">
+              <a:solidFill>
+                <a:srgbClr val="FF0000"/>
+              </a:solidFill>
+              <a:latin typeface="Times New Roman" panose="02020503050405090304" pitchFamily="18" charset="0"/>
+              <a:cs typeface="Times New Roman" panose="02020503050405090304" pitchFamily="18" charset="0"/>
+            </a:endParaRPr>
           </a:p>
           <a:p>
             <a:pPr lvl="1">
@@ -7639,8 +7887,8 @@
                 <a:solidFill>
                   <a:srgbClr val="FF0000"/>
                 </a:solidFill>
-                <a:latin typeface="Times New Roman" panose="02020603050405020304" pitchFamily="18" charset="0"/>
-                <a:cs typeface="Times New Roman" panose="02020603050405020304" pitchFamily="18" charset="0"/>
+                <a:latin typeface="Times New Roman" panose="02020503050405090304" pitchFamily="18" charset="0"/>
+                <a:cs typeface="Times New Roman" panose="02020503050405090304" pitchFamily="18" charset="0"/>
               </a:rPr>
               <a:t> </a:t>
             </a:r>
@@ -7649,11 +7897,18 @@
                 <a:solidFill>
                   <a:schemeClr val="tx1"/>
                 </a:solidFill>
-                <a:latin typeface="Times New Roman" panose="02020603050405020304" pitchFamily="18" charset="0"/>
-                <a:cs typeface="Times New Roman" panose="02020603050405020304" pitchFamily="18" charset="0"/>
+                <a:latin typeface="Times New Roman" panose="02020503050405090304" pitchFamily="18" charset="0"/>
+                <a:cs typeface="Times New Roman" panose="02020503050405090304" pitchFamily="18" charset="0"/>
               </a:rPr>
               <a:t>Capability Maturity Model Integration (CMMI)</a:t>
             </a:r>
+            <a:endParaRPr lang="en-US" sz="1600" dirty="0" smtClean="0">
+              <a:solidFill>
+                <a:schemeClr val="tx1"/>
+              </a:solidFill>
+              <a:latin typeface="Times New Roman" panose="02020503050405090304" pitchFamily="18" charset="0"/>
+              <a:cs typeface="Times New Roman" panose="02020503050405090304" pitchFamily="18" charset="0"/>
+            </a:endParaRPr>
           </a:p>
           <a:p>
             <a:pPr lvl="1">
@@ -7661,8 +7916,8 @@
               <a:buChar char="q"/>
             </a:pPr>
             <a:endParaRPr lang="en-US" sz="2600" dirty="0" smtClean="0">
-              <a:latin typeface="Times New Roman" panose="02020603050405020304" pitchFamily="18" charset="0"/>
-              <a:cs typeface="Times New Roman" panose="02020603050405020304" pitchFamily="18" charset="0"/>
+              <a:latin typeface="Times New Roman" panose="02020503050405090304" pitchFamily="18" charset="0"/>
+              <a:cs typeface="Times New Roman" panose="02020503050405090304" pitchFamily="18" charset="0"/>
             </a:endParaRPr>
           </a:p>
           <a:p>
@@ -7678,8 +7933,8 @@
               <a:buChar char="q"/>
             </a:pPr>
             <a:endParaRPr lang="en-US" sz="2800" dirty="0" smtClean="0">
-              <a:latin typeface="Times New Roman" panose="02020603050405020304" pitchFamily="18" charset="0"/>
-              <a:cs typeface="Times New Roman" panose="02020603050405020304" pitchFamily="18" charset="0"/>
+              <a:latin typeface="Times New Roman" panose="02020503050405090304" pitchFamily="18" charset="0"/>
+              <a:cs typeface="Times New Roman" panose="02020503050405090304" pitchFamily="18" charset="0"/>
             </a:endParaRPr>
           </a:p>
           <a:p>
@@ -7688,8 +7943,8 @@
               <a:buChar char="q"/>
             </a:pPr>
             <a:endParaRPr lang="en-US" sz="2800" dirty="0">
-              <a:latin typeface="Times New Roman" panose="02020603050405020304" pitchFamily="18" charset="0"/>
-              <a:cs typeface="Times New Roman" panose="02020603050405020304" pitchFamily="18" charset="0"/>
+              <a:latin typeface="Times New Roman" panose="02020503050405090304" pitchFamily="18" charset="0"/>
+              <a:cs typeface="Times New Roman" panose="02020503050405090304" pitchFamily="18" charset="0"/>
             </a:endParaRPr>
           </a:p>
           <a:p>
@@ -7698,8 +7953,8 @@
               <a:buChar char="q"/>
             </a:pPr>
             <a:endParaRPr lang="en-US" sz="2600" i="1" dirty="0">
-              <a:latin typeface="Times New Roman" panose="02020603050405020304" pitchFamily="18" charset="0"/>
-              <a:cs typeface="Times New Roman" panose="02020603050405020304" pitchFamily="18" charset="0"/>
+              <a:latin typeface="Times New Roman" panose="02020503050405090304" pitchFamily="18" charset="0"/>
+              <a:cs typeface="Times New Roman" panose="02020503050405090304" pitchFamily="18" charset="0"/>
             </a:endParaRPr>
           </a:p>
         </p:txBody>
@@ -7721,7 +7976,6 @@
           <a:p>
             <a:fld id="{D783A4F0-891E-44AD-B162-AD1ECFE5DF4E}" type="slidenum">
               <a:rPr lang="en-US" smtClean="0"/>
-              <a:t>22</a:t>
             </a:fld>
             <a:endParaRPr lang="en-US"/>
           </a:p>
@@ -7734,7 +7988,7 @@
           <p:nvPr/>
         </p:nvPicPr>
         <p:blipFill>
-          <a:blip r:embed="rId2"/>
+          <a:blip r:embed="rId1"/>
           <a:srcRect/>
           <a:stretch>
             <a:fillRect/>
@@ -7748,15 +8002,9 @@
           <a:prstGeom prst="rect">
             <a:avLst/>
           </a:prstGeom>
-          <a:ln/>
         </p:spPr>
       </p:pic>
     </p:spTree>
-    <p:extLst>
-      <p:ext uri="{BB962C8B-B14F-4D97-AF65-F5344CB8AC3E}">
-        <p14:creationId xmlns:p14="http://schemas.microsoft.com/office/powerpoint/2010/main" val="165304445"/>
-      </p:ext>
-    </p:extLst>
   </p:cSld>
   <p:clrMapOvr>
     <a:masterClrMapping/>
@@ -7810,8 +8058,8 @@
                     <a:lumMod val="75000"/>
                   </a:schemeClr>
                 </a:solidFill>
-                <a:latin typeface="Times New Roman" panose="02020603050405020304" pitchFamily="18" charset="0"/>
-                <a:cs typeface="Times New Roman" panose="02020603050405020304" pitchFamily="18" charset="0"/>
+                <a:latin typeface="Times New Roman" panose="02020503050405090304" pitchFamily="18" charset="0"/>
+                <a:cs typeface="Times New Roman" panose="02020503050405090304" pitchFamily="18" charset="0"/>
               </a:rPr>
               <a:t>Scope of Software Metrics/8</a:t>
             </a:r>
@@ -7821,8 +8069,8 @@
                   <a:lumMod val="75000"/>
                 </a:schemeClr>
               </a:solidFill>
-              <a:latin typeface="Times New Roman" panose="02020603050405020304" pitchFamily="18" charset="0"/>
-              <a:cs typeface="Times New Roman" panose="02020603050405020304" pitchFamily="18" charset="0"/>
+              <a:latin typeface="Times New Roman" panose="02020503050405090304" pitchFamily="18" charset="0"/>
+              <a:cs typeface="Times New Roman" panose="02020503050405090304" pitchFamily="18" charset="0"/>
             </a:endParaRPr>
           </a:p>
         </p:txBody>
@@ -7853,11 +8101,18 @@
                 <a:solidFill>
                   <a:srgbClr val="FF0000"/>
                 </a:solidFill>
-                <a:latin typeface="Times New Roman" panose="02020603050405020304" pitchFamily="18" charset="0"/>
-                <a:cs typeface="Times New Roman" panose="02020603050405020304" pitchFamily="18" charset="0"/>
+                <a:latin typeface="Times New Roman" panose="02020503050405090304" pitchFamily="18" charset="0"/>
+                <a:cs typeface="Times New Roman" panose="02020503050405090304" pitchFamily="18" charset="0"/>
               </a:rPr>
               <a:t>Evaluation of methods and tools</a:t>
             </a:r>
+            <a:endParaRPr lang="en-US" sz="2800" dirty="0" smtClean="0">
+              <a:solidFill>
+                <a:srgbClr val="FF0000"/>
+              </a:solidFill>
+              <a:latin typeface="Times New Roman" panose="02020503050405090304" pitchFamily="18" charset="0"/>
+              <a:cs typeface="Times New Roman" panose="02020503050405090304" pitchFamily="18" charset="0"/>
+            </a:endParaRPr>
           </a:p>
           <a:p>
             <a:pPr>
@@ -7865,8 +8120,8 @@
               <a:buChar char="q"/>
             </a:pPr>
             <a:endParaRPr lang="en-US" sz="2800" dirty="0">
-              <a:latin typeface="Times New Roman" panose="02020603050405020304" pitchFamily="18" charset="0"/>
-              <a:cs typeface="Times New Roman" panose="02020603050405020304" pitchFamily="18" charset="0"/>
+              <a:latin typeface="Times New Roman" panose="02020503050405090304" pitchFamily="18" charset="0"/>
+              <a:cs typeface="Times New Roman" panose="02020503050405090304" pitchFamily="18" charset="0"/>
             </a:endParaRPr>
           </a:p>
           <a:p>
@@ -7882,8 +8137,8 @@
               <a:buChar char="q"/>
             </a:pPr>
             <a:endParaRPr lang="en-US" sz="2800" dirty="0" smtClean="0">
-              <a:latin typeface="Times New Roman" panose="02020603050405020304" pitchFamily="18" charset="0"/>
-              <a:cs typeface="Times New Roman" panose="02020603050405020304" pitchFamily="18" charset="0"/>
+              <a:latin typeface="Times New Roman" panose="02020503050405090304" pitchFamily="18" charset="0"/>
+              <a:cs typeface="Times New Roman" panose="02020503050405090304" pitchFamily="18" charset="0"/>
             </a:endParaRPr>
           </a:p>
           <a:p>
@@ -7892,8 +8147,8 @@
               <a:buChar char="q"/>
             </a:pPr>
             <a:endParaRPr lang="en-US" sz="2800" dirty="0">
-              <a:latin typeface="Times New Roman" panose="02020603050405020304" pitchFamily="18" charset="0"/>
-              <a:cs typeface="Times New Roman" panose="02020603050405020304" pitchFamily="18" charset="0"/>
+              <a:latin typeface="Times New Roman" panose="02020503050405090304" pitchFamily="18" charset="0"/>
+              <a:cs typeface="Times New Roman" panose="02020503050405090304" pitchFamily="18" charset="0"/>
             </a:endParaRPr>
           </a:p>
           <a:p>
@@ -7902,8 +8157,8 @@
               <a:buChar char="q"/>
             </a:pPr>
             <a:endParaRPr lang="en-US" sz="2600" i="1" dirty="0">
-              <a:latin typeface="Times New Roman" panose="02020603050405020304" pitchFamily="18" charset="0"/>
-              <a:cs typeface="Times New Roman" panose="02020603050405020304" pitchFamily="18" charset="0"/>
+              <a:latin typeface="Times New Roman" panose="02020503050405090304" pitchFamily="18" charset="0"/>
+              <a:cs typeface="Times New Roman" panose="02020503050405090304" pitchFamily="18" charset="0"/>
             </a:endParaRPr>
           </a:p>
         </p:txBody>
@@ -7925,7 +8180,6 @@
           <a:p>
             <a:fld id="{D783A4F0-891E-44AD-B162-AD1ECFE5DF4E}" type="slidenum">
               <a:rPr lang="en-US" smtClean="0"/>
-              <a:t>23</a:t>
             </a:fld>
             <a:endParaRPr lang="en-US"/>
           </a:p>
@@ -7940,7 +8194,7 @@
           <p:nvPr/>
         </p:nvPicPr>
         <p:blipFill>
-          <a:blip r:embed="rId2"/>
+          <a:blip r:embed="rId1"/>
           <a:stretch>
             <a:fillRect/>
           </a:stretch>
@@ -7956,11 +8210,6 @@
         </p:spPr>
       </p:pic>
     </p:spTree>
-    <p:extLst>
-      <p:ext uri="{BB962C8B-B14F-4D97-AF65-F5344CB8AC3E}">
-        <p14:creationId xmlns:p14="http://schemas.microsoft.com/office/powerpoint/2010/main" val="4271179688"/>
-      </p:ext>
-    </p:extLst>
   </p:cSld>
   <p:clrMapOvr>
     <a:masterClrMapping/>
@@ -8014,8 +8263,8 @@
                     <a:lumMod val="75000"/>
                   </a:schemeClr>
                 </a:solidFill>
-                <a:latin typeface="Times New Roman" panose="02020603050405020304" pitchFamily="18" charset="0"/>
-                <a:cs typeface="Times New Roman" panose="02020603050405020304" pitchFamily="18" charset="0"/>
+                <a:latin typeface="Times New Roman" panose="02020503050405090304" pitchFamily="18" charset="0"/>
+                <a:cs typeface="Times New Roman" panose="02020503050405090304" pitchFamily="18" charset="0"/>
               </a:rPr>
               <a:t>Eight Steps of Measurement </a:t>
             </a:r>
@@ -8026,8 +8275,8 @@
                     <a:lumMod val="75000"/>
                   </a:schemeClr>
                 </a:solidFill>
-                <a:latin typeface="Times New Roman" panose="02020603050405020304" pitchFamily="18" charset="0"/>
-                <a:cs typeface="Times New Roman" panose="02020603050405020304" pitchFamily="18" charset="0"/>
+                <a:latin typeface="Times New Roman" panose="02020503050405090304" pitchFamily="18" charset="0"/>
+                <a:cs typeface="Times New Roman" panose="02020503050405090304" pitchFamily="18" charset="0"/>
               </a:rPr>
               <a:t>P</a:t>
             </a:r>
@@ -8038,8 +8287,8 @@
                     <a:lumMod val="75000"/>
                   </a:schemeClr>
                 </a:solidFill>
-                <a:latin typeface="Times New Roman" panose="02020603050405020304" pitchFamily="18" charset="0"/>
-                <a:cs typeface="Times New Roman" panose="02020603050405020304" pitchFamily="18" charset="0"/>
+                <a:latin typeface="Times New Roman" panose="02020503050405090304" pitchFamily="18" charset="0"/>
+                <a:cs typeface="Times New Roman" panose="02020503050405090304" pitchFamily="18" charset="0"/>
               </a:rPr>
               <a:t>rogram</a:t>
             </a:r>
@@ -8058,7 +8307,7 @@
           </p:nvPr>
         </p:nvPicPr>
         <p:blipFill>
-          <a:blip r:embed="rId2"/>
+          <a:blip r:embed="rId1"/>
           <a:stretch>
             <a:fillRect/>
           </a:stretch>
@@ -8090,18 +8339,12 @@
           <a:p>
             <a:fld id="{D783A4F0-891E-44AD-B162-AD1ECFE5DF4E}" type="slidenum">
               <a:rPr lang="en-US" smtClean="0"/>
-              <a:t>24</a:t>
             </a:fld>
             <a:endParaRPr lang="en-US"/>
           </a:p>
         </p:txBody>
       </p:sp>
     </p:spTree>
-    <p:extLst>
-      <p:ext uri="{BB962C8B-B14F-4D97-AF65-F5344CB8AC3E}">
-        <p14:creationId xmlns:p14="http://schemas.microsoft.com/office/powerpoint/2010/main" val="1362090933"/>
-      </p:ext>
-    </p:extLst>
   </p:cSld>
   <p:clrMapOvr>
     <a:masterClrMapping/>
@@ -8171,14 +8414,14 @@
           <a:p>
             <a:r>
               <a:rPr lang="en-US" sz="3200" dirty="0" smtClean="0">
-                <a:latin typeface="Times New Roman" panose="02020603050405020304" pitchFamily="18" charset="0"/>
-                <a:cs typeface="Times New Roman" panose="02020603050405020304" pitchFamily="18" charset="0"/>
+                <a:latin typeface="Times New Roman" panose="02020503050405090304" pitchFamily="18" charset="0"/>
+                <a:cs typeface="Times New Roman" panose="02020503050405090304" pitchFamily="18" charset="0"/>
               </a:rPr>
               <a:t>End of Chapter 1</a:t>
             </a:r>
             <a:endParaRPr lang="en-US" sz="3200" dirty="0">
-              <a:latin typeface="Times New Roman" panose="02020603050405020304" pitchFamily="18" charset="0"/>
-              <a:cs typeface="Times New Roman" panose="02020603050405020304" pitchFamily="18" charset="0"/>
+              <a:latin typeface="Times New Roman" panose="02020503050405090304" pitchFamily="18" charset="0"/>
+              <a:cs typeface="Times New Roman" panose="02020503050405090304" pitchFamily="18" charset="0"/>
             </a:endParaRPr>
           </a:p>
         </p:txBody>
@@ -8200,18 +8443,12 @@
           <a:p>
             <a:fld id="{D783A4F0-891E-44AD-B162-AD1ECFE5DF4E}" type="slidenum">
               <a:rPr lang="en-US" smtClean="0"/>
-              <a:t>25</a:t>
             </a:fld>
             <a:endParaRPr lang="en-US"/>
           </a:p>
         </p:txBody>
       </p:sp>
     </p:spTree>
-    <p:extLst>
-      <p:ext uri="{BB962C8B-B14F-4D97-AF65-F5344CB8AC3E}">
-        <p14:creationId xmlns:p14="http://schemas.microsoft.com/office/powerpoint/2010/main" val="2226006770"/>
-      </p:ext>
-    </p:extLst>
   </p:cSld>
   <p:clrMapOvr>
     <a:masterClrMapping/>
@@ -8265,8 +8502,8 @@
                     <a:lumMod val="75000"/>
                   </a:schemeClr>
                 </a:solidFill>
-                <a:latin typeface="Times New Roman" panose="02020603050405020304" pitchFamily="18" charset="0"/>
-                <a:cs typeface="Times New Roman" panose="02020603050405020304" pitchFamily="18" charset="0"/>
+                <a:latin typeface="Times New Roman" panose="02020503050405090304" pitchFamily="18" charset="0"/>
+                <a:cs typeface="Times New Roman" panose="02020503050405090304" pitchFamily="18" charset="0"/>
               </a:rPr>
               <a:t>Measurement Theory</a:t>
             </a:r>
@@ -8276,8 +8513,8 @@
                   <a:lumMod val="75000"/>
                 </a:schemeClr>
               </a:solidFill>
-              <a:latin typeface="Times New Roman" panose="02020603050405020304" pitchFamily="18" charset="0"/>
-              <a:cs typeface="Times New Roman" panose="02020603050405020304" pitchFamily="18" charset="0"/>
+              <a:latin typeface="Times New Roman" panose="02020503050405090304" pitchFamily="18" charset="0"/>
+              <a:cs typeface="Times New Roman" panose="02020503050405090304" pitchFamily="18" charset="0"/>
             </a:endParaRPr>
           </a:p>
         </p:txBody>
@@ -8305,18 +8542,22 @@
             </a:pPr>
             <a:r>
               <a:rPr lang="en-US" sz="3200" dirty="0">
-                <a:latin typeface="Times New Roman" panose="02020603050405020304" pitchFamily="18" charset="0"/>
-                <a:cs typeface="Times New Roman" panose="02020603050405020304" pitchFamily="18" charset="0"/>
+                <a:latin typeface="Times New Roman" panose="02020503050405090304" pitchFamily="18" charset="0"/>
+                <a:cs typeface="Times New Roman" panose="02020503050405090304" pitchFamily="18" charset="0"/>
               </a:rPr>
               <a:t>The basics of </a:t>
             </a:r>
             <a:r>
               <a:rPr lang="en-US" sz="3200" dirty="0" smtClean="0">
-                <a:latin typeface="Times New Roman" panose="02020603050405020304" pitchFamily="18" charset="0"/>
-                <a:cs typeface="Times New Roman" panose="02020603050405020304" pitchFamily="18" charset="0"/>
+                <a:latin typeface="Times New Roman" panose="02020503050405090304" pitchFamily="18" charset="0"/>
+                <a:cs typeface="Times New Roman" panose="02020503050405090304" pitchFamily="18" charset="0"/>
               </a:rPr>
               <a:t>measurement</a:t>
             </a:r>
+            <a:endParaRPr lang="en-US" sz="3200" dirty="0" smtClean="0">
+              <a:latin typeface="Times New Roman" panose="02020503050405090304" pitchFamily="18" charset="0"/>
+              <a:cs typeface="Times New Roman" panose="02020503050405090304" pitchFamily="18" charset="0"/>
+            </a:endParaRPr>
           </a:p>
           <a:p>
             <a:pPr>
@@ -8325,11 +8566,15 @@
             </a:pPr>
             <a:r>
               <a:rPr lang="en-US" sz="3200" dirty="0" smtClean="0">
-                <a:latin typeface="Times New Roman" panose="02020603050405020304" pitchFamily="18" charset="0"/>
-                <a:cs typeface="Times New Roman" panose="02020603050405020304" pitchFamily="18" charset="0"/>
+                <a:latin typeface="Times New Roman" panose="02020503050405090304" pitchFamily="18" charset="0"/>
+                <a:cs typeface="Times New Roman" panose="02020503050405090304" pitchFamily="18" charset="0"/>
               </a:rPr>
               <a:t>Overview of software measurement metrics</a:t>
             </a:r>
+            <a:endParaRPr lang="en-US" sz="3200" dirty="0" smtClean="0">
+              <a:latin typeface="Times New Roman" panose="02020503050405090304" pitchFamily="18" charset="0"/>
+              <a:cs typeface="Times New Roman" panose="02020503050405090304" pitchFamily="18" charset="0"/>
+            </a:endParaRPr>
           </a:p>
           <a:p>
             <a:pPr>
@@ -8338,11 +8583,15 @@
             </a:pPr>
             <a:r>
               <a:rPr lang="en-US" sz="3200" dirty="0" smtClean="0">
-                <a:latin typeface="Times New Roman" panose="02020603050405020304" pitchFamily="18" charset="0"/>
-                <a:cs typeface="Times New Roman" panose="02020603050405020304" pitchFamily="18" charset="0"/>
+                <a:latin typeface="Times New Roman" panose="02020503050405090304" pitchFamily="18" charset="0"/>
+                <a:cs typeface="Times New Roman" panose="02020503050405090304" pitchFamily="18" charset="0"/>
               </a:rPr>
               <a:t>Framework for software measurement</a:t>
             </a:r>
+            <a:endParaRPr lang="en-US" sz="3200" dirty="0" smtClean="0">
+              <a:latin typeface="Times New Roman" panose="02020503050405090304" pitchFamily="18" charset="0"/>
+              <a:cs typeface="Times New Roman" panose="02020503050405090304" pitchFamily="18" charset="0"/>
+            </a:endParaRPr>
           </a:p>
           <a:p>
             <a:pPr>
@@ -8351,11 +8600,15 @@
             </a:pPr>
             <a:r>
               <a:rPr lang="en-US" sz="3200" dirty="0" smtClean="0">
-                <a:latin typeface="Times New Roman" panose="02020603050405020304" pitchFamily="18" charset="0"/>
-                <a:cs typeface="Times New Roman" panose="02020603050405020304" pitchFamily="18" charset="0"/>
+                <a:latin typeface="Times New Roman" panose="02020503050405090304" pitchFamily="18" charset="0"/>
+                <a:cs typeface="Times New Roman" panose="02020503050405090304" pitchFamily="18" charset="0"/>
               </a:rPr>
               <a:t>Empirical investigation</a:t>
             </a:r>
+            <a:endParaRPr lang="en-US" sz="3200" dirty="0" smtClean="0">
+              <a:latin typeface="Times New Roman" panose="02020503050405090304" pitchFamily="18" charset="0"/>
+              <a:cs typeface="Times New Roman" panose="02020503050405090304" pitchFamily="18" charset="0"/>
+            </a:endParaRPr>
           </a:p>
           <a:p>
             <a:pPr>
@@ -8364,42 +8617,42 @@
             </a:pPr>
             <a:r>
               <a:rPr lang="en-US" sz="3200" dirty="0" smtClean="0">
-                <a:latin typeface="Times New Roman" panose="02020603050405020304" pitchFamily="18" charset="0"/>
-                <a:cs typeface="Times New Roman" panose="02020603050405020304" pitchFamily="18" charset="0"/>
+                <a:latin typeface="Times New Roman" panose="02020503050405090304" pitchFamily="18" charset="0"/>
+                <a:cs typeface="Times New Roman" panose="02020503050405090304" pitchFamily="18" charset="0"/>
               </a:rPr>
               <a:t>Analyzing software </a:t>
             </a:r>
             <a:r>
               <a:rPr lang="en-US" sz="3200" dirty="0">
-                <a:latin typeface="Times New Roman" panose="02020603050405020304" pitchFamily="18" charset="0"/>
-                <a:cs typeface="Times New Roman" panose="02020603050405020304" pitchFamily="18" charset="0"/>
+                <a:latin typeface="Times New Roman" panose="02020503050405090304" pitchFamily="18" charset="0"/>
+                <a:cs typeface="Times New Roman" panose="02020503050405090304" pitchFamily="18" charset="0"/>
               </a:rPr>
               <a:t>m</a:t>
             </a:r>
             <a:r>
               <a:rPr lang="en-US" sz="3200" dirty="0" smtClean="0">
-                <a:latin typeface="Times New Roman" panose="02020603050405020304" pitchFamily="18" charset="0"/>
-                <a:cs typeface="Times New Roman" panose="02020603050405020304" pitchFamily="18" charset="0"/>
+                <a:latin typeface="Times New Roman" panose="02020503050405090304" pitchFamily="18" charset="0"/>
+                <a:cs typeface="Times New Roman" panose="02020503050405090304" pitchFamily="18" charset="0"/>
               </a:rPr>
               <a:t>easurement </a:t>
             </a:r>
             <a:r>
               <a:rPr lang="en-US" sz="3200" dirty="0">
-                <a:latin typeface="Times New Roman" panose="02020603050405020304" pitchFamily="18" charset="0"/>
-                <a:cs typeface="Times New Roman" panose="02020603050405020304" pitchFamily="18" charset="0"/>
+                <a:latin typeface="Times New Roman" panose="02020503050405090304" pitchFamily="18" charset="0"/>
+                <a:cs typeface="Times New Roman" panose="02020503050405090304" pitchFamily="18" charset="0"/>
               </a:rPr>
               <a:t>d</a:t>
             </a:r>
             <a:r>
               <a:rPr lang="en-US" sz="3200" dirty="0" smtClean="0">
-                <a:latin typeface="Times New Roman" panose="02020603050405020304" pitchFamily="18" charset="0"/>
-                <a:cs typeface="Times New Roman" panose="02020603050405020304" pitchFamily="18" charset="0"/>
+                <a:latin typeface="Times New Roman" panose="02020503050405090304" pitchFamily="18" charset="0"/>
+                <a:cs typeface="Times New Roman" panose="02020503050405090304" pitchFamily="18" charset="0"/>
               </a:rPr>
               <a:t>ata</a:t>
             </a:r>
             <a:endParaRPr lang="en-US" sz="3200" dirty="0">
-              <a:latin typeface="Times New Roman" panose="02020603050405020304" pitchFamily="18" charset="0"/>
-              <a:cs typeface="Times New Roman" panose="02020603050405020304" pitchFamily="18" charset="0"/>
+              <a:latin typeface="Times New Roman" panose="02020503050405090304" pitchFamily="18" charset="0"/>
+              <a:cs typeface="Times New Roman" panose="02020503050405090304" pitchFamily="18" charset="0"/>
             </a:endParaRPr>
           </a:p>
         </p:txBody>
@@ -8421,18 +8674,12 @@
           <a:p>
             <a:fld id="{D783A4F0-891E-44AD-B162-AD1ECFE5DF4E}" type="slidenum">
               <a:rPr lang="en-US" smtClean="0"/>
-              <a:t>3</a:t>
             </a:fld>
             <a:endParaRPr lang="en-US"/>
           </a:p>
         </p:txBody>
       </p:sp>
     </p:spTree>
-    <p:extLst>
-      <p:ext uri="{BB962C8B-B14F-4D97-AF65-F5344CB8AC3E}">
-        <p14:creationId xmlns:p14="http://schemas.microsoft.com/office/powerpoint/2010/main" val="2959599174"/>
-      </p:ext>
-    </p:extLst>
   </p:cSld>
   <p:clrMapOvr>
     <a:masterClrMapping/>
@@ -8486,8 +8733,8 @@
                     <a:lumMod val="75000"/>
                   </a:schemeClr>
                 </a:solidFill>
-                <a:latin typeface="Times New Roman" panose="02020603050405020304" pitchFamily="18" charset="0"/>
-                <a:cs typeface="Times New Roman" panose="02020603050405020304" pitchFamily="18" charset="0"/>
+                <a:latin typeface="Times New Roman" panose="02020503050405090304" pitchFamily="18" charset="0"/>
+                <a:cs typeface="Times New Roman" panose="02020503050405090304" pitchFamily="18" charset="0"/>
               </a:rPr>
               <a:t>Software Measurement</a:t>
             </a:r>
@@ -8497,8 +8744,8 @@
                   <a:lumMod val="75000"/>
                 </a:schemeClr>
               </a:solidFill>
-              <a:latin typeface="Times New Roman" panose="02020603050405020304" pitchFamily="18" charset="0"/>
-              <a:cs typeface="Times New Roman" panose="02020603050405020304" pitchFamily="18" charset="0"/>
+              <a:latin typeface="Times New Roman" panose="02020503050405090304" pitchFamily="18" charset="0"/>
+              <a:cs typeface="Times New Roman" panose="02020503050405090304" pitchFamily="18" charset="0"/>
             </a:endParaRPr>
           </a:p>
         </p:txBody>
@@ -8526,11 +8773,15 @@
             </a:pPr>
             <a:r>
               <a:rPr lang="en-US" sz="3200" dirty="0" smtClean="0">
-                <a:latin typeface="Times New Roman" panose="02020603050405020304" pitchFamily="18" charset="0"/>
-                <a:cs typeface="Times New Roman" panose="02020603050405020304" pitchFamily="18" charset="0"/>
+                <a:latin typeface="Times New Roman" panose="02020503050405090304" pitchFamily="18" charset="0"/>
+                <a:cs typeface="Times New Roman" panose="02020503050405090304" pitchFamily="18" charset="0"/>
               </a:rPr>
               <a:t>Measuring Internal Product Attributes: Size and Structure</a:t>
             </a:r>
+            <a:endParaRPr lang="en-US" sz="3200" dirty="0" smtClean="0">
+              <a:latin typeface="Times New Roman" panose="02020503050405090304" pitchFamily="18" charset="0"/>
+              <a:cs typeface="Times New Roman" panose="02020503050405090304" pitchFamily="18" charset="0"/>
+            </a:endParaRPr>
           </a:p>
           <a:p>
             <a:pPr>
@@ -8539,11 +8790,15 @@
             </a:pPr>
             <a:r>
               <a:rPr lang="en-US" sz="3200" dirty="0" smtClean="0">
-                <a:latin typeface="Times New Roman" panose="02020603050405020304" pitchFamily="18" charset="0"/>
-                <a:cs typeface="Times New Roman" panose="02020603050405020304" pitchFamily="18" charset="0"/>
+                <a:latin typeface="Times New Roman" panose="02020503050405090304" pitchFamily="18" charset="0"/>
+                <a:cs typeface="Times New Roman" panose="02020503050405090304" pitchFamily="18" charset="0"/>
               </a:rPr>
               <a:t>Measuring External Product Attributes</a:t>
             </a:r>
+            <a:endParaRPr lang="en-US" sz="3200" dirty="0" smtClean="0">
+              <a:latin typeface="Times New Roman" panose="02020503050405090304" pitchFamily="18" charset="0"/>
+              <a:cs typeface="Times New Roman" panose="02020503050405090304" pitchFamily="18" charset="0"/>
+            </a:endParaRPr>
           </a:p>
           <a:p>
             <a:pPr>
@@ -8552,11 +8807,15 @@
             </a:pPr>
             <a:r>
               <a:rPr lang="en-US" sz="3200" dirty="0" smtClean="0">
-                <a:latin typeface="Times New Roman" panose="02020603050405020304" pitchFamily="18" charset="0"/>
-                <a:cs typeface="Times New Roman" panose="02020603050405020304" pitchFamily="18" charset="0"/>
+                <a:latin typeface="Times New Roman" panose="02020503050405090304" pitchFamily="18" charset="0"/>
+                <a:cs typeface="Times New Roman" panose="02020503050405090304" pitchFamily="18" charset="0"/>
               </a:rPr>
               <a:t>Making Process Predictions: estimate effort, size, release date</a:t>
             </a:r>
+            <a:endParaRPr lang="en-US" sz="3200" dirty="0" smtClean="0">
+              <a:latin typeface="Times New Roman" panose="02020503050405090304" pitchFamily="18" charset="0"/>
+              <a:cs typeface="Times New Roman" panose="02020503050405090304" pitchFamily="18" charset="0"/>
+            </a:endParaRPr>
           </a:p>
           <a:p>
             <a:pPr>
@@ -8565,11 +8824,15 @@
             </a:pPr>
             <a:r>
               <a:rPr lang="en-US" sz="3200" dirty="0" smtClean="0">
-                <a:latin typeface="Times New Roman" panose="02020603050405020304" pitchFamily="18" charset="0"/>
-                <a:cs typeface="Times New Roman" panose="02020603050405020304" pitchFamily="18" charset="0"/>
+                <a:latin typeface="Times New Roman" panose="02020503050405090304" pitchFamily="18" charset="0"/>
+                <a:cs typeface="Times New Roman" panose="02020503050405090304" pitchFamily="18" charset="0"/>
               </a:rPr>
               <a:t>Software Reliability: Measurement and Prediction</a:t>
             </a:r>
+            <a:endParaRPr lang="en-US" sz="3200" dirty="0" smtClean="0">
+              <a:latin typeface="Times New Roman" panose="02020503050405090304" pitchFamily="18" charset="0"/>
+              <a:cs typeface="Times New Roman" panose="02020503050405090304" pitchFamily="18" charset="0"/>
+            </a:endParaRPr>
           </a:p>
         </p:txBody>
       </p:sp>
@@ -8590,18 +8853,12 @@
           <a:p>
             <a:fld id="{D783A4F0-891E-44AD-B162-AD1ECFE5DF4E}" type="slidenum">
               <a:rPr lang="en-US" smtClean="0"/>
-              <a:t>4</a:t>
             </a:fld>
             <a:endParaRPr lang="en-US"/>
           </a:p>
         </p:txBody>
       </p:sp>
     </p:spTree>
-    <p:extLst>
-      <p:ext uri="{BB962C8B-B14F-4D97-AF65-F5344CB8AC3E}">
-        <p14:creationId xmlns:p14="http://schemas.microsoft.com/office/powerpoint/2010/main" val="975731762"/>
-      </p:ext>
-    </p:extLst>
   </p:cSld>
   <p:clrMapOvr>
     <a:masterClrMapping/>
@@ -8655,8 +8912,8 @@
                     <a:lumMod val="75000"/>
                   </a:schemeClr>
                 </a:solidFill>
-                <a:latin typeface="Times New Roman" panose="02020603050405020304" pitchFamily="18" charset="0"/>
-                <a:cs typeface="Times New Roman" panose="02020603050405020304" pitchFamily="18" charset="0"/>
+                <a:latin typeface="Times New Roman" panose="02020503050405090304" pitchFamily="18" charset="0"/>
+                <a:cs typeface="Times New Roman" panose="02020503050405090304" pitchFamily="18" charset="0"/>
               </a:rPr>
               <a:t>Measurement Management</a:t>
             </a:r>
@@ -8666,8 +8923,8 @@
                   <a:lumMod val="75000"/>
                 </a:schemeClr>
               </a:solidFill>
-              <a:latin typeface="Times New Roman" panose="02020603050405020304" pitchFamily="18" charset="0"/>
-              <a:cs typeface="Times New Roman" panose="02020603050405020304" pitchFamily="18" charset="0"/>
+              <a:latin typeface="Times New Roman" panose="02020503050405090304" pitchFamily="18" charset="0"/>
+              <a:cs typeface="Times New Roman" panose="02020503050405090304" pitchFamily="18" charset="0"/>
             </a:endParaRPr>
           </a:p>
         </p:txBody>
@@ -8695,11 +8952,15 @@
             </a:pPr>
             <a:r>
               <a:rPr lang="en-US" sz="3200" dirty="0" smtClean="0">
-                <a:latin typeface="Times New Roman" panose="02020603050405020304" pitchFamily="18" charset="0"/>
-                <a:cs typeface="Times New Roman" panose="02020603050405020304" pitchFamily="18" charset="0"/>
+                <a:latin typeface="Times New Roman" panose="02020503050405090304" pitchFamily="18" charset="0"/>
+                <a:cs typeface="Times New Roman" panose="02020503050405090304" pitchFamily="18" charset="0"/>
               </a:rPr>
               <a:t>Planning measurement</a:t>
             </a:r>
+            <a:endParaRPr lang="en-US" sz="3200" dirty="0" smtClean="0">
+              <a:latin typeface="Times New Roman" panose="02020503050405090304" pitchFamily="18" charset="0"/>
+              <a:cs typeface="Times New Roman" panose="02020503050405090304" pitchFamily="18" charset="0"/>
+            </a:endParaRPr>
           </a:p>
           <a:p>
             <a:pPr>
@@ -8708,11 +8969,15 @@
             </a:pPr>
             <a:r>
               <a:rPr lang="en-US" sz="3200" dirty="0" smtClean="0">
-                <a:latin typeface="Times New Roman" panose="02020603050405020304" pitchFamily="18" charset="0"/>
-                <a:cs typeface="Times New Roman" panose="02020603050405020304" pitchFamily="18" charset="0"/>
+                <a:latin typeface="Times New Roman" panose="02020503050405090304" pitchFamily="18" charset="0"/>
+                <a:cs typeface="Times New Roman" panose="02020503050405090304" pitchFamily="18" charset="0"/>
               </a:rPr>
               <a:t>Resource management: productivity, teams, and tool</a:t>
             </a:r>
+            <a:endParaRPr lang="en-US" sz="3200" dirty="0" smtClean="0">
+              <a:latin typeface="Times New Roman" panose="02020503050405090304" pitchFamily="18" charset="0"/>
+              <a:cs typeface="Times New Roman" panose="02020503050405090304" pitchFamily="18" charset="0"/>
+            </a:endParaRPr>
           </a:p>
           <a:p>
             <a:pPr>
@@ -8721,19 +8986,23 @@
             </a:pPr>
             <a:r>
               <a:rPr lang="en-US" sz="3200" dirty="0" smtClean="0">
-                <a:latin typeface="Times New Roman" panose="02020603050405020304" pitchFamily="18" charset="0"/>
-                <a:cs typeface="Times New Roman" panose="02020603050405020304" pitchFamily="18" charset="0"/>
+                <a:latin typeface="Times New Roman" panose="02020503050405090304" pitchFamily="18" charset="0"/>
+                <a:cs typeface="Times New Roman" panose="02020503050405090304" pitchFamily="18" charset="0"/>
               </a:rPr>
               <a:t>Support for measurement</a:t>
             </a:r>
+            <a:endParaRPr lang="en-US" sz="3200" dirty="0" smtClean="0">
+              <a:latin typeface="Times New Roman" panose="02020503050405090304" pitchFamily="18" charset="0"/>
+              <a:cs typeface="Times New Roman" panose="02020503050405090304" pitchFamily="18" charset="0"/>
+            </a:endParaRPr>
           </a:p>
           <a:p>
             <a:pPr marL="0" indent="0">
               <a:buNone/>
             </a:pPr>
             <a:endParaRPr lang="en-US" sz="3200" dirty="0">
-              <a:latin typeface="Times New Roman" panose="02020603050405020304" pitchFamily="18" charset="0"/>
-              <a:cs typeface="Times New Roman" panose="02020603050405020304" pitchFamily="18" charset="0"/>
+              <a:latin typeface="Times New Roman" panose="02020503050405090304" pitchFamily="18" charset="0"/>
+              <a:cs typeface="Times New Roman" panose="02020503050405090304" pitchFamily="18" charset="0"/>
             </a:endParaRPr>
           </a:p>
         </p:txBody>
@@ -8755,18 +9024,12 @@
           <a:p>
             <a:fld id="{D783A4F0-891E-44AD-B162-AD1ECFE5DF4E}" type="slidenum">
               <a:rPr lang="en-US" smtClean="0"/>
-              <a:t>5</a:t>
             </a:fld>
             <a:endParaRPr lang="en-US"/>
           </a:p>
         </p:txBody>
       </p:sp>
     </p:spTree>
-    <p:extLst>
-      <p:ext uri="{BB962C8B-B14F-4D97-AF65-F5344CB8AC3E}">
-        <p14:creationId xmlns:p14="http://schemas.microsoft.com/office/powerpoint/2010/main" val="3040416369"/>
-      </p:ext>
-    </p:extLst>
   </p:cSld>
   <p:clrMapOvr>
     <a:masterClrMapping/>
@@ -8820,8 +9083,8 @@
                     <a:lumMod val="75000"/>
                   </a:schemeClr>
                 </a:solidFill>
-                <a:latin typeface="Times New Roman" panose="02020603050405020304" pitchFamily="18" charset="0"/>
-                <a:cs typeface="Times New Roman" panose="02020603050405020304" pitchFamily="18" charset="0"/>
+                <a:latin typeface="Times New Roman" panose="02020503050405090304" pitchFamily="18" charset="0"/>
+                <a:cs typeface="Times New Roman" panose="02020503050405090304" pitchFamily="18" charset="0"/>
               </a:rPr>
               <a:t>End of This Course…</a:t>
             </a:r>
@@ -8831,8 +9094,8 @@
                   <a:lumMod val="75000"/>
                 </a:schemeClr>
               </a:solidFill>
-              <a:latin typeface="Times New Roman" panose="02020603050405020304" pitchFamily="18" charset="0"/>
-              <a:cs typeface="Times New Roman" panose="02020603050405020304" pitchFamily="18" charset="0"/>
+              <a:latin typeface="Times New Roman" panose="02020503050405090304" pitchFamily="18" charset="0"/>
+              <a:cs typeface="Times New Roman" panose="02020503050405090304" pitchFamily="18" charset="0"/>
             </a:endParaRPr>
           </a:p>
         </p:txBody>
@@ -8860,11 +9123,15 @@
             </a:pPr>
             <a:r>
               <a:rPr lang="en-US" sz="3200" dirty="0" smtClean="0">
-                <a:latin typeface="Times New Roman" panose="02020603050405020304" pitchFamily="18" charset="0"/>
-                <a:cs typeface="Times New Roman" panose="02020603050405020304" pitchFamily="18" charset="0"/>
+                <a:latin typeface="Times New Roman" panose="02020503050405090304" pitchFamily="18" charset="0"/>
+                <a:cs typeface="Times New Roman" panose="02020503050405090304" pitchFamily="18" charset="0"/>
               </a:rPr>
               <a:t>What is software measurement about?</a:t>
             </a:r>
+            <a:endParaRPr lang="en-US" sz="3200" dirty="0" smtClean="0">
+              <a:latin typeface="Times New Roman" panose="02020503050405090304" pitchFamily="18" charset="0"/>
+              <a:cs typeface="Times New Roman" panose="02020503050405090304" pitchFamily="18" charset="0"/>
+            </a:endParaRPr>
           </a:p>
           <a:p>
             <a:pPr>
@@ -8873,11 +9140,15 @@
             </a:pPr>
             <a:r>
               <a:rPr lang="en-US" sz="3200" dirty="0" smtClean="0">
-                <a:latin typeface="Times New Roman" panose="02020603050405020304" pitchFamily="18" charset="0"/>
-                <a:cs typeface="Times New Roman" panose="02020603050405020304" pitchFamily="18" charset="0"/>
+                <a:latin typeface="Times New Roman" panose="02020503050405090304" pitchFamily="18" charset="0"/>
+                <a:cs typeface="Times New Roman" panose="02020503050405090304" pitchFamily="18" charset="0"/>
               </a:rPr>
               <a:t>Why software measurement is important</a:t>
             </a:r>
+            <a:endParaRPr lang="en-US" sz="3200" dirty="0" smtClean="0">
+              <a:latin typeface="Times New Roman" panose="02020503050405090304" pitchFamily="18" charset="0"/>
+              <a:cs typeface="Times New Roman" panose="02020503050405090304" pitchFamily="18" charset="0"/>
+            </a:endParaRPr>
           </a:p>
           <a:p>
             <a:pPr>
@@ -8886,11 +9157,15 @@
             </a:pPr>
             <a:r>
               <a:rPr lang="en-US" sz="3200" dirty="0" smtClean="0">
-                <a:latin typeface="Times New Roman" panose="02020603050405020304" pitchFamily="18" charset="0"/>
-                <a:cs typeface="Times New Roman" panose="02020603050405020304" pitchFamily="18" charset="0"/>
+                <a:latin typeface="Times New Roman" panose="02020503050405090304" pitchFamily="18" charset="0"/>
+                <a:cs typeface="Times New Roman" panose="02020503050405090304" pitchFamily="18" charset="0"/>
               </a:rPr>
               <a:t>What does empirical investigation mean in the SE context</a:t>
             </a:r>
+            <a:endParaRPr lang="en-US" sz="3200" dirty="0" smtClean="0">
+              <a:latin typeface="Times New Roman" panose="02020503050405090304" pitchFamily="18" charset="0"/>
+              <a:cs typeface="Times New Roman" panose="02020503050405090304" pitchFamily="18" charset="0"/>
+            </a:endParaRPr>
           </a:p>
           <a:p>
             <a:pPr>
@@ -8899,11 +9174,15 @@
             </a:pPr>
             <a:r>
               <a:rPr lang="en-US" sz="3200" dirty="0" smtClean="0">
-                <a:latin typeface="Times New Roman" panose="02020603050405020304" pitchFamily="18" charset="0"/>
-                <a:cs typeface="Times New Roman" panose="02020603050405020304" pitchFamily="18" charset="0"/>
+                <a:latin typeface="Times New Roman" panose="02020503050405090304" pitchFamily="18" charset="0"/>
+                <a:cs typeface="Times New Roman" panose="02020503050405090304" pitchFamily="18" charset="0"/>
               </a:rPr>
               <a:t>What is software measurement metrics</a:t>
             </a:r>
+            <a:endParaRPr lang="en-US" sz="3200" dirty="0" smtClean="0">
+              <a:latin typeface="Times New Roman" panose="02020503050405090304" pitchFamily="18" charset="0"/>
+              <a:cs typeface="Times New Roman" panose="02020503050405090304" pitchFamily="18" charset="0"/>
+            </a:endParaRPr>
           </a:p>
           <a:p>
             <a:pPr>
@@ -8912,11 +9191,15 @@
             </a:pPr>
             <a:r>
               <a:rPr lang="en-US" sz="3200" dirty="0" smtClean="0">
-                <a:latin typeface="Times New Roman" panose="02020603050405020304" pitchFamily="18" charset="0"/>
-                <a:cs typeface="Times New Roman" panose="02020603050405020304" pitchFamily="18" charset="0"/>
+                <a:latin typeface="Times New Roman" panose="02020503050405090304" pitchFamily="18" charset="0"/>
+                <a:cs typeface="Times New Roman" panose="02020503050405090304" pitchFamily="18" charset="0"/>
               </a:rPr>
               <a:t>What is software measurement process</a:t>
             </a:r>
+            <a:endParaRPr lang="en-US" sz="3200" dirty="0" smtClean="0">
+              <a:latin typeface="Times New Roman" panose="02020503050405090304" pitchFamily="18" charset="0"/>
+              <a:cs typeface="Times New Roman" panose="02020503050405090304" pitchFamily="18" charset="0"/>
+            </a:endParaRPr>
           </a:p>
           <a:p>
             <a:pPr>
@@ -8925,11 +9208,15 @@
             </a:pPr>
             <a:r>
               <a:rPr lang="en-US" sz="3200" dirty="0" smtClean="0">
-                <a:latin typeface="Times New Roman" panose="02020603050405020304" pitchFamily="18" charset="0"/>
-                <a:cs typeface="Times New Roman" panose="02020603050405020304" pitchFamily="18" charset="0"/>
+                <a:latin typeface="Times New Roman" panose="02020503050405090304" pitchFamily="18" charset="0"/>
+                <a:cs typeface="Times New Roman" panose="02020503050405090304" pitchFamily="18" charset="0"/>
               </a:rPr>
               <a:t>How to implement a software measurement plan</a:t>
             </a:r>
+            <a:endParaRPr lang="en-US" sz="3200" dirty="0" smtClean="0">
+              <a:latin typeface="Times New Roman" panose="02020503050405090304" pitchFamily="18" charset="0"/>
+              <a:cs typeface="Times New Roman" panose="02020503050405090304" pitchFamily="18" charset="0"/>
+            </a:endParaRPr>
           </a:p>
           <a:p>
             <a:pPr>
@@ -8938,11 +9225,15 @@
             </a:pPr>
             <a:r>
               <a:rPr lang="en-US" sz="3200" dirty="0" smtClean="0">
-                <a:latin typeface="Times New Roman" panose="02020603050405020304" pitchFamily="18" charset="0"/>
-                <a:cs typeface="Times New Roman" panose="02020603050405020304" pitchFamily="18" charset="0"/>
+                <a:latin typeface="Times New Roman" panose="02020503050405090304" pitchFamily="18" charset="0"/>
+                <a:cs typeface="Times New Roman" panose="02020503050405090304" pitchFamily="18" charset="0"/>
               </a:rPr>
               <a:t>Challenges and difficulties of applying software metrics</a:t>
             </a:r>
+            <a:endParaRPr lang="en-US" sz="3200" dirty="0" smtClean="0">
+              <a:latin typeface="Times New Roman" panose="02020503050405090304" pitchFamily="18" charset="0"/>
+              <a:cs typeface="Times New Roman" panose="02020503050405090304" pitchFamily="18" charset="0"/>
+            </a:endParaRPr>
           </a:p>
         </p:txBody>
       </p:sp>
@@ -8963,18 +9254,12 @@
           <a:p>
             <a:fld id="{D783A4F0-891E-44AD-B162-AD1ECFE5DF4E}" type="slidenum">
               <a:rPr lang="en-US" smtClean="0"/>
-              <a:t>6</a:t>
             </a:fld>
             <a:endParaRPr lang="en-US"/>
           </a:p>
         </p:txBody>
       </p:sp>
     </p:spTree>
-    <p:extLst>
-      <p:ext uri="{BB962C8B-B14F-4D97-AF65-F5344CB8AC3E}">
-        <p14:creationId xmlns:p14="http://schemas.microsoft.com/office/powerpoint/2010/main" val="100261155"/>
-      </p:ext>
-    </p:extLst>
   </p:cSld>
   <p:clrMapOvr>
     <a:masterClrMapping/>
@@ -9028,8 +9313,8 @@
                     <a:lumMod val="75000"/>
                   </a:schemeClr>
                 </a:solidFill>
-                <a:latin typeface="Times New Roman" panose="02020603050405020304" pitchFamily="18" charset="0"/>
-                <a:cs typeface="Times New Roman" panose="02020603050405020304" pitchFamily="18" charset="0"/>
+                <a:latin typeface="Times New Roman" panose="02020503050405090304" pitchFamily="18" charset="0"/>
+                <a:cs typeface="Times New Roman" panose="02020503050405090304" pitchFamily="18" charset="0"/>
               </a:rPr>
               <a:t>Chapter 1: Measurement </a:t>
             </a:r>
@@ -9039,8 +9324,8 @@
                   <a:lumMod val="75000"/>
                 </a:schemeClr>
               </a:solidFill>
-              <a:latin typeface="Times New Roman" panose="02020603050405020304" pitchFamily="18" charset="0"/>
-              <a:cs typeface="Times New Roman" panose="02020603050405020304" pitchFamily="18" charset="0"/>
+              <a:latin typeface="Times New Roman" panose="02020503050405090304" pitchFamily="18" charset="0"/>
+              <a:cs typeface="Times New Roman" panose="02020503050405090304" pitchFamily="18" charset="0"/>
             </a:endParaRPr>
           </a:p>
         </p:txBody>
@@ -9074,8 +9359,8 @@
                     <a:lumOff val="35000"/>
                   </a:schemeClr>
                 </a:solidFill>
-                <a:latin typeface="Times New Roman" panose="02020603050405020304" pitchFamily="18" charset="0"/>
-                <a:cs typeface="Times New Roman" panose="02020603050405020304" pitchFamily="18" charset="0"/>
+                <a:latin typeface="Times New Roman" panose="02020503050405090304" pitchFamily="18" charset="0"/>
+                <a:cs typeface="Times New Roman" panose="02020503050405090304" pitchFamily="18" charset="0"/>
               </a:rPr>
               <a:t>Measurement: What Is It and Why Do </a:t>
             </a:r>
@@ -9087,11 +9372,21 @@
                     <a:lumOff val="35000"/>
                   </a:schemeClr>
                 </a:solidFill>
-                <a:latin typeface="Times New Roman" panose="02020603050405020304" pitchFamily="18" charset="0"/>
-                <a:cs typeface="Times New Roman" panose="02020603050405020304" pitchFamily="18" charset="0"/>
+                <a:latin typeface="Times New Roman" panose="02020503050405090304" pitchFamily="18" charset="0"/>
+                <a:cs typeface="Times New Roman" panose="02020503050405090304" pitchFamily="18" charset="0"/>
               </a:rPr>
               <a:t>It? </a:t>
             </a:r>
+            <a:endParaRPr lang="en-US" sz="3200" b="1" dirty="0" smtClean="0">
+              <a:solidFill>
+                <a:schemeClr val="tx1">
+                  <a:lumMod val="65000"/>
+                  <a:lumOff val="35000"/>
+                </a:schemeClr>
+              </a:solidFill>
+              <a:latin typeface="Times New Roman" panose="02020503050405090304" pitchFamily="18" charset="0"/>
+              <a:cs typeface="Times New Roman" panose="02020503050405090304" pitchFamily="18" charset="0"/>
+            </a:endParaRPr>
           </a:p>
           <a:p>
             <a:pPr>
@@ -9106,11 +9401,21 @@
                     <a:lumOff val="35000"/>
                   </a:schemeClr>
                 </a:solidFill>
-                <a:latin typeface="Times New Roman" panose="02020603050405020304" pitchFamily="18" charset="0"/>
-                <a:cs typeface="Times New Roman" panose="02020603050405020304" pitchFamily="18" charset="0"/>
+                <a:latin typeface="Times New Roman" panose="02020503050405090304" pitchFamily="18" charset="0"/>
+                <a:cs typeface="Times New Roman" panose="02020503050405090304" pitchFamily="18" charset="0"/>
               </a:rPr>
               <a:t>What is Software Metrics</a:t>
             </a:r>
+            <a:endParaRPr lang="en-US" sz="3200" b="1" dirty="0" smtClean="0">
+              <a:solidFill>
+                <a:schemeClr val="tx1">
+                  <a:lumMod val="65000"/>
+                  <a:lumOff val="35000"/>
+                </a:schemeClr>
+              </a:solidFill>
+              <a:latin typeface="Times New Roman" panose="02020503050405090304" pitchFamily="18" charset="0"/>
+              <a:cs typeface="Times New Roman" panose="02020503050405090304" pitchFamily="18" charset="0"/>
+            </a:endParaRPr>
           </a:p>
           <a:p>
             <a:pPr>
@@ -9125,11 +9430,21 @@
                     <a:lumOff val="35000"/>
                   </a:schemeClr>
                 </a:solidFill>
-                <a:latin typeface="Times New Roman" panose="02020603050405020304" pitchFamily="18" charset="0"/>
-                <a:cs typeface="Times New Roman" panose="02020603050405020304" pitchFamily="18" charset="0"/>
+                <a:latin typeface="Times New Roman" panose="02020503050405090304" pitchFamily="18" charset="0"/>
+                <a:cs typeface="Times New Roman" panose="02020503050405090304" pitchFamily="18" charset="0"/>
               </a:rPr>
               <a:t>Scope of Software Metrics</a:t>
             </a:r>
+            <a:endParaRPr lang="en-US" sz="3200" b="1" dirty="0" smtClean="0">
+              <a:solidFill>
+                <a:schemeClr val="tx1">
+                  <a:lumMod val="65000"/>
+                  <a:lumOff val="35000"/>
+                </a:schemeClr>
+              </a:solidFill>
+              <a:latin typeface="Times New Roman" panose="02020503050405090304" pitchFamily="18" charset="0"/>
+              <a:cs typeface="Times New Roman" panose="02020503050405090304" pitchFamily="18" charset="0"/>
+            </a:endParaRPr>
           </a:p>
           <a:p>
             <a:pPr>
@@ -9140,8 +9455,8 @@
               <a:solidFill>
                 <a:srgbClr val="FF0000"/>
               </a:solidFill>
-              <a:latin typeface="Times New Roman" panose="02020603050405020304" pitchFamily="18" charset="0"/>
-              <a:cs typeface="Times New Roman" panose="02020603050405020304" pitchFamily="18" charset="0"/>
+              <a:latin typeface="Times New Roman" panose="02020503050405090304" pitchFamily="18" charset="0"/>
+              <a:cs typeface="Times New Roman" panose="02020503050405090304" pitchFamily="18" charset="0"/>
             </a:endParaRPr>
           </a:p>
           <a:p>
@@ -9152,8 +9467,8 @@
               <a:solidFill>
                 <a:srgbClr val="FF0000"/>
               </a:solidFill>
-              <a:latin typeface="Times New Roman" panose="02020603050405020304" pitchFamily="18" charset="0"/>
-              <a:cs typeface="Times New Roman" panose="02020603050405020304" pitchFamily="18" charset="0"/>
+              <a:latin typeface="Times New Roman" panose="02020503050405090304" pitchFamily="18" charset="0"/>
+              <a:cs typeface="Times New Roman" panose="02020503050405090304" pitchFamily="18" charset="0"/>
             </a:endParaRPr>
           </a:p>
         </p:txBody>
@@ -9175,18 +9490,12 @@
           <a:p>
             <a:fld id="{D783A4F0-891E-44AD-B162-AD1ECFE5DF4E}" type="slidenum">
               <a:rPr lang="en-US" smtClean="0"/>
-              <a:t>7</a:t>
             </a:fld>
             <a:endParaRPr lang="en-US"/>
           </a:p>
         </p:txBody>
       </p:sp>
     </p:spTree>
-    <p:extLst>
-      <p:ext uri="{BB962C8B-B14F-4D97-AF65-F5344CB8AC3E}">
-        <p14:creationId xmlns:p14="http://schemas.microsoft.com/office/powerpoint/2010/main" val="3150832187"/>
-      </p:ext>
-    </p:extLst>
   </p:cSld>
   <p:clrMapOvr>
     <a:masterClrMapping/>
@@ -9240,8 +9549,8 @@
                     <a:lumMod val="75000"/>
                   </a:schemeClr>
                 </a:solidFill>
-                <a:latin typeface="Times New Roman" panose="02020603050405020304" pitchFamily="18" charset="0"/>
-                <a:cs typeface="Times New Roman" panose="02020603050405020304" pitchFamily="18" charset="0"/>
+                <a:latin typeface="Times New Roman" panose="02020503050405090304" pitchFamily="18" charset="0"/>
+                <a:cs typeface="Times New Roman" panose="02020503050405090304" pitchFamily="18" charset="0"/>
               </a:rPr>
               <a:t>Measurement</a:t>
             </a:r>
@@ -9251,8 +9560,8 @@
                   <a:lumMod val="75000"/>
                 </a:schemeClr>
               </a:solidFill>
-              <a:latin typeface="Times New Roman" panose="02020603050405020304" pitchFamily="18" charset="0"/>
-              <a:cs typeface="Times New Roman" panose="02020603050405020304" pitchFamily="18" charset="0"/>
+              <a:latin typeface="Times New Roman" panose="02020503050405090304" pitchFamily="18" charset="0"/>
+              <a:cs typeface="Times New Roman" panose="02020503050405090304" pitchFamily="18" charset="0"/>
             </a:endParaRPr>
           </a:p>
         </p:txBody>
@@ -9280,67 +9589,71 @@
             </a:pPr>
             <a:r>
               <a:rPr lang="en-US" sz="3200" i="1" dirty="0">
-                <a:latin typeface="Times New Roman" panose="02020603050405020304" pitchFamily="18" charset="0"/>
-                <a:cs typeface="Times New Roman" panose="02020603050405020304" pitchFamily="18" charset="0"/>
+                <a:latin typeface="Times New Roman" panose="02020503050405090304" pitchFamily="18" charset="0"/>
+                <a:cs typeface="Times New Roman" panose="02020503050405090304" pitchFamily="18" charset="0"/>
               </a:rPr>
               <a:t>Measurement</a:t>
             </a:r>
             <a:r>
               <a:rPr lang="en-US" sz="3200" dirty="0">
-                <a:latin typeface="Times New Roman" panose="02020603050405020304" pitchFamily="18" charset="0"/>
-                <a:cs typeface="Times New Roman" panose="02020603050405020304" pitchFamily="18" charset="0"/>
+                <a:latin typeface="Times New Roman" panose="02020503050405090304" pitchFamily="18" charset="0"/>
+                <a:cs typeface="Times New Roman" panose="02020503050405090304" pitchFamily="18" charset="0"/>
               </a:rPr>
               <a:t> is the process by which numbers or symbols </a:t>
             </a:r>
             <a:r>
               <a:rPr lang="en-US" sz="3200" dirty="0" smtClean="0">
-                <a:latin typeface="Times New Roman" panose="02020603050405020304" pitchFamily="18" charset="0"/>
-                <a:cs typeface="Times New Roman" panose="02020603050405020304" pitchFamily="18" charset="0"/>
+                <a:latin typeface="Times New Roman" panose="02020503050405090304" pitchFamily="18" charset="0"/>
+                <a:cs typeface="Times New Roman" panose="02020503050405090304" pitchFamily="18" charset="0"/>
               </a:rPr>
               <a:t>are assigned </a:t>
             </a:r>
             <a:r>
               <a:rPr lang="en-US" sz="3200" dirty="0">
-                <a:latin typeface="Times New Roman" panose="02020603050405020304" pitchFamily="18" charset="0"/>
-                <a:cs typeface="Times New Roman" panose="02020603050405020304" pitchFamily="18" charset="0"/>
+                <a:latin typeface="Times New Roman" panose="02020503050405090304" pitchFamily="18" charset="0"/>
+                <a:cs typeface="Times New Roman" panose="02020503050405090304" pitchFamily="18" charset="0"/>
               </a:rPr>
               <a:t>to </a:t>
             </a:r>
             <a:r>
               <a:rPr lang="en-US" sz="3200" i="1" dirty="0">
-                <a:latin typeface="Times New Roman" panose="02020603050405020304" pitchFamily="18" charset="0"/>
-                <a:cs typeface="Times New Roman" panose="02020603050405020304" pitchFamily="18" charset="0"/>
+                <a:latin typeface="Times New Roman" panose="02020503050405090304" pitchFamily="18" charset="0"/>
+                <a:cs typeface="Times New Roman" panose="02020503050405090304" pitchFamily="18" charset="0"/>
               </a:rPr>
               <a:t>attributes of entities </a:t>
             </a:r>
             <a:r>
               <a:rPr lang="en-US" sz="3200" dirty="0">
-                <a:latin typeface="Times New Roman" panose="02020603050405020304" pitchFamily="18" charset="0"/>
-                <a:cs typeface="Times New Roman" panose="02020603050405020304" pitchFamily="18" charset="0"/>
+                <a:latin typeface="Times New Roman" panose="02020503050405090304" pitchFamily="18" charset="0"/>
+                <a:cs typeface="Times New Roman" panose="02020503050405090304" pitchFamily="18" charset="0"/>
               </a:rPr>
               <a:t>in the real world in such a way </a:t>
             </a:r>
             <a:r>
               <a:rPr lang="en-US" sz="3200" dirty="0" smtClean="0">
-                <a:latin typeface="Times New Roman" panose="02020603050405020304" pitchFamily="18" charset="0"/>
-                <a:cs typeface="Times New Roman" panose="02020603050405020304" pitchFamily="18" charset="0"/>
+                <a:latin typeface="Times New Roman" panose="02020503050405090304" pitchFamily="18" charset="0"/>
+                <a:cs typeface="Times New Roman" panose="02020503050405090304" pitchFamily="18" charset="0"/>
               </a:rPr>
               <a:t>so as </a:t>
             </a:r>
             <a:r>
               <a:rPr lang="en-US" sz="3200" dirty="0">
-                <a:latin typeface="Times New Roman" panose="02020603050405020304" pitchFamily="18" charset="0"/>
-                <a:cs typeface="Times New Roman" panose="02020603050405020304" pitchFamily="18" charset="0"/>
+                <a:latin typeface="Times New Roman" panose="02020503050405090304" pitchFamily="18" charset="0"/>
+                <a:cs typeface="Times New Roman" panose="02020503050405090304" pitchFamily="18" charset="0"/>
               </a:rPr>
               <a:t>to describe them according to clearly defined rules</a:t>
             </a:r>
             <a:r>
               <a:rPr lang="en-US" sz="3200" dirty="0" smtClean="0">
-                <a:latin typeface="Times New Roman" panose="02020603050405020304" pitchFamily="18" charset="0"/>
-                <a:cs typeface="Times New Roman" panose="02020603050405020304" pitchFamily="18" charset="0"/>
+                <a:latin typeface="Times New Roman" panose="02020503050405090304" pitchFamily="18" charset="0"/>
+                <a:cs typeface="Times New Roman" panose="02020503050405090304" pitchFamily="18" charset="0"/>
               </a:rPr>
               <a:t>.</a:t>
             </a:r>
+            <a:endParaRPr lang="en-US" sz="3200" dirty="0" smtClean="0">
+              <a:latin typeface="Times New Roman" panose="02020503050405090304" pitchFamily="18" charset="0"/>
+              <a:cs typeface="Times New Roman" panose="02020503050405090304" pitchFamily="18" charset="0"/>
+            </a:endParaRPr>
           </a:p>
           <a:p>
             <a:pPr>
@@ -9349,39 +9662,58 @@
             </a:pPr>
             <a:r>
               <a:rPr lang="en-US" sz="3200" dirty="0">
-                <a:latin typeface="Times New Roman" panose="02020603050405020304" pitchFamily="18" charset="0"/>
-                <a:cs typeface="Times New Roman" panose="02020603050405020304" pitchFamily="18" charset="0"/>
+                <a:latin typeface="Times New Roman" panose="02020503050405090304" pitchFamily="18" charset="0"/>
+                <a:cs typeface="Times New Roman" panose="02020503050405090304" pitchFamily="18" charset="0"/>
               </a:rPr>
               <a:t>Thus, measurement captures information about </a:t>
             </a:r>
             <a:r>
               <a:rPr lang="en-US" sz="3200" i="1" dirty="0">
-                <a:latin typeface="Times New Roman" panose="02020603050405020304" pitchFamily="18" charset="0"/>
-                <a:cs typeface="Times New Roman" panose="02020603050405020304" pitchFamily="18" charset="0"/>
+                <a:highlight>
+                  <a:srgbClr val="FFFF00"/>
+                </a:highlight>
+                <a:latin typeface="Times New Roman" panose="02020503050405090304" pitchFamily="18" charset="0"/>
+                <a:cs typeface="Times New Roman" panose="02020503050405090304" pitchFamily="18" charset="0"/>
               </a:rPr>
               <a:t>attributes</a:t>
             </a:r>
             <a:r>
               <a:rPr lang="en-US" sz="3200" dirty="0">
-                <a:latin typeface="Times New Roman" panose="02020603050405020304" pitchFamily="18" charset="0"/>
-                <a:cs typeface="Times New Roman" panose="02020603050405020304" pitchFamily="18" charset="0"/>
+                <a:highlight>
+                  <a:srgbClr val="FFFF00"/>
+                </a:highlight>
+                <a:latin typeface="Times New Roman" panose="02020503050405090304" pitchFamily="18" charset="0"/>
+                <a:cs typeface="Times New Roman" panose="02020503050405090304" pitchFamily="18" charset="0"/>
               </a:rPr>
               <a:t> of </a:t>
             </a:r>
             <a:r>
               <a:rPr lang="en-US" sz="3200" i="1" dirty="0">
-                <a:latin typeface="Times New Roman" panose="02020603050405020304" pitchFamily="18" charset="0"/>
-                <a:cs typeface="Times New Roman" panose="02020603050405020304" pitchFamily="18" charset="0"/>
+                <a:highlight>
+                  <a:srgbClr val="FFFF00"/>
+                </a:highlight>
+                <a:latin typeface="Times New Roman" panose="02020503050405090304" pitchFamily="18" charset="0"/>
+                <a:cs typeface="Times New Roman" panose="02020503050405090304" pitchFamily="18" charset="0"/>
               </a:rPr>
               <a:t>entities</a:t>
             </a:r>
             <a:r>
               <a:rPr lang="en-US" sz="3200" dirty="0" smtClean="0">
-                <a:latin typeface="Times New Roman" panose="02020603050405020304" pitchFamily="18" charset="0"/>
-                <a:cs typeface="Times New Roman" panose="02020603050405020304" pitchFamily="18" charset="0"/>
+                <a:highlight>
+                  <a:srgbClr val="FFFF00"/>
+                </a:highlight>
+                <a:latin typeface="Times New Roman" panose="02020503050405090304" pitchFamily="18" charset="0"/>
+                <a:cs typeface="Times New Roman" panose="02020503050405090304" pitchFamily="18" charset="0"/>
               </a:rPr>
               <a:t>.</a:t>
             </a:r>
+            <a:endParaRPr lang="en-US" sz="3200" dirty="0" smtClean="0">
+              <a:highlight>
+                <a:srgbClr val="FFFF00"/>
+              </a:highlight>
+              <a:latin typeface="Times New Roman" panose="02020503050405090304" pitchFamily="18" charset="0"/>
+              <a:cs typeface="Times New Roman" panose="02020503050405090304" pitchFamily="18" charset="0"/>
+            </a:endParaRPr>
           </a:p>
           <a:p>
             <a:pPr>
@@ -9390,25 +9722,41 @@
             </a:pPr>
             <a:r>
               <a:rPr lang="en-US" sz="3200" dirty="0" smtClean="0">
-                <a:latin typeface="Times New Roman" panose="02020603050405020304" pitchFamily="18" charset="0"/>
-                <a:cs typeface="Times New Roman" panose="02020603050405020304" pitchFamily="18" charset="0"/>
+                <a:highlight>
+                  <a:srgbClr val="FFFF00"/>
+                </a:highlight>
+                <a:latin typeface="Times New Roman" panose="02020503050405090304" pitchFamily="18" charset="0"/>
+                <a:cs typeface="Times New Roman" panose="02020503050405090304" pitchFamily="18" charset="0"/>
               </a:rPr>
               <a:t>An</a:t>
             </a:r>
             <a:r>
               <a:rPr lang="en-US" sz="3200" i="1" dirty="0" smtClean="0">
-                <a:latin typeface="Times New Roman" panose="02020603050405020304" pitchFamily="18" charset="0"/>
-                <a:cs typeface="Times New Roman" panose="02020603050405020304" pitchFamily="18" charset="0"/>
+                <a:highlight>
+                  <a:srgbClr val="FFFF00"/>
+                </a:highlight>
+                <a:latin typeface="Times New Roman" panose="02020503050405090304" pitchFamily="18" charset="0"/>
+                <a:cs typeface="Times New Roman" panose="02020503050405090304" pitchFamily="18" charset="0"/>
               </a:rPr>
               <a:t> Entity</a:t>
             </a:r>
             <a:r>
               <a:rPr lang="en-US" sz="3200" dirty="0" smtClean="0">
-                <a:latin typeface="Times New Roman" panose="02020603050405020304" pitchFamily="18" charset="0"/>
-                <a:cs typeface="Times New Roman" panose="02020603050405020304" pitchFamily="18" charset="0"/>
+                <a:highlight>
+                  <a:srgbClr val="FFFF00"/>
+                </a:highlight>
+                <a:latin typeface="Times New Roman" panose="02020503050405090304" pitchFamily="18" charset="0"/>
+                <a:cs typeface="Times New Roman" panose="02020503050405090304" pitchFamily="18" charset="0"/>
               </a:rPr>
               <a:t> is an object or event in the real world</a:t>
             </a:r>
+            <a:endParaRPr lang="en-US" sz="3200" dirty="0" smtClean="0">
+              <a:highlight>
+                <a:srgbClr val="FFFF00"/>
+              </a:highlight>
+              <a:latin typeface="Times New Roman" panose="02020503050405090304" pitchFamily="18" charset="0"/>
+              <a:cs typeface="Times New Roman" panose="02020503050405090304" pitchFamily="18" charset="0"/>
+            </a:endParaRPr>
           </a:p>
           <a:p>
             <a:pPr>
@@ -9417,32 +9765,48 @@
             </a:pPr>
             <a:r>
               <a:rPr lang="en-US" sz="3200" dirty="0" smtClean="0">
-                <a:latin typeface="Times New Roman" panose="02020603050405020304" pitchFamily="18" charset="0"/>
-                <a:cs typeface="Times New Roman" panose="02020603050405020304" pitchFamily="18" charset="0"/>
+                <a:highlight>
+                  <a:srgbClr val="FFFF00"/>
+                </a:highlight>
+                <a:latin typeface="Times New Roman" panose="02020503050405090304" pitchFamily="18" charset="0"/>
+                <a:cs typeface="Times New Roman" panose="02020503050405090304" pitchFamily="18" charset="0"/>
               </a:rPr>
               <a:t>An </a:t>
             </a:r>
             <a:r>
               <a:rPr lang="en-US" sz="3200" i="1" dirty="0" smtClean="0">
-                <a:latin typeface="Times New Roman" panose="02020603050405020304" pitchFamily="18" charset="0"/>
-                <a:cs typeface="Times New Roman" panose="02020603050405020304" pitchFamily="18" charset="0"/>
+                <a:highlight>
+                  <a:srgbClr val="FFFF00"/>
+                </a:highlight>
+                <a:latin typeface="Times New Roman" panose="02020503050405090304" pitchFamily="18" charset="0"/>
+                <a:cs typeface="Times New Roman" panose="02020503050405090304" pitchFamily="18" charset="0"/>
               </a:rPr>
               <a:t>attribute</a:t>
             </a:r>
             <a:r>
               <a:rPr lang="en-US" sz="3200" dirty="0" smtClean="0">
-                <a:latin typeface="Times New Roman" panose="02020603050405020304" pitchFamily="18" charset="0"/>
-                <a:cs typeface="Times New Roman" panose="02020603050405020304" pitchFamily="18" charset="0"/>
+                <a:highlight>
+                  <a:srgbClr val="FFFF00"/>
+                </a:highlight>
+                <a:latin typeface="Times New Roman" panose="02020503050405090304" pitchFamily="18" charset="0"/>
+                <a:cs typeface="Times New Roman" panose="02020503050405090304" pitchFamily="18" charset="0"/>
               </a:rPr>
               <a:t> is a feature or property of an </a:t>
             </a:r>
             <a:r>
               <a:rPr lang="en-US" sz="3200" i="1" dirty="0" smtClean="0">
-                <a:latin typeface="Times New Roman" panose="02020603050405020304" pitchFamily="18" charset="0"/>
-                <a:cs typeface="Times New Roman" panose="02020603050405020304" pitchFamily="18" charset="0"/>
+                <a:highlight>
+                  <a:srgbClr val="FFFF00"/>
+                </a:highlight>
+                <a:latin typeface="Times New Roman" panose="02020503050405090304" pitchFamily="18" charset="0"/>
+                <a:cs typeface="Times New Roman" panose="02020503050405090304" pitchFamily="18" charset="0"/>
               </a:rPr>
               <a:t>entity</a:t>
             </a:r>
+            <a:endParaRPr lang="en-US" sz="3200" i="1" dirty="0" smtClean="0">
+              <a:latin typeface="Times New Roman" panose="02020503050405090304" pitchFamily="18" charset="0"/>
+              <a:cs typeface="Times New Roman" panose="02020503050405090304" pitchFamily="18" charset="0"/>
+            </a:endParaRPr>
           </a:p>
           <a:p>
             <a:pPr>
@@ -9451,46 +9815,93 @@
             </a:pPr>
             <a:r>
               <a:rPr lang="en-US" sz="3200" dirty="0" smtClean="0">
-                <a:latin typeface="Times New Roman" panose="02020603050405020304" pitchFamily="18" charset="0"/>
-                <a:cs typeface="Times New Roman" panose="02020603050405020304" pitchFamily="18" charset="0"/>
+                <a:highlight>
+                  <a:srgbClr val="FFFF00"/>
+                </a:highlight>
+                <a:latin typeface="Times New Roman" panose="02020503050405090304" pitchFamily="18" charset="0"/>
+                <a:cs typeface="Times New Roman" panose="02020503050405090304" pitchFamily="18" charset="0"/>
               </a:rPr>
               <a:t>Two</a:t>
             </a:r>
             <a:r>
               <a:rPr lang="en-US" sz="3200" i="1" dirty="0" smtClean="0">
-                <a:latin typeface="Times New Roman" panose="02020603050405020304" pitchFamily="18" charset="0"/>
-                <a:cs typeface="Times New Roman" panose="02020603050405020304" pitchFamily="18" charset="0"/>
+                <a:highlight>
+                  <a:srgbClr val="FFFF00"/>
+                </a:highlight>
+                <a:latin typeface="Times New Roman" panose="02020503050405090304" pitchFamily="18" charset="0"/>
+                <a:cs typeface="Times New Roman" panose="02020503050405090304" pitchFamily="18" charset="0"/>
               </a:rPr>
               <a:t> </a:t>
             </a:r>
             <a:r>
               <a:rPr lang="en-US" sz="3200" dirty="0" smtClean="0">
-                <a:latin typeface="Times New Roman" panose="02020603050405020304" pitchFamily="18" charset="0"/>
-                <a:cs typeface="Times New Roman" panose="02020603050405020304" pitchFamily="18" charset="0"/>
-              </a:rPr>
-              <a:t>general types of attributes in SE</a:t>
+                <a:highlight>
+                  <a:srgbClr val="FFFF00"/>
+                </a:highlight>
+                <a:latin typeface="Times New Roman" panose="02020503050405090304" pitchFamily="18" charset="0"/>
+                <a:cs typeface="Times New Roman" panose="02020503050405090304" pitchFamily="18" charset="0"/>
+              </a:rPr>
+              <a:t>general types of attributes</a:t>
+            </a:r>
+            <a:r>
+              <a:rPr lang="en-US" sz="3200" dirty="0" smtClean="0">
+                <a:latin typeface="Times New Roman" panose="02020503050405090304" pitchFamily="18" charset="0"/>
+                <a:cs typeface="Times New Roman" panose="02020503050405090304" pitchFamily="18" charset="0"/>
+              </a:rPr>
+              <a:t> in SE</a:t>
             </a:r>
             <a:r>
               <a:rPr lang="en-US" sz="3200" i="1" dirty="0" smtClean="0">
-                <a:latin typeface="Times New Roman" panose="02020603050405020304" pitchFamily="18" charset="0"/>
-                <a:cs typeface="Times New Roman" panose="02020603050405020304" pitchFamily="18" charset="0"/>
-              </a:rPr>
-              <a:t>: Internal (e.g., code, size, and modularity) </a:t>
+                <a:latin typeface="Times New Roman" panose="02020503050405090304" pitchFamily="18" charset="0"/>
+                <a:cs typeface="Times New Roman" panose="02020503050405090304" pitchFamily="18" charset="0"/>
+              </a:rPr>
+              <a:t>: </a:t>
+            </a:r>
+            <a:r>
+              <a:rPr lang="en-US" sz="3200" i="1" dirty="0" smtClean="0">
+                <a:highlight>
+                  <a:srgbClr val="FFFF00"/>
+                </a:highlight>
+                <a:latin typeface="Times New Roman" panose="02020503050405090304" pitchFamily="18" charset="0"/>
+                <a:cs typeface="Times New Roman" panose="02020503050405090304" pitchFamily="18" charset="0"/>
+              </a:rPr>
+              <a:t>Internal</a:t>
+            </a:r>
+            <a:r>
+              <a:rPr lang="en-US" sz="3200" i="1" dirty="0" smtClean="0">
+                <a:latin typeface="Times New Roman" panose="02020503050405090304" pitchFamily="18" charset="0"/>
+                <a:cs typeface="Times New Roman" panose="02020503050405090304" pitchFamily="18" charset="0"/>
+              </a:rPr>
+              <a:t> (e.g., code, size, and modularity) </a:t>
             </a:r>
             <a:r>
               <a:rPr lang="en-US" sz="3200" dirty="0" smtClean="0">
-                <a:latin typeface="Times New Roman" panose="02020603050405020304" pitchFamily="18" charset="0"/>
-                <a:cs typeface="Times New Roman" panose="02020603050405020304" pitchFamily="18" charset="0"/>
+                <a:latin typeface="Times New Roman" panose="02020503050405090304" pitchFamily="18" charset="0"/>
+                <a:cs typeface="Times New Roman" panose="02020503050405090304" pitchFamily="18" charset="0"/>
               </a:rPr>
               <a:t>and </a:t>
             </a:r>
             <a:r>
               <a:rPr lang="en-US" sz="3200" i="1" dirty="0" smtClean="0">
-                <a:latin typeface="Times New Roman" panose="02020603050405020304" pitchFamily="18" charset="0"/>
-                <a:cs typeface="Times New Roman" panose="02020603050405020304" pitchFamily="18" charset="0"/>
-              </a:rPr>
-              <a:t>External (e.g., reliability, maintainability)</a:t>
-            </a:r>
+                <a:highlight>
+                  <a:srgbClr val="FFFF00"/>
+                </a:highlight>
+                <a:latin typeface="Times New Roman" panose="02020503050405090304" pitchFamily="18" charset="0"/>
+                <a:cs typeface="Times New Roman" panose="02020503050405090304" pitchFamily="18" charset="0"/>
+              </a:rPr>
+              <a:t>External </a:t>
+            </a:r>
+            <a:r>
+              <a:rPr lang="en-US" sz="3200" i="1" dirty="0" smtClean="0">
+                <a:latin typeface="Times New Roman" panose="02020503050405090304" pitchFamily="18" charset="0"/>
+                <a:cs typeface="Times New Roman" panose="02020503050405090304" pitchFamily="18" charset="0"/>
+              </a:rPr>
+              <a:t>(e.g., reliability, maintainability)</a:t>
+            </a:r>
+            <a:endParaRPr lang="en-US" sz="3200" i="1" dirty="0" smtClean="0">
+              <a:latin typeface="Times New Roman" panose="02020503050405090304" pitchFamily="18" charset="0"/>
+              <a:cs typeface="Times New Roman" panose="02020503050405090304" pitchFamily="18" charset="0"/>
+            </a:endParaRPr>
           </a:p>
           <a:p>
             <a:pPr>
@@ -9499,14 +9910,14 @@
             </a:pPr>
             <a:r>
               <a:rPr lang="en-US" sz="3200" dirty="0" smtClean="0">
-                <a:latin typeface="Times New Roman" panose="02020603050405020304" pitchFamily="18" charset="0"/>
-                <a:cs typeface="Times New Roman" panose="02020603050405020304" pitchFamily="18" charset="0"/>
+                <a:latin typeface="Times New Roman" panose="02020503050405090304" pitchFamily="18" charset="0"/>
+                <a:cs typeface="Times New Roman" panose="02020503050405090304" pitchFamily="18" charset="0"/>
               </a:rPr>
               <a:t>The accuracy depends on the measuring instrument (or metrics)</a:t>
             </a:r>
             <a:endParaRPr lang="en-US" sz="3200" dirty="0">
-              <a:latin typeface="Times New Roman" panose="02020603050405020304" pitchFamily="18" charset="0"/>
-              <a:cs typeface="Times New Roman" panose="02020603050405020304" pitchFamily="18" charset="0"/>
+              <a:latin typeface="Times New Roman" panose="02020503050405090304" pitchFamily="18" charset="0"/>
+              <a:cs typeface="Times New Roman" panose="02020503050405090304" pitchFamily="18" charset="0"/>
             </a:endParaRPr>
           </a:p>
         </p:txBody>
@@ -9528,18 +9939,12 @@
           <a:p>
             <a:fld id="{D783A4F0-891E-44AD-B162-AD1ECFE5DF4E}" type="slidenum">
               <a:rPr lang="en-US" smtClean="0"/>
-              <a:t>8</a:t>
             </a:fld>
             <a:endParaRPr lang="en-US"/>
           </a:p>
         </p:txBody>
       </p:sp>
     </p:spTree>
-    <p:extLst>
-      <p:ext uri="{BB962C8B-B14F-4D97-AF65-F5344CB8AC3E}">
-        <p14:creationId xmlns:p14="http://schemas.microsoft.com/office/powerpoint/2010/main" val="89763729"/>
-      </p:ext>
-    </p:extLst>
   </p:cSld>
   <p:clrMapOvr>
     <a:masterClrMapping/>
@@ -9593,8 +9998,8 @@
                     <a:lumMod val="75000"/>
                   </a:schemeClr>
                 </a:solidFill>
-                <a:latin typeface="Times New Roman" panose="02020603050405020304" pitchFamily="18" charset="0"/>
-                <a:cs typeface="Times New Roman" panose="02020603050405020304" pitchFamily="18" charset="0"/>
+                <a:latin typeface="Times New Roman" panose="02020503050405090304" pitchFamily="18" charset="0"/>
+                <a:cs typeface="Times New Roman" panose="02020503050405090304" pitchFamily="18" charset="0"/>
               </a:rPr>
               <a:t>Measurement in Software Engineering</a:t>
             </a:r>
@@ -9604,8 +10009,8 @@
                   <a:lumMod val="75000"/>
                 </a:schemeClr>
               </a:solidFill>
-              <a:latin typeface="Times New Roman" panose="02020603050405020304" pitchFamily="18" charset="0"/>
-              <a:cs typeface="Times New Roman" panose="02020603050405020304" pitchFamily="18" charset="0"/>
+              <a:latin typeface="Times New Roman" panose="02020503050405090304" pitchFamily="18" charset="0"/>
+              <a:cs typeface="Times New Roman" panose="02020503050405090304" pitchFamily="18" charset="0"/>
             </a:endParaRPr>
           </a:p>
         </p:txBody>
@@ -9633,32 +10038,36 @@
             </a:pPr>
             <a:r>
               <a:rPr lang="en-US" sz="3200" i="1" dirty="0">
-                <a:latin typeface="Times New Roman" panose="02020603050405020304" pitchFamily="18" charset="0"/>
-                <a:cs typeface="Times New Roman" panose="02020603050405020304" pitchFamily="18" charset="0"/>
+                <a:latin typeface="Times New Roman" panose="02020503050405090304" pitchFamily="18" charset="0"/>
+                <a:cs typeface="Times New Roman" panose="02020503050405090304" pitchFamily="18" charset="0"/>
               </a:rPr>
               <a:t>Measurement </a:t>
             </a:r>
             <a:r>
               <a:rPr lang="en-US" sz="3200" dirty="0">
-                <a:latin typeface="Times New Roman" panose="02020603050405020304" pitchFamily="18" charset="0"/>
-                <a:cs typeface="Times New Roman" panose="02020603050405020304" pitchFamily="18" charset="0"/>
+                <a:latin typeface="Times New Roman" panose="02020503050405090304" pitchFamily="18" charset="0"/>
+                <a:cs typeface="Times New Roman" panose="02020503050405090304" pitchFamily="18" charset="0"/>
               </a:rPr>
               <a:t>in SE is selecting, </a:t>
             </a:r>
             <a:r>
               <a:rPr lang="en-US" sz="3200" dirty="0" smtClean="0">
-                <a:latin typeface="Times New Roman" panose="02020603050405020304" pitchFamily="18" charset="0"/>
-                <a:cs typeface="Times New Roman" panose="02020603050405020304" pitchFamily="18" charset="0"/>
+                <a:latin typeface="Times New Roman" panose="02020503050405090304" pitchFamily="18" charset="0"/>
+                <a:cs typeface="Times New Roman" panose="02020503050405090304" pitchFamily="18" charset="0"/>
               </a:rPr>
               <a:t>measuring, </a:t>
             </a:r>
             <a:r>
               <a:rPr lang="en-US" sz="3200" dirty="0">
-                <a:latin typeface="Times New Roman" panose="02020603050405020304" pitchFamily="18" charset="0"/>
-                <a:cs typeface="Times New Roman" panose="02020603050405020304" pitchFamily="18" charset="0"/>
+                <a:latin typeface="Times New Roman" panose="02020503050405090304" pitchFamily="18" charset="0"/>
+                <a:cs typeface="Times New Roman" panose="02020503050405090304" pitchFamily="18" charset="0"/>
               </a:rPr>
               <a:t>and putting together many different attributes of the software and adding our subjective interpretation in order to get a whole picture of the software</a:t>
             </a:r>
+            <a:endParaRPr lang="en-US" sz="3200" dirty="0">
+              <a:latin typeface="Times New Roman" panose="02020503050405090304" pitchFamily="18" charset="0"/>
+              <a:cs typeface="Times New Roman" panose="02020503050405090304" pitchFamily="18" charset="0"/>
+            </a:endParaRPr>
           </a:p>
           <a:p>
             <a:pPr algn="just">
@@ -9667,11 +10076,15 @@
             </a:pPr>
             <a:r>
               <a:rPr lang="en-US" sz="3200" dirty="0" smtClean="0">
-                <a:latin typeface="Times New Roman" panose="02020603050405020304" pitchFamily="18" charset="0"/>
-                <a:cs typeface="Times New Roman" panose="02020603050405020304" pitchFamily="18" charset="0"/>
+                <a:latin typeface="Times New Roman" panose="02020503050405090304" pitchFamily="18" charset="0"/>
+                <a:cs typeface="Times New Roman" panose="02020503050405090304" pitchFamily="18" charset="0"/>
               </a:rPr>
               <a:t>A good software must be reliable, user-friendly, and maintainable</a:t>
             </a:r>
+            <a:endParaRPr lang="en-US" sz="3200" dirty="0" smtClean="0">
+              <a:latin typeface="Times New Roman" panose="02020503050405090304" pitchFamily="18" charset="0"/>
+              <a:cs typeface="Times New Roman" panose="02020503050405090304" pitchFamily="18" charset="0"/>
+            </a:endParaRPr>
           </a:p>
           <a:p>
             <a:pPr>
@@ -9680,11 +10093,15 @@
             </a:pPr>
             <a:r>
               <a:rPr lang="en-US" sz="3200" dirty="0" smtClean="0">
-                <a:latin typeface="Times New Roman" panose="02020603050405020304" pitchFamily="18" charset="0"/>
-                <a:cs typeface="Times New Roman" panose="02020603050405020304" pitchFamily="18" charset="0"/>
+                <a:latin typeface="Times New Roman" panose="02020503050405090304" pitchFamily="18" charset="0"/>
+                <a:cs typeface="Times New Roman" panose="02020503050405090304" pitchFamily="18" charset="0"/>
               </a:rPr>
               <a:t>So? Is measurements necessary?</a:t>
             </a:r>
+            <a:endParaRPr lang="en-US" sz="3200" dirty="0" smtClean="0">
+              <a:latin typeface="Times New Roman" panose="02020503050405090304" pitchFamily="18" charset="0"/>
+              <a:cs typeface="Times New Roman" panose="02020503050405090304" pitchFamily="18" charset="0"/>
+            </a:endParaRPr>
           </a:p>
           <a:p>
             <a:pPr>
@@ -9693,14 +10110,14 @@
             </a:pPr>
             <a:r>
               <a:rPr lang="en-US" sz="3200" dirty="0" smtClean="0">
-                <a:latin typeface="Times New Roman" panose="02020603050405020304" pitchFamily="18" charset="0"/>
-                <a:cs typeface="Times New Roman" panose="02020603050405020304" pitchFamily="18" charset="0"/>
+                <a:latin typeface="Times New Roman" panose="02020503050405090304" pitchFamily="18" charset="0"/>
+                <a:cs typeface="Times New Roman" panose="02020503050405090304" pitchFamily="18" charset="0"/>
               </a:rPr>
               <a:t>What are the effect of neglecting proper measuring in SE? </a:t>
             </a:r>
             <a:endParaRPr lang="en-US" sz="3200" dirty="0">
-              <a:latin typeface="Times New Roman" panose="02020603050405020304" pitchFamily="18" charset="0"/>
-              <a:cs typeface="Times New Roman" panose="02020603050405020304" pitchFamily="18" charset="0"/>
+              <a:latin typeface="Times New Roman" panose="02020503050405090304" pitchFamily="18" charset="0"/>
+              <a:cs typeface="Times New Roman" panose="02020503050405090304" pitchFamily="18" charset="0"/>
             </a:endParaRPr>
           </a:p>
         </p:txBody>
@@ -9722,18 +10139,12 @@
           <a:p>
             <a:fld id="{D783A4F0-891E-44AD-B162-AD1ECFE5DF4E}" type="slidenum">
               <a:rPr lang="en-US" smtClean="0"/>
-              <a:t>9</a:t>
             </a:fld>
             <a:endParaRPr lang="en-US"/>
           </a:p>
         </p:txBody>
       </p:sp>
     </p:spTree>
-    <p:extLst>
-      <p:ext uri="{BB962C8B-B14F-4D97-AF65-F5344CB8AC3E}">
-        <p14:creationId xmlns:p14="http://schemas.microsoft.com/office/powerpoint/2010/main" val="2968737504"/>
-      </p:ext>
-    </p:extLst>
   </p:cSld>
   <p:clrMapOvr>
     <a:masterClrMapping/>
@@ -9791,7 +10202,7 @@
     </a:clrScheme>
     <a:fontScheme name="Retrospect">
       <a:majorFont>
-        <a:latin typeface="Calibri Light" panose="020F0302020204030204"/>
+        <a:latin typeface="Calibri Light"/>
         <a:ea typeface=""/>
         <a:cs typeface=""/>
         <a:font script="Jpan" typeface="ＭＳ Ｐゴシック"/>
@@ -9826,7 +10237,7 @@
         <a:font script="Geor" typeface="Sylfaen"/>
       </a:majorFont>
       <a:minorFont>
-        <a:latin typeface="Calibri" panose="020F0502020204030204"/>
+        <a:latin typeface="Calibri"/>
         <a:ea typeface=""/>
         <a:cs typeface=""/>
         <a:font script="Jpan" typeface="ＭＳ Ｐゴシック"/>
@@ -10043,11 +10454,9 @@
       </a:bgFillStyleLst>
     </a:fmtScheme>
   </a:themeElements>
-  <a:objectDefaults/>
-  <a:extraClrSchemeLst/>
   <a:extLst>
     <a:ext uri="{05A4C25C-085E-4340-85A3-A5531E510DB2}">
-      <thm15:themeFamily xmlns:thm15="http://schemas.microsoft.com/office/thememl/2012/main" name="Retrospect" id="{5F128B03-DCCA-4EEB-AB3B-CF2899314A46}" vid="{9CC26709-368C-4D72-9060-94E5B3FF3CD6}"/>
+      <thm15:themeFamily xmlns:thm15="http://schemas.microsoft.com/office/thememl/2012/main" name="Office Theme" id="{62F939B6-93AF-4DB8-9C6B-D6C7DFDC589F}" vid="{4A3C46E8-61CC-4603-A589-7422A47A8E4A}"/>
     </a:ext>
   </a:extLst>
 </a:theme>
@@ -10096,7 +10505,7 @@
     </a:clrScheme>
     <a:fontScheme name="Office">
       <a:majorFont>
-        <a:latin typeface="Calibri Light" panose="020F0302020204030204"/>
+        <a:latin typeface="Calibri Light"/>
         <a:ea typeface=""/>
         <a:cs typeface=""/>
         <a:font script="Jpan" typeface="游ゴシック Light"/>
@@ -10131,7 +10540,7 @@
         <a:font script="Geor" typeface="Sylfaen"/>
       </a:majorFont>
       <a:minorFont>
-        <a:latin typeface="Calibri" panose="020F0502020204030204"/>
+        <a:latin typeface="Calibri"/>
         <a:ea typeface=""/>
         <a:cs typeface=""/>
         <a:font script="Jpan" typeface="游ゴシック"/>
@@ -10304,8 +10713,6 @@
       </a:bgFillStyleLst>
     </a:fmtScheme>
   </a:themeElements>
-  <a:objectDefaults/>
-  <a:extraClrSchemeLst/>
   <a:extLst>
     <a:ext uri="{05A4C25C-085E-4340-85A3-A5531E510DB2}">
       <thm15:themeFamily xmlns:thm15="http://schemas.microsoft.com/office/thememl/2012/main" name="Office Theme" id="{62F939B6-93AF-4DB8-9C6B-D6C7DFDC589F}" vid="{4A3C46E8-61CC-4603-A589-7422A47A8E4A}"/>
